--- a/FW/Phuc/WEEK4_config_dialogtic_cotrol_information/TEMPLATE SLITE Writehttp.pptx
+++ b/FW/Phuc/WEEK4_config_dialogtic_cotrol_information/TEMPLATE SLITE Writehttp.pptx
@@ -232,7 +232,7 @@
           <a:p>
             <a:fld id="{BE921E71-55FB-4F70-BA64-7E87629B9540}" type="datetimeFigureOut">
               <a:rPr lang="en-US" smtClean="0"/>
-              <a:t>8/15/2020</a:t>
+              <a:t>8/16/2020</a:t>
             </a:fld>
             <a:endParaRPr lang="en-US"/>
           </a:p>
@@ -3290,7 +3290,7 @@
           <a:p>
             <a:fld id="{6D9FEF56-C5D4-4D87-B961-211842A8ECEA}" type="datetime1">
               <a:rPr lang="en-US" smtClean="0"/>
-              <a:t>8/15/2020</a:t>
+              <a:t>8/16/2020</a:t>
             </a:fld>
             <a:endParaRPr lang="en-US"/>
           </a:p>
@@ -3785,7 +3785,8 @@
                     <a:lumOff val="60000"/>
                   </a:schemeClr>
                 </a:solidFill>
-                <a:latin typeface="Times New Roman" panose="02020603050405020304" pitchFamily="18" charset="0"/>
+                <a:latin typeface="Segoe UI Black" panose="020B0A02040204020203" pitchFamily="34" charset="0"/>
+                <a:ea typeface="Segoe UI Black" panose="020B0A02040204020203" pitchFamily="34" charset="0"/>
                 <a:cs typeface="Times New Roman" panose="02020603050405020304" pitchFamily="18" charset="0"/>
               </a:rPr>
               <a:t>PART </a:t>
@@ -3804,7 +3805,8 @@
                     <a:lumOff val="60000"/>
                   </a:schemeClr>
                 </a:solidFill>
-                <a:latin typeface="Times New Roman" panose="02020603050405020304" pitchFamily="18" charset="0"/>
+                <a:latin typeface="Segoe UI Black" panose="020B0A02040204020203" pitchFamily="34" charset="0"/>
+                <a:ea typeface="Segoe UI Black" panose="020B0A02040204020203" pitchFamily="34" charset="0"/>
                 <a:cs typeface="Times New Roman" panose="02020603050405020304" pitchFamily="18" charset="0"/>
               </a:rPr>
               <a:t>2:</a:t>
@@ -3826,7 +3828,8 @@
                     <a:lumOff val="60000"/>
                   </a:schemeClr>
                 </a:solidFill>
-                <a:latin typeface="Times New Roman" panose="02020603050405020304" pitchFamily="18" charset="0"/>
+                <a:latin typeface="Segoe UI Black" panose="020B0A02040204020203" pitchFamily="34" charset="0"/>
+                <a:ea typeface="Segoe UI Black" panose="020B0A02040204020203" pitchFamily="34" charset="0"/>
                 <a:cs typeface="Times New Roman" panose="02020603050405020304" pitchFamily="18" charset="0"/>
               </a:rPr>
               <a:t>Post&amp;Get http</a:t>
@@ -3848,27 +3851,12 @@
                     <a:lumOff val="60000"/>
                   </a:schemeClr>
                 </a:solidFill>
-                <a:latin typeface="Times New Roman" panose="02020603050405020304" pitchFamily="18" charset="0"/>
+                <a:latin typeface="Segoe UI Black" panose="020B0A02040204020203" pitchFamily="34" charset="0"/>
+                <a:ea typeface="Segoe UI Black" panose="020B0A02040204020203" pitchFamily="34" charset="0"/>
                 <a:cs typeface="Times New Roman" panose="02020603050405020304" pitchFamily="18" charset="0"/>
               </a:rPr>
               <a:t>Get info</a:t>
             </a:r>
-            <a:endParaRPr lang="en-US" sz="6000" b="1" dirty="0" smtClean="0">
-              <a:ln w="22225">
-                <a:solidFill>
-                  <a:schemeClr val="accent2"/>
-                </a:solidFill>
-                <a:prstDash val="solid"/>
-              </a:ln>
-              <a:solidFill>
-                <a:schemeClr val="accent2">
-                  <a:lumMod val="40000"/>
-                  <a:lumOff val="60000"/>
-                </a:schemeClr>
-              </a:solidFill>
-              <a:latin typeface="Times New Roman" panose="02020603050405020304" pitchFamily="18" charset="0"/>
-              <a:cs typeface="Times New Roman" panose="02020603050405020304" pitchFamily="18" charset="0"/>
-            </a:endParaRPr>
           </a:p>
         </p:txBody>
       </p:sp>
@@ -3921,8 +3909,8 @@
         </p:nvSpPr>
         <p:spPr>
           <a:xfrm>
-            <a:off x="1971675" y="571487"/>
-            <a:ext cx="2787943" cy="590931"/>
+            <a:off x="1971675" y="488388"/>
+            <a:ext cx="4076757" cy="757130"/>
           </a:xfrm>
           <a:prstGeom prst="rect">
             <a:avLst/>
@@ -3936,7 +3924,7 @@
           <a:lstStyle/>
           <a:p>
             <a:r>
-              <a:rPr lang="en-US" sz="3600" b="1" dirty="0" smtClean="0">
+              <a:rPr lang="en-US" sz="4800" b="1" dirty="0" smtClean="0">
                 <a:solidFill>
                   <a:srgbClr val="FF0000"/>
                 </a:solidFill>
@@ -3947,29 +3935,13 @@
                     </a:srgbClr>
                   </a:outerShdw>
                 </a:effectLst>
-                <a:latin typeface="Times New Roman" panose="02020603050405020304" pitchFamily="18" charset="0"/>
+                <a:latin typeface="Segoe UI Black" panose="020B0A02040204020203" pitchFamily="34" charset="0"/>
+                <a:ea typeface="Segoe UI Black" panose="020B0A02040204020203" pitchFamily="34" charset="0"/>
                 <a:cs typeface="Times New Roman" panose="02020603050405020304" pitchFamily="18" charset="0"/>
               </a:rPr>
-              <a:t>2.1 </a:t>
-            </a:r>
-            <a:r>
-              <a:rPr lang="en-US" sz="3600" b="1" dirty="0" smtClean="0">
-                <a:solidFill>
-                  <a:srgbClr val="FF0000"/>
-                </a:solidFill>
-                <a:effectLst>
-                  <a:outerShdw blurRad="38100" dist="38100" dir="2700000" algn="tl">
-                    <a:srgbClr val="000000">
-                      <a:alpha val="43137"/>
-                    </a:srgbClr>
-                  </a:outerShdw>
-                </a:effectLst>
-                <a:latin typeface="Times New Roman" panose="02020603050405020304" pitchFamily="18" charset="0"/>
-                <a:cs typeface="Times New Roman" panose="02020603050405020304" pitchFamily="18" charset="0"/>
-              </a:rPr>
-              <a:t>Giao diện</a:t>
-            </a:r>
-            <a:endParaRPr lang="en-US" sz="3600" b="1" dirty="0">
+              <a:t>2.1 Giao diện</a:t>
+            </a:r>
+            <a:endParaRPr lang="en-US" sz="4800" b="1" dirty="0">
               <a:solidFill>
                 <a:srgbClr val="FF0000"/>
               </a:solidFill>
@@ -3980,7 +3952,8 @@
                   </a:srgbClr>
                 </a:outerShdw>
               </a:effectLst>
-              <a:latin typeface="Times New Roman" panose="02020603050405020304" pitchFamily="18" charset="0"/>
+              <a:latin typeface="Segoe UI Black" panose="020B0A02040204020203" pitchFamily="34" charset="0"/>
+              <a:ea typeface="Segoe UI Black" panose="020B0A02040204020203" pitchFamily="34" charset="0"/>
               <a:cs typeface="Times New Roman" panose="02020603050405020304" pitchFamily="18" charset="0"/>
             </a:endParaRPr>
           </a:p>
@@ -4041,15 +4014,12 @@
             </a:pPr>
             <a:r>
               <a:rPr lang="en-US" sz="2400" dirty="0" smtClean="0">
-                <a:latin typeface="Times New Roman" panose="02020603050405020304" pitchFamily="18" charset="0"/>
+                <a:latin typeface="Segoe UI Black" panose="020B0A02040204020203" pitchFamily="34" charset="0"/>
+                <a:ea typeface="Segoe UI Black" panose="020B0A02040204020203" pitchFamily="34" charset="0"/>
                 <a:cs typeface="Times New Roman" panose="02020603050405020304" pitchFamily="18" charset="0"/>
               </a:rPr>
               <a:t>Vào đường link hiện lên trên serial</a:t>
             </a:r>
-            <a:endParaRPr lang="en-US" sz="2400" dirty="0" smtClean="0">
-              <a:latin typeface="Times New Roman" panose="02020603050405020304" pitchFamily="18" charset="0"/>
-              <a:cs typeface="Times New Roman" panose="02020603050405020304" pitchFamily="18" charset="0"/>
-            </a:endParaRPr>
           </a:p>
           <a:p>
             <a:pPr marL="0" lvl="1">
@@ -4058,7 +4028,8 @@
               </a:spcBef>
             </a:pPr>
             <a:endParaRPr lang="en-US" sz="2400" dirty="0" smtClean="0">
-              <a:latin typeface="Times New Roman" panose="02020603050405020304" pitchFamily="18" charset="0"/>
+              <a:latin typeface="Segoe UI Black" panose="020B0A02040204020203" pitchFamily="34" charset="0"/>
+              <a:ea typeface="Segoe UI Black" panose="020B0A02040204020203" pitchFamily="34" charset="0"/>
               <a:cs typeface="Times New Roman" panose="02020603050405020304" pitchFamily="18" charset="0"/>
             </a:endParaRPr>
           </a:p>
@@ -4072,15 +4043,12 @@
             </a:pPr>
             <a:r>
               <a:rPr lang="en-US" sz="2400" dirty="0" smtClean="0">
-                <a:latin typeface="Times New Roman" panose="02020603050405020304" pitchFamily="18" charset="0"/>
+                <a:latin typeface="Segoe UI Black" panose="020B0A02040204020203" pitchFamily="34" charset="0"/>
+                <a:ea typeface="Segoe UI Black" panose="020B0A02040204020203" pitchFamily="34" charset="0"/>
                 <a:cs typeface="Times New Roman" panose="02020603050405020304" pitchFamily="18" charset="0"/>
               </a:rPr>
               <a:t>Đăng nhập với user và password là “Indruino”</a:t>
             </a:r>
-            <a:endParaRPr lang="en-US" sz="2400" dirty="0" smtClean="0">
-              <a:latin typeface="Times New Roman" panose="02020603050405020304" pitchFamily="18" charset="0"/>
-              <a:cs typeface="Times New Roman" panose="02020603050405020304" pitchFamily="18" charset="0"/>
-            </a:endParaRPr>
           </a:p>
         </p:txBody>
       </p:sp>
@@ -4133,8 +4101,8 @@
         </p:nvSpPr>
         <p:spPr>
           <a:xfrm>
-            <a:off x="1971675" y="571487"/>
-            <a:ext cx="2787943" cy="590931"/>
+            <a:off x="1971675" y="488388"/>
+            <a:ext cx="4076757" cy="757130"/>
           </a:xfrm>
           <a:prstGeom prst="rect">
             <a:avLst/>
@@ -4148,7 +4116,7 @@
           <a:lstStyle/>
           <a:p>
             <a:r>
-              <a:rPr lang="en-US" sz="3600" b="1" dirty="0" smtClean="0">
+              <a:rPr lang="en-US" sz="4800" b="1" dirty="0" smtClean="0">
                 <a:solidFill>
                   <a:srgbClr val="FF0000"/>
                 </a:solidFill>
@@ -4159,29 +4127,13 @@
                     </a:srgbClr>
                   </a:outerShdw>
                 </a:effectLst>
-                <a:latin typeface="Times New Roman" panose="02020603050405020304" pitchFamily="18" charset="0"/>
+                <a:latin typeface="Segoe UI Black" panose="020B0A02040204020203" pitchFamily="34" charset="0"/>
+                <a:ea typeface="Segoe UI Black" panose="020B0A02040204020203" pitchFamily="34" charset="0"/>
                 <a:cs typeface="Times New Roman" panose="02020603050405020304" pitchFamily="18" charset="0"/>
               </a:rPr>
-              <a:t>2.1 </a:t>
-            </a:r>
-            <a:r>
-              <a:rPr lang="en-US" sz="3600" b="1" dirty="0" smtClean="0">
-                <a:solidFill>
-                  <a:srgbClr val="FF0000"/>
-                </a:solidFill>
-                <a:effectLst>
-                  <a:outerShdw blurRad="38100" dist="38100" dir="2700000" algn="tl">
-                    <a:srgbClr val="000000">
-                      <a:alpha val="43137"/>
-                    </a:srgbClr>
-                  </a:outerShdw>
-                </a:effectLst>
-                <a:latin typeface="Times New Roman" panose="02020603050405020304" pitchFamily="18" charset="0"/>
-                <a:cs typeface="Times New Roman" panose="02020603050405020304" pitchFamily="18" charset="0"/>
-              </a:rPr>
-              <a:t>Giao diện</a:t>
-            </a:r>
-            <a:endParaRPr lang="en-US" sz="3600" b="1" dirty="0">
+              <a:t>2.1 Giao diện</a:t>
+            </a:r>
+            <a:endParaRPr lang="en-US" sz="4800" b="1" dirty="0">
               <a:solidFill>
                 <a:srgbClr val="FF0000"/>
               </a:solidFill>
@@ -4192,7 +4144,8 @@
                   </a:srgbClr>
                 </a:outerShdw>
               </a:effectLst>
-              <a:latin typeface="Times New Roman" panose="02020603050405020304" pitchFamily="18" charset="0"/>
+              <a:latin typeface="Segoe UI Black" panose="020B0A02040204020203" pitchFamily="34" charset="0"/>
+              <a:ea typeface="Segoe UI Black" panose="020B0A02040204020203" pitchFamily="34" charset="0"/>
               <a:cs typeface="Times New Roman" panose="02020603050405020304" pitchFamily="18" charset="0"/>
             </a:endParaRPr>
           </a:p>
@@ -4229,7 +4182,8 @@
             </a:pPr>
             <a:r>
               <a:rPr lang="en-US" sz="2400" dirty="0" smtClean="0">
-                <a:latin typeface="Times New Roman" panose="02020603050405020304" pitchFamily="18" charset="0"/>
+                <a:latin typeface="Segoe UI Black" panose="020B0A02040204020203" pitchFamily="34" charset="0"/>
+                <a:ea typeface="Segoe UI Black" panose="020B0A02040204020203" pitchFamily="34" charset="0"/>
                 <a:cs typeface="Times New Roman" panose="02020603050405020304" pitchFamily="18" charset="0"/>
               </a:rPr>
               <a:t>Giao diện với các lựa chọn</a:t>
@@ -4245,7 +4199,8 @@
             </a:pPr>
             <a:r>
               <a:rPr lang="en-US" sz="2400" dirty="0" smtClean="0">
-                <a:latin typeface="Times New Roman" panose="02020603050405020304" pitchFamily="18" charset="0"/>
+                <a:latin typeface="Segoe UI Black" panose="020B0A02040204020203" pitchFamily="34" charset="0"/>
+                <a:ea typeface="Segoe UI Black" panose="020B0A02040204020203" pitchFamily="34" charset="0"/>
                 <a:cs typeface="Times New Roman" panose="02020603050405020304" pitchFamily="18" charset="0"/>
               </a:rPr>
               <a:t>Control</a:t>
@@ -4261,7 +4216,8 @@
             </a:pPr>
             <a:r>
               <a:rPr lang="en-US" sz="2400" dirty="0" smtClean="0">
-                <a:latin typeface="Times New Roman" panose="02020603050405020304" pitchFamily="18" charset="0"/>
+                <a:latin typeface="Segoe UI Black" panose="020B0A02040204020203" pitchFamily="34" charset="0"/>
+                <a:ea typeface="Segoe UI Black" panose="020B0A02040204020203" pitchFamily="34" charset="0"/>
                 <a:cs typeface="Times New Roman" panose="02020603050405020304" pitchFamily="18" charset="0"/>
               </a:rPr>
               <a:t>Diagnostic</a:t>
@@ -4277,15 +4233,12 @@
             </a:pPr>
             <a:r>
               <a:rPr lang="en-US" sz="2400" dirty="0" smtClean="0">
-                <a:latin typeface="Times New Roman" panose="02020603050405020304" pitchFamily="18" charset="0"/>
+                <a:latin typeface="Segoe UI Black" panose="020B0A02040204020203" pitchFamily="34" charset="0"/>
+                <a:ea typeface="Segoe UI Black" panose="020B0A02040204020203" pitchFamily="34" charset="0"/>
                 <a:cs typeface="Times New Roman" panose="02020603050405020304" pitchFamily="18" charset="0"/>
               </a:rPr>
               <a:t>Information</a:t>
             </a:r>
-            <a:endParaRPr lang="en-US" sz="2400" dirty="0" smtClean="0">
-              <a:latin typeface="Times New Roman" panose="02020603050405020304" pitchFamily="18" charset="0"/>
-              <a:cs typeface="Times New Roman" panose="02020603050405020304" pitchFamily="18" charset="0"/>
-            </a:endParaRPr>
           </a:p>
         </p:txBody>
       </p:sp>
@@ -4362,8 +4315,8 @@
         </p:nvSpPr>
         <p:spPr>
           <a:xfrm>
-            <a:off x="1971675" y="571487"/>
-            <a:ext cx="2787943" cy="590931"/>
+            <a:off x="1971675" y="488388"/>
+            <a:ext cx="4076757" cy="757130"/>
           </a:xfrm>
           <a:prstGeom prst="rect">
             <a:avLst/>
@@ -4377,7 +4330,7 @@
           <a:lstStyle/>
           <a:p>
             <a:r>
-              <a:rPr lang="en-US" sz="3600" b="1" dirty="0" smtClean="0">
+              <a:rPr lang="en-US" sz="4800" b="1" dirty="0" smtClean="0">
                 <a:solidFill>
                   <a:srgbClr val="FF0000"/>
                 </a:solidFill>
@@ -4388,29 +4341,13 @@
                     </a:srgbClr>
                   </a:outerShdw>
                 </a:effectLst>
-                <a:latin typeface="Times New Roman" panose="02020603050405020304" pitchFamily="18" charset="0"/>
+                <a:latin typeface="Segoe UI Black" panose="020B0A02040204020203" pitchFamily="34" charset="0"/>
+                <a:ea typeface="Segoe UI Black" panose="020B0A02040204020203" pitchFamily="34" charset="0"/>
                 <a:cs typeface="Times New Roman" panose="02020603050405020304" pitchFamily="18" charset="0"/>
               </a:rPr>
-              <a:t>2.1 </a:t>
-            </a:r>
-            <a:r>
-              <a:rPr lang="en-US" sz="3600" b="1" dirty="0" smtClean="0">
-                <a:solidFill>
-                  <a:srgbClr val="FF0000"/>
-                </a:solidFill>
-                <a:effectLst>
-                  <a:outerShdw blurRad="38100" dist="38100" dir="2700000" algn="tl">
-                    <a:srgbClr val="000000">
-                      <a:alpha val="43137"/>
-                    </a:srgbClr>
-                  </a:outerShdw>
-                </a:effectLst>
-                <a:latin typeface="Times New Roman" panose="02020603050405020304" pitchFamily="18" charset="0"/>
-                <a:cs typeface="Times New Roman" panose="02020603050405020304" pitchFamily="18" charset="0"/>
-              </a:rPr>
-              <a:t>Giao diện</a:t>
-            </a:r>
-            <a:endParaRPr lang="en-US" sz="3600" b="1" dirty="0">
+              <a:t>2.1 Giao diện</a:t>
+            </a:r>
+            <a:endParaRPr lang="en-US" sz="4800" b="1" dirty="0">
               <a:solidFill>
                 <a:srgbClr val="FF0000"/>
               </a:solidFill>
@@ -4421,7 +4358,8 @@
                   </a:srgbClr>
                 </a:outerShdw>
               </a:effectLst>
-              <a:latin typeface="Times New Roman" panose="02020603050405020304" pitchFamily="18" charset="0"/>
+              <a:latin typeface="Segoe UI Black" panose="020B0A02040204020203" pitchFamily="34" charset="0"/>
+              <a:ea typeface="Segoe UI Black" panose="020B0A02040204020203" pitchFamily="34" charset="0"/>
               <a:cs typeface="Times New Roman" panose="02020603050405020304" pitchFamily="18" charset="0"/>
             </a:endParaRPr>
           </a:p>
@@ -4458,7 +4396,8 @@
             </a:pPr>
             <a:r>
               <a:rPr lang="en-US" sz="2400" dirty="0" smtClean="0">
-                <a:latin typeface="Times New Roman" panose="02020603050405020304" pitchFamily="18" charset="0"/>
+                <a:latin typeface="Segoe UI Black" panose="020B0A02040204020203" pitchFamily="34" charset="0"/>
+                <a:ea typeface="Segoe UI Black" panose="020B0A02040204020203" pitchFamily="34" charset="0"/>
                 <a:cs typeface="Times New Roman" panose="02020603050405020304" pitchFamily="18" charset="0"/>
               </a:rPr>
               <a:t>Trong Information: các thông tin về thông số wifi</a:t>
@@ -4539,8 +4478,8 @@
         </p:nvSpPr>
         <p:spPr>
           <a:xfrm>
-            <a:off x="1971675" y="571487"/>
-            <a:ext cx="2787943" cy="590931"/>
+            <a:off x="1971675" y="488388"/>
+            <a:ext cx="4076757" cy="757130"/>
           </a:xfrm>
           <a:prstGeom prst="rect">
             <a:avLst/>
@@ -4554,7 +4493,7 @@
           <a:lstStyle/>
           <a:p>
             <a:r>
-              <a:rPr lang="en-US" sz="3600" b="1" dirty="0" smtClean="0">
+              <a:rPr lang="en-US" sz="4800" b="1" dirty="0" smtClean="0">
                 <a:solidFill>
                   <a:srgbClr val="FF0000"/>
                 </a:solidFill>
@@ -4565,29 +4504,13 @@
                     </a:srgbClr>
                   </a:outerShdw>
                 </a:effectLst>
-                <a:latin typeface="Times New Roman" panose="02020603050405020304" pitchFamily="18" charset="0"/>
+                <a:latin typeface="Segoe UI Black" panose="020B0A02040204020203" pitchFamily="34" charset="0"/>
+                <a:ea typeface="Segoe UI Black" panose="020B0A02040204020203" pitchFamily="34" charset="0"/>
                 <a:cs typeface="Times New Roman" panose="02020603050405020304" pitchFamily="18" charset="0"/>
               </a:rPr>
-              <a:t>2.1 </a:t>
-            </a:r>
-            <a:r>
-              <a:rPr lang="en-US" sz="3600" b="1" dirty="0" smtClean="0">
-                <a:solidFill>
-                  <a:srgbClr val="FF0000"/>
-                </a:solidFill>
-                <a:effectLst>
-                  <a:outerShdw blurRad="38100" dist="38100" dir="2700000" algn="tl">
-                    <a:srgbClr val="000000">
-                      <a:alpha val="43137"/>
-                    </a:srgbClr>
-                  </a:outerShdw>
-                </a:effectLst>
-                <a:latin typeface="Times New Roman" panose="02020603050405020304" pitchFamily="18" charset="0"/>
-                <a:cs typeface="Times New Roman" panose="02020603050405020304" pitchFamily="18" charset="0"/>
-              </a:rPr>
-              <a:t>Giao diện</a:t>
-            </a:r>
-            <a:endParaRPr lang="en-US" sz="3600" b="1" dirty="0">
+              <a:t>2.1 Giao diện</a:t>
+            </a:r>
+            <a:endParaRPr lang="en-US" sz="4800" b="1" dirty="0">
               <a:solidFill>
                 <a:srgbClr val="FF0000"/>
               </a:solidFill>
@@ -4598,7 +4521,8 @@
                   </a:srgbClr>
                 </a:outerShdw>
               </a:effectLst>
-              <a:latin typeface="Times New Roman" panose="02020603050405020304" pitchFamily="18" charset="0"/>
+              <a:latin typeface="Segoe UI Black" panose="020B0A02040204020203" pitchFamily="34" charset="0"/>
+              <a:ea typeface="Segoe UI Black" panose="020B0A02040204020203" pitchFamily="34" charset="0"/>
               <a:cs typeface="Times New Roman" panose="02020603050405020304" pitchFamily="18" charset="0"/>
             </a:endParaRPr>
           </a:p>
@@ -4635,7 +4559,8 @@
             </a:pPr>
             <a:r>
               <a:rPr lang="en-US" sz="2400" dirty="0" smtClean="0">
-                <a:latin typeface="Times New Roman" panose="02020603050405020304" pitchFamily="18" charset="0"/>
+                <a:latin typeface="Segoe UI Black" panose="020B0A02040204020203" pitchFamily="34" charset="0"/>
+                <a:ea typeface="Segoe UI Black" panose="020B0A02040204020203" pitchFamily="34" charset="0"/>
                 <a:cs typeface="Times New Roman" panose="02020603050405020304" pitchFamily="18" charset="0"/>
               </a:rPr>
               <a:t>Trong Diagnostic: thông tin về chip, input, output chip</a:t>
@@ -4716,8 +4641,8 @@
         </p:nvSpPr>
         <p:spPr>
           <a:xfrm>
-            <a:off x="1971675" y="571487"/>
-            <a:ext cx="2787943" cy="590931"/>
+            <a:off x="1971675" y="488388"/>
+            <a:ext cx="4076757" cy="757130"/>
           </a:xfrm>
           <a:prstGeom prst="rect">
             <a:avLst/>
@@ -4731,7 +4656,7 @@
           <a:lstStyle/>
           <a:p>
             <a:r>
-              <a:rPr lang="en-US" sz="3600" b="1" dirty="0" smtClean="0">
+              <a:rPr lang="en-US" sz="4800" b="1" dirty="0" smtClean="0">
                 <a:solidFill>
                   <a:srgbClr val="FF0000"/>
                 </a:solidFill>
@@ -4742,29 +4667,13 @@
                     </a:srgbClr>
                   </a:outerShdw>
                 </a:effectLst>
-                <a:latin typeface="Times New Roman" panose="02020603050405020304" pitchFamily="18" charset="0"/>
+                <a:latin typeface="Segoe UI Black" panose="020B0A02040204020203" pitchFamily="34" charset="0"/>
+                <a:ea typeface="Segoe UI Black" panose="020B0A02040204020203" pitchFamily="34" charset="0"/>
                 <a:cs typeface="Times New Roman" panose="02020603050405020304" pitchFamily="18" charset="0"/>
               </a:rPr>
-              <a:t>2.1 </a:t>
-            </a:r>
-            <a:r>
-              <a:rPr lang="en-US" sz="3600" b="1" dirty="0" smtClean="0">
-                <a:solidFill>
-                  <a:srgbClr val="FF0000"/>
-                </a:solidFill>
-                <a:effectLst>
-                  <a:outerShdw blurRad="38100" dist="38100" dir="2700000" algn="tl">
-                    <a:srgbClr val="000000">
-                      <a:alpha val="43137"/>
-                    </a:srgbClr>
-                  </a:outerShdw>
-                </a:effectLst>
-                <a:latin typeface="Times New Roman" panose="02020603050405020304" pitchFamily="18" charset="0"/>
-                <a:cs typeface="Times New Roman" panose="02020603050405020304" pitchFamily="18" charset="0"/>
-              </a:rPr>
-              <a:t>Giao diện</a:t>
-            </a:r>
-            <a:endParaRPr lang="en-US" sz="3600" b="1" dirty="0">
+              <a:t>2.1 Giao diện</a:t>
+            </a:r>
+            <a:endParaRPr lang="en-US" sz="4800" b="1" dirty="0">
               <a:solidFill>
                 <a:srgbClr val="FF0000"/>
               </a:solidFill>
@@ -4775,7 +4684,8 @@
                   </a:srgbClr>
                 </a:outerShdw>
               </a:effectLst>
-              <a:latin typeface="Times New Roman" panose="02020603050405020304" pitchFamily="18" charset="0"/>
+              <a:latin typeface="Segoe UI Black" panose="020B0A02040204020203" pitchFamily="34" charset="0"/>
+              <a:ea typeface="Segoe UI Black" panose="020B0A02040204020203" pitchFamily="34" charset="0"/>
               <a:cs typeface="Times New Roman" panose="02020603050405020304" pitchFamily="18" charset="0"/>
             </a:endParaRPr>
           </a:p>
@@ -4812,7 +4722,8 @@
             </a:pPr>
             <a:r>
               <a:rPr lang="en-US" sz="2400" dirty="0" smtClean="0">
-                <a:latin typeface="Times New Roman" panose="02020603050405020304" pitchFamily="18" charset="0"/>
+                <a:latin typeface="Segoe UI Black" panose="020B0A02040204020203" pitchFamily="34" charset="0"/>
+                <a:ea typeface="Segoe UI Black" panose="020B0A02040204020203" pitchFamily="34" charset="0"/>
                 <a:cs typeface="Times New Roman" panose="02020603050405020304" pitchFamily="18" charset="0"/>
               </a:rPr>
               <a:t>2 chế độ get/ post đến server đã lập trình</a:t>
@@ -4893,8 +4804,8 @@
         </p:nvSpPr>
         <p:spPr>
           <a:xfrm>
-            <a:off x="1971675" y="571487"/>
-            <a:ext cx="2787943" cy="590931"/>
+            <a:off x="1971675" y="488388"/>
+            <a:ext cx="4076757" cy="757130"/>
           </a:xfrm>
           <a:prstGeom prst="rect">
             <a:avLst/>
@@ -4908,7 +4819,7 @@
           <a:lstStyle/>
           <a:p>
             <a:r>
-              <a:rPr lang="en-US" sz="3600" b="1" dirty="0" smtClean="0">
+              <a:rPr lang="en-US" sz="4800" b="1" dirty="0" smtClean="0">
                 <a:solidFill>
                   <a:srgbClr val="FF0000"/>
                 </a:solidFill>
@@ -4919,29 +4830,13 @@
                     </a:srgbClr>
                   </a:outerShdw>
                 </a:effectLst>
-                <a:latin typeface="Times New Roman" panose="02020603050405020304" pitchFamily="18" charset="0"/>
+                <a:latin typeface="Segoe UI Black" panose="020B0A02040204020203" pitchFamily="34" charset="0"/>
+                <a:ea typeface="Segoe UI Black" panose="020B0A02040204020203" pitchFamily="34" charset="0"/>
                 <a:cs typeface="Times New Roman" panose="02020603050405020304" pitchFamily="18" charset="0"/>
               </a:rPr>
-              <a:t>2.1 </a:t>
-            </a:r>
-            <a:r>
-              <a:rPr lang="en-US" sz="3600" b="1" dirty="0" smtClean="0">
-                <a:solidFill>
-                  <a:srgbClr val="FF0000"/>
-                </a:solidFill>
-                <a:effectLst>
-                  <a:outerShdw blurRad="38100" dist="38100" dir="2700000" algn="tl">
-                    <a:srgbClr val="000000">
-                      <a:alpha val="43137"/>
-                    </a:srgbClr>
-                  </a:outerShdw>
-                </a:effectLst>
-                <a:latin typeface="Times New Roman" panose="02020603050405020304" pitchFamily="18" charset="0"/>
-                <a:cs typeface="Times New Roman" panose="02020603050405020304" pitchFamily="18" charset="0"/>
-              </a:rPr>
-              <a:t>Giao diện</a:t>
-            </a:r>
-            <a:endParaRPr lang="en-US" sz="3600" b="1" dirty="0">
+              <a:t>2.1 Giao diện</a:t>
+            </a:r>
+            <a:endParaRPr lang="en-US" sz="4800" b="1" dirty="0">
               <a:solidFill>
                 <a:srgbClr val="FF0000"/>
               </a:solidFill>
@@ -4952,7 +4847,8 @@
                   </a:srgbClr>
                 </a:outerShdw>
               </a:effectLst>
-              <a:latin typeface="Times New Roman" panose="02020603050405020304" pitchFamily="18" charset="0"/>
+              <a:latin typeface="Segoe UI Black" panose="020B0A02040204020203" pitchFamily="34" charset="0"/>
+              <a:ea typeface="Segoe UI Black" panose="020B0A02040204020203" pitchFamily="34" charset="0"/>
               <a:cs typeface="Times New Roman" panose="02020603050405020304" pitchFamily="18" charset="0"/>
             </a:endParaRPr>
           </a:p>
@@ -4989,7 +4885,8 @@
             </a:pPr>
             <a:r>
               <a:rPr lang="en-US" sz="2400" dirty="0" smtClean="0">
-                <a:latin typeface="Times New Roman" panose="02020603050405020304" pitchFamily="18" charset="0"/>
+                <a:latin typeface="Segoe UI Black" panose="020B0A02040204020203" pitchFamily="34" charset="0"/>
+                <a:ea typeface="Segoe UI Black" panose="020B0A02040204020203" pitchFamily="34" charset="0"/>
                 <a:cs typeface="Times New Roman" panose="02020603050405020304" pitchFamily="18" charset="0"/>
               </a:rPr>
               <a:t>Get với websever như đường link</a:t>
@@ -5005,7 +4902,8 @@
             </a:pPr>
             <a:r>
               <a:rPr lang="en-US" sz="2400" dirty="0" smtClean="0">
-                <a:latin typeface="Times New Roman" panose="02020603050405020304" pitchFamily="18" charset="0"/>
+                <a:latin typeface="Segoe UI Black" panose="020B0A02040204020203" pitchFamily="34" charset="0"/>
+                <a:ea typeface="Segoe UI Black" panose="020B0A02040204020203" pitchFamily="34" charset="0"/>
                 <a:cs typeface="Times New Roman" panose="02020603050405020304" pitchFamily="18" charset="0"/>
               </a:rPr>
               <a:t>Nhập id muốn get và submit</a:t>
@@ -5086,8 +4984,8 @@
         </p:nvSpPr>
         <p:spPr>
           <a:xfrm>
-            <a:off x="1971675" y="571487"/>
-            <a:ext cx="2787943" cy="590931"/>
+            <a:off x="1971675" y="488388"/>
+            <a:ext cx="4076757" cy="757130"/>
           </a:xfrm>
           <a:prstGeom prst="rect">
             <a:avLst/>
@@ -5101,7 +4999,7 @@
           <a:lstStyle/>
           <a:p>
             <a:r>
-              <a:rPr lang="en-US" sz="3600" b="1" dirty="0" smtClean="0">
+              <a:rPr lang="en-US" sz="4800" b="1" dirty="0" smtClean="0">
                 <a:solidFill>
                   <a:srgbClr val="FF0000"/>
                 </a:solidFill>
@@ -5112,29 +5010,13 @@
                     </a:srgbClr>
                   </a:outerShdw>
                 </a:effectLst>
-                <a:latin typeface="Times New Roman" panose="02020603050405020304" pitchFamily="18" charset="0"/>
+                <a:latin typeface="Segoe UI Black" panose="020B0A02040204020203" pitchFamily="34" charset="0"/>
+                <a:ea typeface="Segoe UI Black" panose="020B0A02040204020203" pitchFamily="34" charset="0"/>
                 <a:cs typeface="Times New Roman" panose="02020603050405020304" pitchFamily="18" charset="0"/>
               </a:rPr>
-              <a:t>2.1 </a:t>
-            </a:r>
-            <a:r>
-              <a:rPr lang="en-US" sz="3600" b="1" dirty="0" smtClean="0">
-                <a:solidFill>
-                  <a:srgbClr val="FF0000"/>
-                </a:solidFill>
-                <a:effectLst>
-                  <a:outerShdw blurRad="38100" dist="38100" dir="2700000" algn="tl">
-                    <a:srgbClr val="000000">
-                      <a:alpha val="43137"/>
-                    </a:srgbClr>
-                  </a:outerShdw>
-                </a:effectLst>
-                <a:latin typeface="Times New Roman" panose="02020603050405020304" pitchFamily="18" charset="0"/>
-                <a:cs typeface="Times New Roman" panose="02020603050405020304" pitchFamily="18" charset="0"/>
-              </a:rPr>
-              <a:t>Giao diện</a:t>
-            </a:r>
-            <a:endParaRPr lang="en-US" sz="3600" b="1" dirty="0">
+              <a:t>2.1 Giao diện</a:t>
+            </a:r>
+            <a:endParaRPr lang="en-US" sz="4800" b="1" dirty="0">
               <a:solidFill>
                 <a:srgbClr val="FF0000"/>
               </a:solidFill>
@@ -5145,7 +5027,8 @@
                   </a:srgbClr>
                 </a:outerShdw>
               </a:effectLst>
-              <a:latin typeface="Times New Roman" panose="02020603050405020304" pitchFamily="18" charset="0"/>
+              <a:latin typeface="Segoe UI Black" panose="020B0A02040204020203" pitchFamily="34" charset="0"/>
+              <a:ea typeface="Segoe UI Black" panose="020B0A02040204020203" pitchFamily="34" charset="0"/>
               <a:cs typeface="Times New Roman" panose="02020603050405020304" pitchFamily="18" charset="0"/>
             </a:endParaRPr>
           </a:p>
@@ -5182,7 +5065,8 @@
             </a:pPr>
             <a:r>
               <a:rPr lang="en-US" sz="2400" dirty="0" smtClean="0">
-                <a:latin typeface="Times New Roman" panose="02020603050405020304" pitchFamily="18" charset="0"/>
+                <a:latin typeface="Segoe UI Black" panose="020B0A02040204020203" pitchFamily="34" charset="0"/>
+                <a:ea typeface="Segoe UI Black" panose="020B0A02040204020203" pitchFamily="34" charset="0"/>
                 <a:cs typeface="Times New Roman" panose="02020603050405020304" pitchFamily="18" charset="0"/>
               </a:rPr>
               <a:t>Post đến websever được lập trình sẵn</a:t>
@@ -5198,7 +5082,8 @@
             </a:pPr>
             <a:r>
               <a:rPr lang="en-US" sz="2400" dirty="0" smtClean="0">
-                <a:latin typeface="Times New Roman" panose="02020603050405020304" pitchFamily="18" charset="0"/>
+                <a:latin typeface="Segoe UI Black" panose="020B0A02040204020203" pitchFamily="34" charset="0"/>
+                <a:ea typeface="Segoe UI Black" panose="020B0A02040204020203" pitchFamily="34" charset="0"/>
                 <a:cs typeface="Times New Roman" panose="02020603050405020304" pitchFamily="18" charset="0"/>
               </a:rPr>
               <a:t>Nhập thông điệp muốn gửi đến sever</a:t>
@@ -5214,7 +5099,8 @@
             </a:pPr>
             <a:r>
               <a:rPr lang="en-US" sz="2400" dirty="0" smtClean="0">
-                <a:latin typeface="Times New Roman" panose="02020603050405020304" pitchFamily="18" charset="0"/>
+                <a:latin typeface="Segoe UI Black" panose="020B0A02040204020203" pitchFamily="34" charset="0"/>
+                <a:ea typeface="Segoe UI Black" panose="020B0A02040204020203" pitchFamily="34" charset="0"/>
                 <a:cs typeface="Times New Roman" panose="02020603050405020304" pitchFamily="18" charset="0"/>
               </a:rPr>
               <a:t>Nhận lại ID và repose code</a:t>
@@ -5295,8 +5181,8 @@
         </p:nvSpPr>
         <p:spPr>
           <a:xfrm>
-            <a:off x="1971675" y="571487"/>
-            <a:ext cx="5763116" cy="590931"/>
+            <a:off x="1971675" y="488388"/>
+            <a:ext cx="8909811" cy="757130"/>
           </a:xfrm>
           <a:prstGeom prst="rect">
             <a:avLst/>
@@ -5310,7 +5196,7 @@
           <a:lstStyle/>
           <a:p>
             <a:r>
-              <a:rPr lang="en-US" sz="3600" b="1" dirty="0" smtClean="0">
+              <a:rPr lang="en-US" sz="4800" b="1" dirty="0" smtClean="0">
                 <a:solidFill>
                   <a:srgbClr val="FF0000"/>
                 </a:solidFill>
@@ -5321,29 +5207,13 @@
                     </a:srgbClr>
                   </a:outerShdw>
                 </a:effectLst>
-                <a:latin typeface="Times New Roman" panose="02020603050405020304" pitchFamily="18" charset="0"/>
+                <a:latin typeface="Segoe UI Black" panose="020B0A02040204020203" pitchFamily="34" charset="0"/>
+                <a:ea typeface="Segoe UI Black" panose="020B0A02040204020203" pitchFamily="34" charset="0"/>
                 <a:cs typeface="Times New Roman" panose="02020603050405020304" pitchFamily="18" charset="0"/>
               </a:rPr>
-              <a:t>2.1 </a:t>
-            </a:r>
-            <a:r>
-              <a:rPr lang="en-US" sz="3600" b="1" dirty="0" smtClean="0">
-                <a:solidFill>
-                  <a:srgbClr val="FF0000"/>
-                </a:solidFill>
-                <a:effectLst>
-                  <a:outerShdw blurRad="38100" dist="38100" dir="2700000" algn="tl">
-                    <a:srgbClr val="000000">
-                      <a:alpha val="43137"/>
-                    </a:srgbClr>
-                  </a:outerShdw>
-                </a:effectLst>
-                <a:latin typeface="Times New Roman" panose="02020603050405020304" pitchFamily="18" charset="0"/>
-                <a:cs typeface="Times New Roman" panose="02020603050405020304" pitchFamily="18" charset="0"/>
-              </a:rPr>
-              <a:t>Code get/ post &amp; get info</a:t>
-            </a:r>
-            <a:endParaRPr lang="en-US" sz="3600" b="1" dirty="0">
+              <a:t>2.1 Code get/ post &amp; get info</a:t>
+            </a:r>
+            <a:endParaRPr lang="en-US" sz="4800" b="1" dirty="0">
               <a:solidFill>
                 <a:srgbClr val="FF0000"/>
               </a:solidFill>
@@ -5354,7 +5224,8 @@
                   </a:srgbClr>
                 </a:outerShdw>
               </a:effectLst>
-              <a:latin typeface="Times New Roman" panose="02020603050405020304" pitchFamily="18" charset="0"/>
+              <a:latin typeface="Segoe UI Black" panose="020B0A02040204020203" pitchFamily="34" charset="0"/>
+              <a:ea typeface="Segoe UI Black" panose="020B0A02040204020203" pitchFamily="34" charset="0"/>
               <a:cs typeface="Times New Roman" panose="02020603050405020304" pitchFamily="18" charset="0"/>
             </a:endParaRPr>
           </a:p>
@@ -5391,7 +5262,8 @@
             </a:pPr>
             <a:r>
               <a:rPr lang="en-US" sz="2400" dirty="0" smtClean="0">
-                <a:latin typeface="Times New Roman" panose="02020603050405020304" pitchFamily="18" charset="0"/>
+                <a:latin typeface="Segoe UI Black" panose="020B0A02040204020203" pitchFamily="34" charset="0"/>
+                <a:ea typeface="Segoe UI Black" panose="020B0A02040204020203" pitchFamily="34" charset="0"/>
                 <a:cs typeface="Times New Roman" panose="02020603050405020304" pitchFamily="18" charset="0"/>
               </a:rPr>
               <a:t>Gọi trang login </a:t>
@@ -5404,7 +5276,8 @@
               </a:spcBef>
             </a:pPr>
             <a:endParaRPr lang="en-US" sz="2400" dirty="0" smtClean="0">
-              <a:latin typeface="Times New Roman" panose="02020603050405020304" pitchFamily="18" charset="0"/>
+              <a:latin typeface="Segoe UI Black" panose="020B0A02040204020203" pitchFamily="34" charset="0"/>
+              <a:ea typeface="Segoe UI Black" panose="020B0A02040204020203" pitchFamily="34" charset="0"/>
               <a:cs typeface="Times New Roman" panose="02020603050405020304" pitchFamily="18" charset="0"/>
             </a:endParaRPr>
           </a:p>
@@ -5418,7 +5291,8 @@
             </a:pPr>
             <a:r>
               <a:rPr lang="en-US" sz="2400" dirty="0" smtClean="0">
-                <a:latin typeface="Times New Roman" panose="02020603050405020304" pitchFamily="18" charset="0"/>
+                <a:latin typeface="Segoe UI Black" panose="020B0A02040204020203" pitchFamily="34" charset="0"/>
+                <a:ea typeface="Segoe UI Black" panose="020B0A02040204020203" pitchFamily="34" charset="0"/>
                 <a:cs typeface="Times New Roman" panose="02020603050405020304" pitchFamily="18" charset="0"/>
               </a:rPr>
               <a:t>Và khởi động lại để tắt mode AP</a:t>
@@ -5499,8 +5373,8 @@
         </p:nvSpPr>
         <p:spPr>
           <a:xfrm>
-            <a:off x="1971675" y="571487"/>
-            <a:ext cx="5763116" cy="590931"/>
+            <a:off x="1971675" y="488388"/>
+            <a:ext cx="8909811" cy="757130"/>
           </a:xfrm>
           <a:prstGeom prst="rect">
             <a:avLst/>
@@ -5514,7 +5388,7 @@
           <a:lstStyle/>
           <a:p>
             <a:r>
-              <a:rPr lang="en-US" sz="3600" b="1" dirty="0" smtClean="0">
+              <a:rPr lang="en-US" sz="4800" b="1" dirty="0" smtClean="0">
                 <a:solidFill>
                   <a:srgbClr val="FF0000"/>
                 </a:solidFill>
@@ -5525,29 +5399,13 @@
                     </a:srgbClr>
                   </a:outerShdw>
                 </a:effectLst>
-                <a:latin typeface="Times New Roman" panose="02020603050405020304" pitchFamily="18" charset="0"/>
+                <a:latin typeface="Segoe UI Black" panose="020B0A02040204020203" pitchFamily="34" charset="0"/>
+                <a:ea typeface="Segoe UI Black" panose="020B0A02040204020203" pitchFamily="34" charset="0"/>
                 <a:cs typeface="Times New Roman" panose="02020603050405020304" pitchFamily="18" charset="0"/>
               </a:rPr>
-              <a:t>2.1 </a:t>
-            </a:r>
-            <a:r>
-              <a:rPr lang="en-US" sz="3600" b="1" dirty="0" smtClean="0">
-                <a:solidFill>
-                  <a:srgbClr val="FF0000"/>
-                </a:solidFill>
-                <a:effectLst>
-                  <a:outerShdw blurRad="38100" dist="38100" dir="2700000" algn="tl">
-                    <a:srgbClr val="000000">
-                      <a:alpha val="43137"/>
-                    </a:srgbClr>
-                  </a:outerShdw>
-                </a:effectLst>
-                <a:latin typeface="Times New Roman" panose="02020603050405020304" pitchFamily="18" charset="0"/>
-                <a:cs typeface="Times New Roman" panose="02020603050405020304" pitchFamily="18" charset="0"/>
-              </a:rPr>
-              <a:t>Code get/ post &amp; get info</a:t>
-            </a:r>
-            <a:endParaRPr lang="en-US" sz="3600" b="1" dirty="0">
+              <a:t>2.1 Code get/ post &amp; get info</a:t>
+            </a:r>
+            <a:endParaRPr lang="en-US" sz="4800" b="1" dirty="0">
               <a:solidFill>
                 <a:srgbClr val="FF0000"/>
               </a:solidFill>
@@ -5558,7 +5416,8 @@
                   </a:srgbClr>
                 </a:outerShdw>
               </a:effectLst>
-              <a:latin typeface="Times New Roman" panose="02020603050405020304" pitchFamily="18" charset="0"/>
+              <a:latin typeface="Segoe UI Black" panose="020B0A02040204020203" pitchFamily="34" charset="0"/>
+              <a:ea typeface="Segoe UI Black" panose="020B0A02040204020203" pitchFamily="34" charset="0"/>
               <a:cs typeface="Times New Roman" panose="02020603050405020304" pitchFamily="18" charset="0"/>
             </a:endParaRPr>
           </a:p>
@@ -5595,7 +5454,8 @@
             </a:pPr>
             <a:r>
               <a:rPr lang="en-US" sz="2400" dirty="0" smtClean="0">
-                <a:latin typeface="Times New Roman" panose="02020603050405020304" pitchFamily="18" charset="0"/>
+                <a:latin typeface="Segoe UI Black" panose="020B0A02040204020203" pitchFamily="34" charset="0"/>
+                <a:ea typeface="Segoe UI Black" panose="020B0A02040204020203" pitchFamily="34" charset="0"/>
                 <a:cs typeface="Times New Roman" panose="02020603050405020304" pitchFamily="18" charset="0"/>
               </a:rPr>
               <a:t>Gọi các trang với các giao diện đã lập trình</a:t>
@@ -5680,10 +5540,16 @@
           <a:lstStyle/>
           <a:p>
             <a:r>
-              <a:rPr lang="en-US" smtClean="0"/>
+              <a:rPr lang="en-US" smtClean="0">
+                <a:latin typeface="Segoe UI Black" panose="020B0A02040204020203" pitchFamily="34" charset="0"/>
+                <a:ea typeface="Segoe UI Black" panose="020B0A02040204020203" pitchFamily="34" charset="0"/>
+              </a:rPr>
               <a:t>www.indruino.com</a:t>
             </a:r>
-            <a:endParaRPr lang="en-US" dirty="0"/>
+            <a:endParaRPr lang="en-US" dirty="0">
+              <a:latin typeface="Segoe UI Black" panose="020B0A02040204020203" pitchFamily="34" charset="0"/>
+              <a:ea typeface="Segoe UI Black" panose="020B0A02040204020203" pitchFamily="34" charset="0"/>
+            </a:endParaRPr>
           </a:p>
         </p:txBody>
       </p:sp>
@@ -5709,7 +5575,10 @@
           </a:bodyPr>
           <a:lstStyle/>
           <a:p>
-            <a:endParaRPr lang="en-US" dirty="0"/>
+            <a:endParaRPr lang="en-US" dirty="0">
+              <a:latin typeface="Segoe UI Black" panose="020B0A02040204020203" pitchFamily="34" charset="0"/>
+              <a:ea typeface="Segoe UI Black" panose="020B0A02040204020203" pitchFamily="34" charset="0"/>
+            </a:endParaRPr>
           </a:p>
         </p:txBody>
       </p:sp>
@@ -5739,7 +5608,8 @@
                 <a:solidFill>
                   <a:srgbClr val="FFC000"/>
                 </a:solidFill>
-                <a:latin typeface="Times New Roman" panose="02020603050405020304" pitchFamily="18" charset="0"/>
+                <a:latin typeface="Segoe UI Black" panose="020B0A02040204020203" pitchFamily="34" charset="0"/>
+                <a:ea typeface="Segoe UI Black" panose="020B0A02040204020203" pitchFamily="34" charset="0"/>
                 <a:cs typeface="Times New Roman" panose="02020603050405020304" pitchFamily="18" charset="0"/>
               </a:rPr>
               <a:t>WEBSEVER</a:t>
@@ -5755,7 +5625,8 @@
                 <a:solidFill>
                   <a:srgbClr val="FFC000"/>
                 </a:solidFill>
-                <a:latin typeface="Times New Roman" panose="02020603050405020304" pitchFamily="18" charset="0"/>
+                <a:latin typeface="Segoe UI Black" panose="020B0A02040204020203" pitchFamily="34" charset="0"/>
+                <a:ea typeface="Segoe UI Black" panose="020B0A02040204020203" pitchFamily="34" charset="0"/>
                 <a:cs typeface="Times New Roman" panose="02020603050405020304" pitchFamily="18" charset="0"/>
               </a:rPr>
             </a:br>
@@ -5770,7 +5641,8 @@
                 <a:solidFill>
                   <a:srgbClr val="FFC000"/>
                 </a:solidFill>
-                <a:latin typeface="Times New Roman" panose="02020603050405020304" pitchFamily="18" charset="0"/>
+                <a:latin typeface="Segoe UI Black" panose="020B0A02040204020203" pitchFamily="34" charset="0"/>
+                <a:ea typeface="Segoe UI Black" panose="020B0A02040204020203" pitchFamily="34" charset="0"/>
                 <a:cs typeface="Times New Roman" panose="02020603050405020304" pitchFamily="18" charset="0"/>
               </a:rPr>
               <a:t>LOGIN WIFI</a:t>
@@ -5786,7 +5658,8 @@
                 <a:solidFill>
                   <a:srgbClr val="FFC000"/>
                 </a:solidFill>
-                <a:latin typeface="Times New Roman" panose="02020603050405020304" pitchFamily="18" charset="0"/>
+                <a:latin typeface="Segoe UI Black" panose="020B0A02040204020203" pitchFamily="34" charset="0"/>
+                <a:ea typeface="Segoe UI Black" panose="020B0A02040204020203" pitchFamily="34" charset="0"/>
                 <a:cs typeface="Times New Roman" panose="02020603050405020304" pitchFamily="18" charset="0"/>
               </a:rPr>
             </a:br>
@@ -5801,12 +5674,16 @@
                 <a:solidFill>
                   <a:srgbClr val="FFC000"/>
                 </a:solidFill>
-                <a:latin typeface="Times New Roman" panose="02020603050405020304" pitchFamily="18" charset="0"/>
+                <a:latin typeface="Segoe UI Black" panose="020B0A02040204020203" pitchFamily="34" charset="0"/>
+                <a:ea typeface="Segoe UI Black" panose="020B0A02040204020203" pitchFamily="34" charset="0"/>
                 <a:cs typeface="Times New Roman" panose="02020603050405020304" pitchFamily="18" charset="0"/>
               </a:rPr>
               <a:t>SET MQTT</a:t>
             </a:r>
-            <a:endParaRPr lang="en-US" sz="4800" dirty="0"/>
+            <a:endParaRPr lang="en-US" sz="4800" dirty="0">
+              <a:latin typeface="Segoe UI Black" panose="020B0A02040204020203" pitchFamily="34" charset="0"/>
+              <a:ea typeface="Segoe UI Black" panose="020B0A02040204020203" pitchFamily="34" charset="0"/>
+            </a:endParaRPr>
           </a:p>
         </p:txBody>
       </p:sp>
@@ -5819,7 +5696,7 @@
         <p:spPr>
           <a:xfrm>
             <a:off x="3816520" y="4249642"/>
-            <a:ext cx="3609474" cy="707886"/>
+            <a:ext cx="3609474" cy="1015663"/>
           </a:xfrm>
           <a:prstGeom prst="rect">
             <a:avLst/>
@@ -5849,7 +5726,8 @@
                 <a:solidFill>
                   <a:schemeClr val="bg1"/>
                 </a:solidFill>
-                <a:latin typeface="Times New Roman" panose="02020603050405020304" pitchFamily="18" charset="0"/>
+                <a:latin typeface="Segoe UI Black" panose="020B0A02040204020203" pitchFamily="34" charset="0"/>
+                <a:ea typeface="Segoe UI Black" panose="020B0A02040204020203" pitchFamily="34" charset="0"/>
                 <a:cs typeface="Times New Roman" panose="02020603050405020304" pitchFamily="18" charset="0"/>
               </a:rPr>
               <a:t>Diễn giả: Nguyễn Hoàng Phúc</a:t>
@@ -5861,7 +5739,8 @@
                 <a:solidFill>
                   <a:schemeClr val="bg1"/>
                 </a:solidFill>
-                <a:latin typeface="Times New Roman" panose="02020603050405020304" pitchFamily="18" charset="0"/>
+                <a:latin typeface="Segoe UI Black" panose="020B0A02040204020203" pitchFamily="34" charset="0"/>
+                <a:ea typeface="Segoe UI Black" panose="020B0A02040204020203" pitchFamily="34" charset="0"/>
                 <a:cs typeface="Times New Roman" panose="02020603050405020304" pitchFamily="18" charset="0"/>
               </a:rPr>
               <a:t>Bộ phận: IoT Indruino</a:t>
@@ -5870,7 +5749,8 @@
               <a:solidFill>
                 <a:schemeClr val="bg1"/>
               </a:solidFill>
-              <a:latin typeface="Times New Roman" panose="02020603050405020304" pitchFamily="18" charset="0"/>
+              <a:latin typeface="Segoe UI Black" panose="020B0A02040204020203" pitchFamily="34" charset="0"/>
+              <a:ea typeface="Segoe UI Black" panose="020B0A02040204020203" pitchFamily="34" charset="0"/>
               <a:cs typeface="Times New Roman" panose="02020603050405020304" pitchFamily="18" charset="0"/>
             </a:endParaRPr>
           </a:p>
@@ -5925,8 +5805,8 @@
         </p:nvSpPr>
         <p:spPr>
           <a:xfrm>
-            <a:off x="1971675" y="571487"/>
-            <a:ext cx="5763116" cy="590931"/>
+            <a:off x="1971675" y="488388"/>
+            <a:ext cx="8909811" cy="757130"/>
           </a:xfrm>
           <a:prstGeom prst="rect">
             <a:avLst/>
@@ -5940,7 +5820,7 @@
           <a:lstStyle/>
           <a:p>
             <a:r>
-              <a:rPr lang="en-US" sz="3600" b="1" dirty="0" smtClean="0">
+              <a:rPr lang="en-US" sz="4800" b="1" dirty="0" smtClean="0">
                 <a:solidFill>
                   <a:srgbClr val="FF0000"/>
                 </a:solidFill>
@@ -5951,29 +5831,13 @@
                     </a:srgbClr>
                   </a:outerShdw>
                 </a:effectLst>
-                <a:latin typeface="Times New Roman" panose="02020603050405020304" pitchFamily="18" charset="0"/>
+                <a:latin typeface="Segoe UI Black" panose="020B0A02040204020203" pitchFamily="34" charset="0"/>
+                <a:ea typeface="Segoe UI Black" panose="020B0A02040204020203" pitchFamily="34" charset="0"/>
                 <a:cs typeface="Times New Roman" panose="02020603050405020304" pitchFamily="18" charset="0"/>
               </a:rPr>
-              <a:t>2.1 </a:t>
-            </a:r>
-            <a:r>
-              <a:rPr lang="en-US" sz="3600" b="1" dirty="0" smtClean="0">
-                <a:solidFill>
-                  <a:srgbClr val="FF0000"/>
-                </a:solidFill>
-                <a:effectLst>
-                  <a:outerShdw blurRad="38100" dist="38100" dir="2700000" algn="tl">
-                    <a:srgbClr val="000000">
-                      <a:alpha val="43137"/>
-                    </a:srgbClr>
-                  </a:outerShdw>
-                </a:effectLst>
-                <a:latin typeface="Times New Roman" panose="02020603050405020304" pitchFamily="18" charset="0"/>
-                <a:cs typeface="Times New Roman" panose="02020603050405020304" pitchFamily="18" charset="0"/>
-              </a:rPr>
-              <a:t>Code get/ post &amp; get info</a:t>
-            </a:r>
-            <a:endParaRPr lang="en-US" sz="3600" b="1" dirty="0">
+              <a:t>2.1 Code get/ post &amp; get info</a:t>
+            </a:r>
+            <a:endParaRPr lang="en-US" sz="4800" b="1" dirty="0">
               <a:solidFill>
                 <a:srgbClr val="FF0000"/>
               </a:solidFill>
@@ -5984,7 +5848,8 @@
                   </a:srgbClr>
                 </a:outerShdw>
               </a:effectLst>
-              <a:latin typeface="Times New Roman" panose="02020603050405020304" pitchFamily="18" charset="0"/>
+              <a:latin typeface="Segoe UI Black" panose="020B0A02040204020203" pitchFamily="34" charset="0"/>
+              <a:ea typeface="Segoe UI Black" panose="020B0A02040204020203" pitchFamily="34" charset="0"/>
               <a:cs typeface="Times New Roman" panose="02020603050405020304" pitchFamily="18" charset="0"/>
             </a:endParaRPr>
           </a:p>
@@ -6021,7 +5886,8 @@
             </a:pPr>
             <a:r>
               <a:rPr lang="en-US" sz="2400" dirty="0" smtClean="0">
-                <a:latin typeface="Times New Roman" panose="02020603050405020304" pitchFamily="18" charset="0"/>
+                <a:latin typeface="Segoe UI Black" panose="020B0A02040204020203" pitchFamily="34" charset="0"/>
+                <a:ea typeface="Segoe UI Black" panose="020B0A02040204020203" pitchFamily="34" charset="0"/>
                 <a:cs typeface="Times New Roman" panose="02020603050405020304" pitchFamily="18" charset="0"/>
               </a:rPr>
               <a:t>Viết cho giao diện lựa chọn</a:t>
@@ -6102,8 +5968,8 @@
         </p:nvSpPr>
         <p:spPr>
           <a:xfrm>
-            <a:off x="1971675" y="571487"/>
-            <a:ext cx="5763116" cy="590931"/>
+            <a:off x="1971675" y="488388"/>
+            <a:ext cx="8909811" cy="757130"/>
           </a:xfrm>
           <a:prstGeom prst="rect">
             <a:avLst/>
@@ -6117,7 +5983,7 @@
           <a:lstStyle/>
           <a:p>
             <a:r>
-              <a:rPr lang="en-US" sz="3600" b="1" dirty="0" smtClean="0">
+              <a:rPr lang="en-US" sz="4800" b="1" dirty="0" smtClean="0">
                 <a:solidFill>
                   <a:srgbClr val="FF0000"/>
                 </a:solidFill>
@@ -6128,29 +5994,13 @@
                     </a:srgbClr>
                   </a:outerShdw>
                 </a:effectLst>
-                <a:latin typeface="Times New Roman" panose="02020603050405020304" pitchFamily="18" charset="0"/>
+                <a:latin typeface="Segoe UI Black" panose="020B0A02040204020203" pitchFamily="34" charset="0"/>
+                <a:ea typeface="Segoe UI Black" panose="020B0A02040204020203" pitchFamily="34" charset="0"/>
                 <a:cs typeface="Times New Roman" panose="02020603050405020304" pitchFamily="18" charset="0"/>
               </a:rPr>
-              <a:t>2.1 </a:t>
-            </a:r>
-            <a:r>
-              <a:rPr lang="en-US" sz="3600" b="1" dirty="0" smtClean="0">
-                <a:solidFill>
-                  <a:srgbClr val="FF0000"/>
-                </a:solidFill>
-                <a:effectLst>
-                  <a:outerShdw blurRad="38100" dist="38100" dir="2700000" algn="tl">
-                    <a:srgbClr val="000000">
-                      <a:alpha val="43137"/>
-                    </a:srgbClr>
-                  </a:outerShdw>
-                </a:effectLst>
-                <a:latin typeface="Times New Roman" panose="02020603050405020304" pitchFamily="18" charset="0"/>
-                <a:cs typeface="Times New Roman" panose="02020603050405020304" pitchFamily="18" charset="0"/>
-              </a:rPr>
-              <a:t>Code get/ post &amp; get info</a:t>
-            </a:r>
-            <a:endParaRPr lang="en-US" sz="3600" b="1" dirty="0">
+              <a:t>2.1 Code get/ post &amp; get info</a:t>
+            </a:r>
+            <a:endParaRPr lang="en-US" sz="4800" b="1" dirty="0">
               <a:solidFill>
                 <a:srgbClr val="FF0000"/>
               </a:solidFill>
@@ -6161,7 +6011,8 @@
                   </a:srgbClr>
                 </a:outerShdw>
               </a:effectLst>
-              <a:latin typeface="Times New Roman" panose="02020603050405020304" pitchFamily="18" charset="0"/>
+              <a:latin typeface="Segoe UI Black" panose="020B0A02040204020203" pitchFamily="34" charset="0"/>
+              <a:ea typeface="Segoe UI Black" panose="020B0A02040204020203" pitchFamily="34" charset="0"/>
               <a:cs typeface="Times New Roman" panose="02020603050405020304" pitchFamily="18" charset="0"/>
             </a:endParaRPr>
           </a:p>
@@ -6198,7 +6049,8 @@
             </a:pPr>
             <a:r>
               <a:rPr lang="en-US" sz="2400" dirty="0" smtClean="0">
-                <a:latin typeface="Times New Roman" panose="02020603050405020304" pitchFamily="18" charset="0"/>
+                <a:latin typeface="Segoe UI Black" panose="020B0A02040204020203" pitchFamily="34" charset="0"/>
+                <a:ea typeface="Segoe UI Black" panose="020B0A02040204020203" pitchFamily="34" charset="0"/>
                 <a:cs typeface="Times New Roman" panose="02020603050405020304" pitchFamily="18" charset="0"/>
               </a:rPr>
               <a:t>Viết cho trang lấy thông tin wifi</a:t>
@@ -6279,8 +6131,8 @@
         </p:nvSpPr>
         <p:spPr>
           <a:xfrm>
-            <a:off x="1971675" y="571487"/>
-            <a:ext cx="5763116" cy="590931"/>
+            <a:off x="1971675" y="488388"/>
+            <a:ext cx="8909811" cy="757130"/>
           </a:xfrm>
           <a:prstGeom prst="rect">
             <a:avLst/>
@@ -6294,7 +6146,7 @@
           <a:lstStyle/>
           <a:p>
             <a:r>
-              <a:rPr lang="en-US" sz="3600" b="1" dirty="0" smtClean="0">
+              <a:rPr lang="en-US" sz="4800" b="1" dirty="0" smtClean="0">
                 <a:solidFill>
                   <a:srgbClr val="FF0000"/>
                 </a:solidFill>
@@ -6305,29 +6157,13 @@
                     </a:srgbClr>
                   </a:outerShdw>
                 </a:effectLst>
-                <a:latin typeface="Times New Roman" panose="02020603050405020304" pitchFamily="18" charset="0"/>
+                <a:latin typeface="Segoe UI Black" panose="020B0A02040204020203" pitchFamily="34" charset="0"/>
+                <a:ea typeface="Segoe UI Black" panose="020B0A02040204020203" pitchFamily="34" charset="0"/>
                 <a:cs typeface="Times New Roman" panose="02020603050405020304" pitchFamily="18" charset="0"/>
               </a:rPr>
-              <a:t>2.1 </a:t>
-            </a:r>
-            <a:r>
-              <a:rPr lang="en-US" sz="3600" b="1" dirty="0" smtClean="0">
-                <a:solidFill>
-                  <a:srgbClr val="FF0000"/>
-                </a:solidFill>
-                <a:effectLst>
-                  <a:outerShdw blurRad="38100" dist="38100" dir="2700000" algn="tl">
-                    <a:srgbClr val="000000">
-                      <a:alpha val="43137"/>
-                    </a:srgbClr>
-                  </a:outerShdw>
-                </a:effectLst>
-                <a:latin typeface="Times New Roman" panose="02020603050405020304" pitchFamily="18" charset="0"/>
-                <a:cs typeface="Times New Roman" panose="02020603050405020304" pitchFamily="18" charset="0"/>
-              </a:rPr>
-              <a:t>Code get/ post &amp; get info</a:t>
-            </a:r>
-            <a:endParaRPr lang="en-US" sz="3600" b="1" dirty="0">
+              <a:t>2.1 Code get/ post &amp; get info</a:t>
+            </a:r>
+            <a:endParaRPr lang="en-US" sz="4800" b="1" dirty="0">
               <a:solidFill>
                 <a:srgbClr val="FF0000"/>
               </a:solidFill>
@@ -6338,7 +6174,8 @@
                   </a:srgbClr>
                 </a:outerShdw>
               </a:effectLst>
-              <a:latin typeface="Times New Roman" panose="02020603050405020304" pitchFamily="18" charset="0"/>
+              <a:latin typeface="Segoe UI Black" panose="020B0A02040204020203" pitchFamily="34" charset="0"/>
+              <a:ea typeface="Segoe UI Black" panose="020B0A02040204020203" pitchFamily="34" charset="0"/>
               <a:cs typeface="Times New Roman" panose="02020603050405020304" pitchFamily="18" charset="0"/>
             </a:endParaRPr>
           </a:p>
@@ -6375,7 +6212,8 @@
             </a:pPr>
             <a:r>
               <a:rPr lang="en-US" sz="2400" dirty="0" smtClean="0">
-                <a:latin typeface="Times New Roman" panose="02020603050405020304" pitchFamily="18" charset="0"/>
+                <a:latin typeface="Segoe UI Black" panose="020B0A02040204020203" pitchFamily="34" charset="0"/>
+                <a:ea typeface="Segoe UI Black" panose="020B0A02040204020203" pitchFamily="34" charset="0"/>
                 <a:cs typeface="Times New Roman" panose="02020603050405020304" pitchFamily="18" charset="0"/>
               </a:rPr>
               <a:t>Viết cho trang lấy thông tin wifi</a:t>
@@ -6391,7 +6229,8 @@
             </a:pPr>
             <a:r>
               <a:rPr lang="en-US" sz="2400" dirty="0" smtClean="0">
-                <a:latin typeface="Times New Roman" panose="02020603050405020304" pitchFamily="18" charset="0"/>
+                <a:latin typeface="Segoe UI Black" panose="020B0A02040204020203" pitchFamily="34" charset="0"/>
+                <a:ea typeface="Segoe UI Black" panose="020B0A02040204020203" pitchFamily="34" charset="0"/>
                 <a:cs typeface="Times New Roman" panose="02020603050405020304" pitchFamily="18" charset="0"/>
               </a:rPr>
               <a:t>Các lệnh thường dùng trong wifi class</a:t>
@@ -6472,8 +6311,8 @@
         </p:nvSpPr>
         <p:spPr>
           <a:xfrm>
-            <a:off x="1971675" y="571487"/>
-            <a:ext cx="5763116" cy="590931"/>
+            <a:off x="1971675" y="488388"/>
+            <a:ext cx="8909811" cy="757130"/>
           </a:xfrm>
           <a:prstGeom prst="rect">
             <a:avLst/>
@@ -6487,7 +6326,7 @@
           <a:lstStyle/>
           <a:p>
             <a:r>
-              <a:rPr lang="en-US" sz="3600" b="1" dirty="0" smtClean="0">
+              <a:rPr lang="en-US" sz="4800" b="1" dirty="0" smtClean="0">
                 <a:solidFill>
                   <a:srgbClr val="FF0000"/>
                 </a:solidFill>
@@ -6498,29 +6337,13 @@
                     </a:srgbClr>
                   </a:outerShdw>
                 </a:effectLst>
-                <a:latin typeface="Times New Roman" panose="02020603050405020304" pitchFamily="18" charset="0"/>
+                <a:latin typeface="Segoe UI Black" panose="020B0A02040204020203" pitchFamily="34" charset="0"/>
+                <a:ea typeface="Segoe UI Black" panose="020B0A02040204020203" pitchFamily="34" charset="0"/>
                 <a:cs typeface="Times New Roman" panose="02020603050405020304" pitchFamily="18" charset="0"/>
               </a:rPr>
-              <a:t>2.1 </a:t>
-            </a:r>
-            <a:r>
-              <a:rPr lang="en-US" sz="3600" b="1" dirty="0" smtClean="0">
-                <a:solidFill>
-                  <a:srgbClr val="FF0000"/>
-                </a:solidFill>
-                <a:effectLst>
-                  <a:outerShdw blurRad="38100" dist="38100" dir="2700000" algn="tl">
-                    <a:srgbClr val="000000">
-                      <a:alpha val="43137"/>
-                    </a:srgbClr>
-                  </a:outerShdw>
-                </a:effectLst>
-                <a:latin typeface="Times New Roman" panose="02020603050405020304" pitchFamily="18" charset="0"/>
-                <a:cs typeface="Times New Roman" panose="02020603050405020304" pitchFamily="18" charset="0"/>
-              </a:rPr>
-              <a:t>Code get/ post &amp; get info</a:t>
-            </a:r>
-            <a:endParaRPr lang="en-US" sz="3600" b="1" dirty="0">
+              <a:t>2.1 Code get/ post &amp; get info</a:t>
+            </a:r>
+            <a:endParaRPr lang="en-US" sz="4800" b="1" dirty="0">
               <a:solidFill>
                 <a:srgbClr val="FF0000"/>
               </a:solidFill>
@@ -6531,7 +6354,8 @@
                   </a:srgbClr>
                 </a:outerShdw>
               </a:effectLst>
-              <a:latin typeface="Times New Roman" panose="02020603050405020304" pitchFamily="18" charset="0"/>
+              <a:latin typeface="Segoe UI Black" panose="020B0A02040204020203" pitchFamily="34" charset="0"/>
+              <a:ea typeface="Segoe UI Black" panose="020B0A02040204020203" pitchFamily="34" charset="0"/>
               <a:cs typeface="Times New Roman" panose="02020603050405020304" pitchFamily="18" charset="0"/>
             </a:endParaRPr>
           </a:p>
@@ -6568,7 +6392,8 @@
             </a:pPr>
             <a:r>
               <a:rPr lang="en-US" sz="2400" dirty="0" smtClean="0">
-                <a:latin typeface="Times New Roman" panose="02020603050405020304" pitchFamily="18" charset="0"/>
+                <a:latin typeface="Segoe UI Black" panose="020B0A02040204020203" pitchFamily="34" charset="0"/>
+                <a:ea typeface="Segoe UI Black" panose="020B0A02040204020203" pitchFamily="34" charset="0"/>
                 <a:cs typeface="Times New Roman" panose="02020603050405020304" pitchFamily="18" charset="0"/>
               </a:rPr>
               <a:t>Viết cho trang lấy thông tin ESP, I/O </a:t>
@@ -6584,7 +6409,8 @@
             </a:pPr>
             <a:r>
               <a:rPr lang="en-US" sz="2400" dirty="0" smtClean="0">
-                <a:latin typeface="Times New Roman" panose="02020603050405020304" pitchFamily="18" charset="0"/>
+                <a:latin typeface="Segoe UI Black" panose="020B0A02040204020203" pitchFamily="34" charset="0"/>
+                <a:ea typeface="Segoe UI Black" panose="020B0A02040204020203" pitchFamily="34" charset="0"/>
                 <a:cs typeface="Times New Roman" panose="02020603050405020304" pitchFamily="18" charset="0"/>
               </a:rPr>
               <a:t>Các lệnh thường dùng trong ESP class</a:t>
@@ -6665,8 +6491,8 @@
         </p:nvSpPr>
         <p:spPr>
           <a:xfrm>
-            <a:off x="1971675" y="571487"/>
-            <a:ext cx="5763116" cy="590931"/>
+            <a:off x="1971675" y="488388"/>
+            <a:ext cx="8909811" cy="757130"/>
           </a:xfrm>
           <a:prstGeom prst="rect">
             <a:avLst/>
@@ -6680,7 +6506,7 @@
           <a:lstStyle/>
           <a:p>
             <a:r>
-              <a:rPr lang="en-US" sz="3600" b="1" dirty="0" smtClean="0">
+              <a:rPr lang="en-US" sz="4800" b="1" dirty="0" smtClean="0">
                 <a:solidFill>
                   <a:srgbClr val="FF0000"/>
                 </a:solidFill>
@@ -6691,29 +6517,13 @@
                     </a:srgbClr>
                   </a:outerShdw>
                 </a:effectLst>
-                <a:latin typeface="Times New Roman" panose="02020603050405020304" pitchFamily="18" charset="0"/>
+                <a:latin typeface="Segoe UI Black" panose="020B0A02040204020203" pitchFamily="34" charset="0"/>
+                <a:ea typeface="Segoe UI Black" panose="020B0A02040204020203" pitchFamily="34" charset="0"/>
                 <a:cs typeface="Times New Roman" panose="02020603050405020304" pitchFamily="18" charset="0"/>
               </a:rPr>
-              <a:t>2.1 </a:t>
-            </a:r>
-            <a:r>
-              <a:rPr lang="en-US" sz="3600" b="1" dirty="0" smtClean="0">
-                <a:solidFill>
-                  <a:srgbClr val="FF0000"/>
-                </a:solidFill>
-                <a:effectLst>
-                  <a:outerShdw blurRad="38100" dist="38100" dir="2700000" algn="tl">
-                    <a:srgbClr val="000000">
-                      <a:alpha val="43137"/>
-                    </a:srgbClr>
-                  </a:outerShdw>
-                </a:effectLst>
-                <a:latin typeface="Times New Roman" panose="02020603050405020304" pitchFamily="18" charset="0"/>
-                <a:cs typeface="Times New Roman" panose="02020603050405020304" pitchFamily="18" charset="0"/>
-              </a:rPr>
-              <a:t>Code get/ post &amp; get info</a:t>
-            </a:r>
-            <a:endParaRPr lang="en-US" sz="3600" b="1" dirty="0">
+              <a:t>2.1 Code get/ post &amp; get info</a:t>
+            </a:r>
+            <a:endParaRPr lang="en-US" sz="4800" b="1" dirty="0">
               <a:solidFill>
                 <a:srgbClr val="FF0000"/>
               </a:solidFill>
@@ -6724,7 +6534,8 @@
                   </a:srgbClr>
                 </a:outerShdw>
               </a:effectLst>
-              <a:latin typeface="Times New Roman" panose="02020603050405020304" pitchFamily="18" charset="0"/>
+              <a:latin typeface="Segoe UI Black" panose="020B0A02040204020203" pitchFamily="34" charset="0"/>
+              <a:ea typeface="Segoe UI Black" panose="020B0A02040204020203" pitchFamily="34" charset="0"/>
               <a:cs typeface="Times New Roman" panose="02020603050405020304" pitchFamily="18" charset="0"/>
             </a:endParaRPr>
           </a:p>
@@ -6761,7 +6572,8 @@
             </a:pPr>
             <a:r>
               <a:rPr lang="en-US" sz="2400" dirty="0" smtClean="0">
-                <a:latin typeface="Times New Roman" panose="02020603050405020304" pitchFamily="18" charset="0"/>
+                <a:latin typeface="Segoe UI Black" panose="020B0A02040204020203" pitchFamily="34" charset="0"/>
+                <a:ea typeface="Segoe UI Black" panose="020B0A02040204020203" pitchFamily="34" charset="0"/>
                 <a:cs typeface="Times New Roman" panose="02020603050405020304" pitchFamily="18" charset="0"/>
               </a:rPr>
               <a:t>Điều khiển get/ post với các function giao diện và điều khiển </a:t>
@@ -6774,7 +6586,8 @@
               </a:spcBef>
             </a:pPr>
             <a:endParaRPr lang="en-US" sz="2400" dirty="0" smtClean="0">
-              <a:latin typeface="Times New Roman" panose="02020603050405020304" pitchFamily="18" charset="0"/>
+              <a:latin typeface="Segoe UI Black" panose="020B0A02040204020203" pitchFamily="34" charset="0"/>
+              <a:ea typeface="Segoe UI Black" panose="020B0A02040204020203" pitchFamily="34" charset="0"/>
               <a:cs typeface="Times New Roman" panose="02020603050405020304" pitchFamily="18" charset="0"/>
             </a:endParaRPr>
           </a:p>
@@ -6788,14 +6601,16 @@
             </a:pPr>
             <a:r>
               <a:rPr lang="en-US" sz="2400" dirty="0">
-                <a:latin typeface="Times New Roman" panose="02020603050405020304" pitchFamily="18" charset="0"/>
+                <a:latin typeface="Segoe UI Black" panose="020B0A02040204020203" pitchFamily="34" charset="0"/>
+                <a:ea typeface="Segoe UI Black" panose="020B0A02040204020203" pitchFamily="34" charset="0"/>
                 <a:cs typeface="Times New Roman" panose="02020603050405020304" pitchFamily="18" charset="0"/>
               </a:rPr>
               <a:t>void webcontrolget</a:t>
             </a:r>
             <a:r>
               <a:rPr lang="en-US" sz="2400" dirty="0" smtClean="0">
-                <a:latin typeface="Times New Roman" panose="02020603050405020304" pitchFamily="18" charset="0"/>
+                <a:latin typeface="Segoe UI Black" panose="020B0A02040204020203" pitchFamily="34" charset="0"/>
+                <a:ea typeface="Segoe UI Black" panose="020B0A02040204020203" pitchFamily="34" charset="0"/>
                 <a:cs typeface="Times New Roman" panose="02020603050405020304" pitchFamily="18" charset="0"/>
               </a:rPr>
               <a:t>();</a:t>
@@ -6811,14 +6626,16 @@
             </a:pPr>
             <a:r>
               <a:rPr lang="en-US" sz="2400" dirty="0">
-                <a:latin typeface="Times New Roman" panose="02020603050405020304" pitchFamily="18" charset="0"/>
+                <a:latin typeface="Segoe UI Black" panose="020B0A02040204020203" pitchFamily="34" charset="0"/>
+                <a:ea typeface="Segoe UI Black" panose="020B0A02040204020203" pitchFamily="34" charset="0"/>
                 <a:cs typeface="Times New Roman" panose="02020603050405020304" pitchFamily="18" charset="0"/>
               </a:rPr>
               <a:t>void webcontrolpost</a:t>
             </a:r>
             <a:r>
               <a:rPr lang="en-US" sz="2400" dirty="0" smtClean="0">
-                <a:latin typeface="Times New Roman" panose="02020603050405020304" pitchFamily="18" charset="0"/>
+                <a:latin typeface="Segoe UI Black" panose="020B0A02040204020203" pitchFamily="34" charset="0"/>
+                <a:ea typeface="Segoe UI Black" panose="020B0A02040204020203" pitchFamily="34" charset="0"/>
                 <a:cs typeface="Times New Roman" panose="02020603050405020304" pitchFamily="18" charset="0"/>
               </a:rPr>
               <a:t>();</a:t>
@@ -6879,7 +6696,8 @@
           <a:lstStyle/>
           <a:p>
             <a:endParaRPr lang="en-US" dirty="0">
-              <a:latin typeface="Times New Roman" panose="02020603050405020304" pitchFamily="18" charset="0"/>
+              <a:latin typeface="Segoe UI Black" panose="020B0A02040204020203" pitchFamily="34" charset="0"/>
+              <a:ea typeface="Segoe UI Black" panose="020B0A02040204020203" pitchFamily="34" charset="0"/>
               <a:cs typeface="Times New Roman" panose="02020603050405020304" pitchFamily="18" charset="0"/>
             </a:endParaRPr>
           </a:p>
@@ -6916,8 +6734,8 @@
         </p:nvSpPr>
         <p:spPr>
           <a:xfrm>
-            <a:off x="3960898" y="3046484"/>
-            <a:ext cx="3609474" cy="707886"/>
+            <a:off x="3370217" y="3046484"/>
+            <a:ext cx="4200155" cy="707886"/>
           </a:xfrm>
           <a:prstGeom prst="rect">
             <a:avLst/>
@@ -6947,7 +6765,8 @@
                 <a:solidFill>
                   <a:schemeClr val="bg1"/>
                 </a:solidFill>
-                <a:latin typeface="Times New Roman" panose="02020603050405020304" pitchFamily="18" charset="0"/>
+                <a:latin typeface="Segoe UI Black" panose="020B0A02040204020203" pitchFamily="34" charset="0"/>
+                <a:ea typeface="Segoe UI Black" panose="020B0A02040204020203" pitchFamily="34" charset="0"/>
                 <a:cs typeface="Times New Roman" panose="02020603050405020304" pitchFamily="18" charset="0"/>
               </a:rPr>
               <a:t>Diễn giả: Nguyễn Hoàng Phúc</a:t>
@@ -6959,7 +6778,8 @@
                 <a:solidFill>
                   <a:schemeClr val="bg1"/>
                 </a:solidFill>
-                <a:latin typeface="Times New Roman" panose="02020603050405020304" pitchFamily="18" charset="0"/>
+                <a:latin typeface="Segoe UI Black" panose="020B0A02040204020203" pitchFamily="34" charset="0"/>
+                <a:ea typeface="Segoe UI Black" panose="020B0A02040204020203" pitchFamily="34" charset="0"/>
                 <a:cs typeface="Times New Roman" panose="02020603050405020304" pitchFamily="18" charset="0"/>
               </a:rPr>
               <a:t>Bộ phận: IoT Indruino</a:t>
@@ -6968,7 +6788,8 @@
               <a:solidFill>
                 <a:schemeClr val="bg1"/>
               </a:solidFill>
-              <a:latin typeface="Times New Roman" panose="02020603050405020304" pitchFamily="18" charset="0"/>
+              <a:latin typeface="Segoe UI Black" panose="020B0A02040204020203" pitchFamily="34" charset="0"/>
+              <a:ea typeface="Segoe UI Black" panose="020B0A02040204020203" pitchFamily="34" charset="0"/>
               <a:cs typeface="Times New Roman" panose="02020603050405020304" pitchFamily="18" charset="0"/>
             </a:endParaRPr>
           </a:p>
@@ -7050,7 +6871,8 @@
                     <a:lumOff val="60000"/>
                   </a:schemeClr>
                 </a:solidFill>
-                <a:latin typeface="Times New Roman" panose="02020603050405020304" pitchFamily="18" charset="0"/>
+                <a:latin typeface="Segoe UI Black" panose="020B0A02040204020203" pitchFamily="34" charset="0"/>
+                <a:ea typeface="Segoe UI Black" panose="020B0A02040204020203" pitchFamily="34" charset="0"/>
                 <a:cs typeface="Times New Roman" panose="02020603050405020304" pitchFamily="18" charset="0"/>
               </a:rPr>
               <a:t>PART 1</a:t>
@@ -7069,7 +6891,8 @@
                     <a:lumOff val="60000"/>
                   </a:schemeClr>
                 </a:solidFill>
-                <a:latin typeface="Times New Roman" panose="02020603050405020304" pitchFamily="18" charset="0"/>
+                <a:latin typeface="Segoe UI Black" panose="020B0A02040204020203" pitchFamily="34" charset="0"/>
+                <a:ea typeface="Segoe UI Black" panose="020B0A02040204020203" pitchFamily="34" charset="0"/>
                 <a:cs typeface="Times New Roman" panose="02020603050405020304" pitchFamily="18" charset="0"/>
               </a:rPr>
               <a:t>:</a:t>
@@ -7091,27 +6914,12 @@
                     <a:lumOff val="60000"/>
                   </a:schemeClr>
                 </a:solidFill>
-                <a:latin typeface="Times New Roman" panose="02020603050405020304" pitchFamily="18" charset="0"/>
+                <a:latin typeface="Segoe UI Black" panose="020B0A02040204020203" pitchFamily="34" charset="0"/>
+                <a:ea typeface="Segoe UI Black" panose="020B0A02040204020203" pitchFamily="34" charset="0"/>
                 <a:cs typeface="Times New Roman" panose="02020603050405020304" pitchFamily="18" charset="0"/>
               </a:rPr>
               <a:t>WIFI CONFIG</a:t>
             </a:r>
-            <a:endParaRPr lang="en-US" sz="6000" b="1" dirty="0" smtClean="0">
-              <a:ln w="22225">
-                <a:solidFill>
-                  <a:schemeClr val="accent2"/>
-                </a:solidFill>
-                <a:prstDash val="solid"/>
-              </a:ln>
-              <a:solidFill>
-                <a:schemeClr val="accent2">
-                  <a:lumMod val="40000"/>
-                  <a:lumOff val="60000"/>
-                </a:schemeClr>
-              </a:solidFill>
-              <a:latin typeface="Times New Roman" panose="02020603050405020304" pitchFamily="18" charset="0"/>
-              <a:cs typeface="Times New Roman" panose="02020603050405020304" pitchFamily="18" charset="0"/>
-            </a:endParaRPr>
           </a:p>
         </p:txBody>
       </p:sp>
@@ -7164,8 +6972,8 @@
         </p:nvSpPr>
         <p:spPr>
           <a:xfrm>
-            <a:off x="1971675" y="571487"/>
-            <a:ext cx="5925981" cy="590931"/>
+            <a:off x="1971675" y="488388"/>
+            <a:ext cx="7839005" cy="757130"/>
           </a:xfrm>
           <a:prstGeom prst="rect">
             <a:avLst/>
@@ -7179,7 +6987,7 @@
           <a:lstStyle/>
           <a:p>
             <a:r>
-              <a:rPr lang="en-US" sz="3600" b="1" dirty="0" smtClean="0">
+              <a:rPr lang="en-US" sz="4800" b="1" dirty="0" smtClean="0">
                 <a:solidFill>
                   <a:srgbClr val="FF0000"/>
                 </a:solidFill>
@@ -7190,12 +6998,13 @@
                     </a:srgbClr>
                   </a:outerShdw>
                 </a:effectLst>
-                <a:latin typeface="Times New Roman" panose="02020603050405020304" pitchFamily="18" charset="0"/>
+                <a:latin typeface="Segoe UI Black" panose="020B0A02040204020203" pitchFamily="34" charset="0"/>
+                <a:ea typeface="Segoe UI Black" panose="020B0A02040204020203" pitchFamily="34" charset="0"/>
                 <a:cs typeface="Times New Roman" panose="02020603050405020304" pitchFamily="18" charset="0"/>
               </a:rPr>
               <a:t>1.1 GIAO DIỆN THAO TÁC</a:t>
             </a:r>
-            <a:endParaRPr lang="en-US" sz="3600" b="1" dirty="0">
+            <a:endParaRPr lang="en-US" sz="4800" b="1" dirty="0">
               <a:solidFill>
                 <a:srgbClr val="FF0000"/>
               </a:solidFill>
@@ -7206,7 +7015,8 @@
                   </a:srgbClr>
                 </a:outerShdw>
               </a:effectLst>
-              <a:latin typeface="Times New Roman" panose="02020603050405020304" pitchFamily="18" charset="0"/>
+              <a:latin typeface="Segoe UI Black" panose="020B0A02040204020203" pitchFamily="34" charset="0"/>
+              <a:ea typeface="Segoe UI Black" panose="020B0A02040204020203" pitchFamily="34" charset="0"/>
               <a:cs typeface="Times New Roman" panose="02020603050405020304" pitchFamily="18" charset="0"/>
             </a:endParaRPr>
           </a:p>
@@ -7243,7 +7053,8 @@
             </a:pPr>
             <a:r>
               <a:rPr lang="en-US" sz="2400" dirty="0" smtClean="0">
-                <a:latin typeface="Times New Roman" panose="02020603050405020304" pitchFamily="18" charset="0"/>
+                <a:latin typeface="Segoe UI Black" panose="020B0A02040204020203" pitchFamily="34" charset="0"/>
+                <a:ea typeface="Segoe UI Black" panose="020B0A02040204020203" pitchFamily="34" charset="0"/>
                 <a:cs typeface="Times New Roman" panose="02020603050405020304" pitchFamily="18" charset="0"/>
               </a:rPr>
               <a:t>Configure Wifi, Đăng nhập vào mạng</a:t>
@@ -7256,7 +7067,8 @@
               </a:spcBef>
             </a:pPr>
             <a:endParaRPr lang="en-US" sz="2400" dirty="0" smtClean="0">
-              <a:latin typeface="Times New Roman" panose="02020603050405020304" pitchFamily="18" charset="0"/>
+              <a:latin typeface="Segoe UI Black" panose="020B0A02040204020203" pitchFamily="34" charset="0"/>
+              <a:ea typeface="Segoe UI Black" panose="020B0A02040204020203" pitchFamily="34" charset="0"/>
               <a:cs typeface="Times New Roman" panose="02020603050405020304" pitchFamily="18" charset="0"/>
             </a:endParaRPr>
           </a:p>
@@ -7270,7 +7082,8 @@
             </a:pPr>
             <a:r>
               <a:rPr lang="en-US" sz="2400" dirty="0" smtClean="0">
-                <a:latin typeface="Times New Roman" panose="02020603050405020304" pitchFamily="18" charset="0"/>
+                <a:latin typeface="Segoe UI Black" panose="020B0A02040204020203" pitchFamily="34" charset="0"/>
+                <a:ea typeface="Segoe UI Black" panose="020B0A02040204020203" pitchFamily="34" charset="0"/>
                 <a:cs typeface="Times New Roman" panose="02020603050405020304" pitchFamily="18" charset="0"/>
               </a:rPr>
               <a:t>Info, thông tin mạng và thông tin phần cứng</a:t>
@@ -7283,7 +7096,8 @@
               </a:spcBef>
             </a:pPr>
             <a:endParaRPr lang="en-US" sz="2400" dirty="0" smtClean="0">
-              <a:latin typeface="Times New Roman" panose="02020603050405020304" pitchFamily="18" charset="0"/>
+              <a:latin typeface="Segoe UI Black" panose="020B0A02040204020203" pitchFamily="34" charset="0"/>
+              <a:ea typeface="Segoe UI Black" panose="020B0A02040204020203" pitchFamily="34" charset="0"/>
               <a:cs typeface="Times New Roman" panose="02020603050405020304" pitchFamily="18" charset="0"/>
             </a:endParaRPr>
           </a:p>
@@ -7297,13 +7111,15 @@
             </a:pPr>
             <a:r>
               <a:rPr lang="en-US" sz="2400" dirty="0" smtClean="0">
-                <a:latin typeface="Times New Roman" panose="02020603050405020304" pitchFamily="18" charset="0"/>
+                <a:latin typeface="Segoe UI Black" panose="020B0A02040204020203" pitchFamily="34" charset="0"/>
+                <a:ea typeface="Segoe UI Black" panose="020B0A02040204020203" pitchFamily="34" charset="0"/>
                 <a:cs typeface="Times New Roman" panose="02020603050405020304" pitchFamily="18" charset="0"/>
               </a:rPr>
               <a:t>Exit, ngắt kết nối</a:t>
             </a:r>
             <a:endParaRPr lang="en-US" sz="2400" dirty="0">
-              <a:latin typeface="Times New Roman" panose="02020603050405020304" pitchFamily="18" charset="0"/>
+              <a:latin typeface="Segoe UI Black" panose="020B0A02040204020203" pitchFamily="34" charset="0"/>
+              <a:ea typeface="Segoe UI Black" panose="020B0A02040204020203" pitchFamily="34" charset="0"/>
               <a:cs typeface="Times New Roman" panose="02020603050405020304" pitchFamily="18" charset="0"/>
             </a:endParaRPr>
           </a:p>
@@ -7382,8 +7198,8 @@
         </p:nvSpPr>
         <p:spPr>
           <a:xfrm>
-            <a:off x="1971675" y="571487"/>
-            <a:ext cx="3933769" cy="590931"/>
+            <a:off x="1971675" y="488388"/>
+            <a:ext cx="5086649" cy="757130"/>
           </a:xfrm>
           <a:prstGeom prst="rect">
             <a:avLst/>
@@ -7397,7 +7213,7 @@
           <a:lstStyle/>
           <a:p>
             <a:r>
-              <a:rPr lang="en-US" sz="3600" b="1" dirty="0" smtClean="0">
+              <a:rPr lang="en-US" sz="4800" b="1" dirty="0" smtClean="0">
                 <a:solidFill>
                   <a:srgbClr val="FF0000"/>
                 </a:solidFill>
@@ -7408,29 +7224,13 @@
                     </a:srgbClr>
                   </a:outerShdw>
                 </a:effectLst>
-                <a:latin typeface="Times New Roman" panose="02020603050405020304" pitchFamily="18" charset="0"/>
+                <a:latin typeface="Segoe UI Black" panose="020B0A02040204020203" pitchFamily="34" charset="0"/>
+                <a:ea typeface="Segoe UI Black" panose="020B0A02040204020203" pitchFamily="34" charset="0"/>
                 <a:cs typeface="Times New Roman" panose="02020603050405020304" pitchFamily="18" charset="0"/>
               </a:rPr>
-              <a:t>1.1 </a:t>
-            </a:r>
-            <a:r>
-              <a:rPr lang="en-US" sz="3600" b="1" dirty="0" smtClean="0">
-                <a:solidFill>
-                  <a:srgbClr val="FF0000"/>
-                </a:solidFill>
-                <a:effectLst>
-                  <a:outerShdw blurRad="38100" dist="38100" dir="2700000" algn="tl">
-                    <a:srgbClr val="000000">
-                      <a:alpha val="43137"/>
-                    </a:srgbClr>
-                  </a:outerShdw>
-                </a:effectLst>
-                <a:latin typeface="Times New Roman" panose="02020603050405020304" pitchFamily="18" charset="0"/>
-                <a:cs typeface="Times New Roman" panose="02020603050405020304" pitchFamily="18" charset="0"/>
-              </a:rPr>
-              <a:t>CONFIG WIFI</a:t>
-            </a:r>
-            <a:endParaRPr lang="en-US" sz="3600" b="1" dirty="0">
+              <a:t>1.1 CONFIG WIFI</a:t>
+            </a:r>
+            <a:endParaRPr lang="en-US" sz="4800" b="1" dirty="0">
               <a:solidFill>
                 <a:srgbClr val="FF0000"/>
               </a:solidFill>
@@ -7441,7 +7241,8 @@
                   </a:srgbClr>
                 </a:outerShdw>
               </a:effectLst>
-              <a:latin typeface="Times New Roman" panose="02020603050405020304" pitchFamily="18" charset="0"/>
+              <a:latin typeface="Segoe UI Black" panose="020B0A02040204020203" pitchFamily="34" charset="0"/>
+              <a:ea typeface="Segoe UI Black" panose="020B0A02040204020203" pitchFamily="34" charset="0"/>
               <a:cs typeface="Times New Roman" panose="02020603050405020304" pitchFamily="18" charset="0"/>
             </a:endParaRPr>
           </a:p>
@@ -7478,15 +7279,12 @@
             </a:pPr>
             <a:r>
               <a:rPr lang="en-US" sz="2400" dirty="0" smtClean="0">
-                <a:latin typeface="Times New Roman" panose="02020603050405020304" pitchFamily="18" charset="0"/>
+                <a:latin typeface="Segoe UI Black" panose="020B0A02040204020203" pitchFamily="34" charset="0"/>
+                <a:ea typeface="Segoe UI Black" panose="020B0A02040204020203" pitchFamily="34" charset="0"/>
                 <a:cs typeface="Times New Roman" panose="02020603050405020304" pitchFamily="18" charset="0"/>
               </a:rPr>
               <a:t> Static Ip to set up</a:t>
             </a:r>
-            <a:endParaRPr lang="en-US" sz="2400" dirty="0" smtClean="0">
-              <a:latin typeface="Times New Roman" panose="02020603050405020304" pitchFamily="18" charset="0"/>
-              <a:cs typeface="Times New Roman" panose="02020603050405020304" pitchFamily="18" charset="0"/>
-            </a:endParaRPr>
           </a:p>
           <a:p>
             <a:pPr marL="0" lvl="1">
@@ -7495,7 +7293,8 @@
               </a:spcBef>
             </a:pPr>
             <a:endParaRPr lang="en-US" sz="2400" dirty="0" smtClean="0">
-              <a:latin typeface="Times New Roman" panose="02020603050405020304" pitchFamily="18" charset="0"/>
+              <a:latin typeface="Segoe UI Black" panose="020B0A02040204020203" pitchFamily="34" charset="0"/>
+              <a:ea typeface="Segoe UI Black" panose="020B0A02040204020203" pitchFamily="34" charset="0"/>
               <a:cs typeface="Times New Roman" panose="02020603050405020304" pitchFamily="18" charset="0"/>
             </a:endParaRPr>
           </a:p>
@@ -7509,15 +7308,12 @@
             </a:pPr>
             <a:r>
               <a:rPr lang="en-US" sz="2400" dirty="0" smtClean="0">
-                <a:latin typeface="Times New Roman" panose="02020603050405020304" pitchFamily="18" charset="0"/>
+                <a:latin typeface="Segoe UI Black" panose="020B0A02040204020203" pitchFamily="34" charset="0"/>
+                <a:ea typeface="Segoe UI Black" panose="020B0A02040204020203" pitchFamily="34" charset="0"/>
                 <a:cs typeface="Times New Roman" panose="02020603050405020304" pitchFamily="18" charset="0"/>
               </a:rPr>
               <a:t>Set DHCP or STATIC </a:t>
             </a:r>
-            <a:endParaRPr lang="en-US" sz="2400" dirty="0" smtClean="0">
-              <a:latin typeface="Times New Roman" panose="02020603050405020304" pitchFamily="18" charset="0"/>
-              <a:cs typeface="Times New Roman" panose="02020603050405020304" pitchFamily="18" charset="0"/>
-            </a:endParaRPr>
           </a:p>
           <a:p>
             <a:pPr marL="0" lvl="1">
@@ -7526,7 +7322,8 @@
               </a:spcBef>
             </a:pPr>
             <a:endParaRPr lang="en-US" sz="2400" dirty="0" smtClean="0">
-              <a:latin typeface="Times New Roman" panose="02020603050405020304" pitchFamily="18" charset="0"/>
+              <a:latin typeface="Segoe UI Black" panose="020B0A02040204020203" pitchFamily="34" charset="0"/>
+              <a:ea typeface="Segoe UI Black" panose="020B0A02040204020203" pitchFamily="34" charset="0"/>
               <a:cs typeface="Times New Roman" panose="02020603050405020304" pitchFamily="18" charset="0"/>
             </a:endParaRPr>
           </a:p>
@@ -7540,13 +7337,15 @@
             </a:pPr>
             <a:r>
               <a:rPr lang="en-US" sz="2400" dirty="0" smtClean="0">
-                <a:latin typeface="Times New Roman" panose="02020603050405020304" pitchFamily="18" charset="0"/>
+                <a:latin typeface="Segoe UI Black" panose="020B0A02040204020203" pitchFamily="34" charset="0"/>
+                <a:ea typeface="Segoe UI Black" panose="020B0A02040204020203" pitchFamily="34" charset="0"/>
                 <a:cs typeface="Times New Roman" panose="02020603050405020304" pitchFamily="18" charset="0"/>
               </a:rPr>
               <a:t>Set up MQTT</a:t>
             </a:r>
             <a:endParaRPr lang="en-US" sz="2400" dirty="0">
-              <a:latin typeface="Times New Roman" panose="02020603050405020304" pitchFamily="18" charset="0"/>
+              <a:latin typeface="Segoe UI Black" panose="020B0A02040204020203" pitchFamily="34" charset="0"/>
+              <a:ea typeface="Segoe UI Black" panose="020B0A02040204020203" pitchFamily="34" charset="0"/>
               <a:cs typeface="Times New Roman" panose="02020603050405020304" pitchFamily="18" charset="0"/>
             </a:endParaRPr>
           </a:p>
@@ -7625,8 +7424,8 @@
         </p:nvSpPr>
         <p:spPr>
           <a:xfrm>
-            <a:off x="1971675" y="571487"/>
-            <a:ext cx="5254644" cy="590931"/>
+            <a:off x="1971675" y="488388"/>
+            <a:ext cx="7212231" cy="757130"/>
           </a:xfrm>
           <a:prstGeom prst="rect">
             <a:avLst/>
@@ -7640,7 +7439,7 @@
           <a:lstStyle/>
           <a:p>
             <a:r>
-              <a:rPr lang="en-US" sz="3600" b="1" dirty="0" smtClean="0">
+              <a:rPr lang="en-US" sz="4800" b="1" dirty="0" smtClean="0">
                 <a:solidFill>
                   <a:srgbClr val="FF0000"/>
                 </a:solidFill>
@@ -7651,29 +7450,13 @@
                     </a:srgbClr>
                   </a:outerShdw>
                 </a:effectLst>
-                <a:latin typeface="Times New Roman" panose="02020603050405020304" pitchFamily="18" charset="0"/>
+                <a:latin typeface="Segoe UI Black" panose="020B0A02040204020203" pitchFamily="34" charset="0"/>
+                <a:ea typeface="Segoe UI Black" panose="020B0A02040204020203" pitchFamily="34" charset="0"/>
                 <a:cs typeface="Times New Roman" panose="02020603050405020304" pitchFamily="18" charset="0"/>
               </a:rPr>
-              <a:t>1.1 </a:t>
-            </a:r>
-            <a:r>
-              <a:rPr lang="en-US" sz="3600" b="1" dirty="0" smtClean="0">
-                <a:solidFill>
-                  <a:srgbClr val="FF0000"/>
-                </a:solidFill>
-                <a:effectLst>
-                  <a:outerShdw blurRad="38100" dist="38100" dir="2700000" algn="tl">
-                    <a:srgbClr val="000000">
-                      <a:alpha val="43137"/>
-                    </a:srgbClr>
-                  </a:outerShdw>
-                </a:effectLst>
-                <a:latin typeface="Times New Roman" panose="02020603050405020304" pitchFamily="18" charset="0"/>
-                <a:cs typeface="Times New Roman" panose="02020603050405020304" pitchFamily="18" charset="0"/>
-              </a:rPr>
-              <a:t>CONFIG WIFI (code)</a:t>
-            </a:r>
-            <a:endParaRPr lang="en-US" sz="3600" b="1" dirty="0">
+              <a:t>1.1 CONFIG WIFI (code)</a:t>
+            </a:r>
+            <a:endParaRPr lang="en-US" sz="4800" b="1" dirty="0">
               <a:solidFill>
                 <a:srgbClr val="FF0000"/>
               </a:solidFill>
@@ -7684,7 +7467,8 @@
                   </a:srgbClr>
                 </a:outerShdw>
               </a:effectLst>
-              <a:latin typeface="Times New Roman" panose="02020603050405020304" pitchFamily="18" charset="0"/>
+              <a:latin typeface="Segoe UI Black" panose="020B0A02040204020203" pitchFamily="34" charset="0"/>
+              <a:ea typeface="Segoe UI Black" panose="020B0A02040204020203" pitchFamily="34" charset="0"/>
               <a:cs typeface="Times New Roman" panose="02020603050405020304" pitchFamily="18" charset="0"/>
             </a:endParaRPr>
           </a:p>
@@ -7745,15 +7529,12 @@
             </a:pPr>
             <a:r>
               <a:rPr lang="en-US" sz="2400" dirty="0" smtClean="0">
-                <a:latin typeface="Times New Roman" panose="02020603050405020304" pitchFamily="18" charset="0"/>
+                <a:latin typeface="Segoe UI Black" panose="020B0A02040204020203" pitchFamily="34" charset="0"/>
+                <a:ea typeface="Segoe UI Black" panose="020B0A02040204020203" pitchFamily="34" charset="0"/>
                 <a:cs typeface="Times New Roman" panose="02020603050405020304" pitchFamily="18" charset="0"/>
               </a:rPr>
               <a:t>Labrary</a:t>
             </a:r>
-            <a:endParaRPr lang="en-US" sz="2400" dirty="0" smtClean="0">
-              <a:latin typeface="Times New Roman" panose="02020603050405020304" pitchFamily="18" charset="0"/>
-              <a:cs typeface="Times New Roman" panose="02020603050405020304" pitchFamily="18" charset="0"/>
-            </a:endParaRPr>
           </a:p>
           <a:p>
             <a:pPr marL="0" lvl="1">
@@ -7762,7 +7543,8 @@
               </a:spcBef>
             </a:pPr>
             <a:endParaRPr lang="en-US" sz="2400" dirty="0" smtClean="0">
-              <a:latin typeface="Times New Roman" panose="02020603050405020304" pitchFamily="18" charset="0"/>
+              <a:latin typeface="Segoe UI Black" panose="020B0A02040204020203" pitchFamily="34" charset="0"/>
+              <a:ea typeface="Segoe UI Black" panose="020B0A02040204020203" pitchFamily="34" charset="0"/>
               <a:cs typeface="Times New Roman" panose="02020603050405020304" pitchFamily="18" charset="0"/>
             </a:endParaRPr>
           </a:p>
@@ -7776,15 +7558,12 @@
             </a:pPr>
             <a:r>
               <a:rPr lang="en-US" sz="2400" dirty="0" smtClean="0">
-                <a:latin typeface="Times New Roman" panose="02020603050405020304" pitchFamily="18" charset="0"/>
+                <a:latin typeface="Segoe UI Black" panose="020B0A02040204020203" pitchFamily="34" charset="0"/>
+                <a:ea typeface="Segoe UI Black" panose="020B0A02040204020203" pitchFamily="34" charset="0"/>
                 <a:cs typeface="Times New Roman" panose="02020603050405020304" pitchFamily="18" charset="0"/>
               </a:rPr>
               <a:t>Default </a:t>
             </a:r>
-            <a:endParaRPr lang="en-US" sz="2400" dirty="0" smtClean="0">
-              <a:latin typeface="Times New Roman" panose="02020603050405020304" pitchFamily="18" charset="0"/>
-              <a:cs typeface="Times New Roman" panose="02020603050405020304" pitchFamily="18" charset="0"/>
-            </a:endParaRPr>
           </a:p>
         </p:txBody>
       </p:sp>
@@ -7837,8 +7616,8 @@
         </p:nvSpPr>
         <p:spPr>
           <a:xfrm>
-            <a:off x="1971675" y="571487"/>
-            <a:ext cx="5254644" cy="590931"/>
+            <a:off x="1971675" y="488388"/>
+            <a:ext cx="7212231" cy="757130"/>
           </a:xfrm>
           <a:prstGeom prst="rect">
             <a:avLst/>
@@ -7852,7 +7631,7 @@
           <a:lstStyle/>
           <a:p>
             <a:r>
-              <a:rPr lang="en-US" sz="3600" b="1" dirty="0" smtClean="0">
+              <a:rPr lang="en-US" sz="4800" b="1" dirty="0" smtClean="0">
                 <a:solidFill>
                   <a:srgbClr val="FF0000"/>
                 </a:solidFill>
@@ -7863,29 +7642,13 @@
                     </a:srgbClr>
                   </a:outerShdw>
                 </a:effectLst>
-                <a:latin typeface="Times New Roman" panose="02020603050405020304" pitchFamily="18" charset="0"/>
+                <a:latin typeface="Segoe UI Black" panose="020B0A02040204020203" pitchFamily="34" charset="0"/>
+                <a:ea typeface="Segoe UI Black" panose="020B0A02040204020203" pitchFamily="34" charset="0"/>
                 <a:cs typeface="Times New Roman" panose="02020603050405020304" pitchFamily="18" charset="0"/>
               </a:rPr>
-              <a:t>1.1 </a:t>
-            </a:r>
-            <a:r>
-              <a:rPr lang="en-US" sz="3600" b="1" dirty="0" smtClean="0">
-                <a:solidFill>
-                  <a:srgbClr val="FF0000"/>
-                </a:solidFill>
-                <a:effectLst>
-                  <a:outerShdw blurRad="38100" dist="38100" dir="2700000" algn="tl">
-                    <a:srgbClr val="000000">
-                      <a:alpha val="43137"/>
-                    </a:srgbClr>
-                  </a:outerShdw>
-                </a:effectLst>
-                <a:latin typeface="Times New Roman" panose="02020603050405020304" pitchFamily="18" charset="0"/>
-                <a:cs typeface="Times New Roman" panose="02020603050405020304" pitchFamily="18" charset="0"/>
-              </a:rPr>
-              <a:t>CONFIG WIFI (code)</a:t>
-            </a:r>
-            <a:endParaRPr lang="en-US" sz="3600" b="1" dirty="0">
+              <a:t>1.1 CONFIG WIFI (code)</a:t>
+            </a:r>
+            <a:endParaRPr lang="en-US" sz="4800" b="1" dirty="0">
               <a:solidFill>
                 <a:srgbClr val="FF0000"/>
               </a:solidFill>
@@ -7896,7 +7659,8 @@
                   </a:srgbClr>
                 </a:outerShdw>
               </a:effectLst>
-              <a:latin typeface="Times New Roman" panose="02020603050405020304" pitchFamily="18" charset="0"/>
+              <a:latin typeface="Segoe UI Black" panose="020B0A02040204020203" pitchFamily="34" charset="0"/>
+              <a:ea typeface="Segoe UI Black" panose="020B0A02040204020203" pitchFamily="34" charset="0"/>
               <a:cs typeface="Times New Roman" panose="02020603050405020304" pitchFamily="18" charset="0"/>
             </a:endParaRPr>
           </a:p>
@@ -7933,15 +7697,12 @@
             </a:pPr>
             <a:r>
               <a:rPr lang="en-US" sz="2400" dirty="0" smtClean="0">
-                <a:latin typeface="Times New Roman" panose="02020603050405020304" pitchFamily="18" charset="0"/>
+                <a:latin typeface="Segoe UI Black" panose="020B0A02040204020203" pitchFamily="34" charset="0"/>
+                <a:ea typeface="Segoe UI Black" panose="020B0A02040204020203" pitchFamily="34" charset="0"/>
                 <a:cs typeface="Times New Roman" panose="02020603050405020304" pitchFamily="18" charset="0"/>
               </a:rPr>
               <a:t>Read file in flash</a:t>
             </a:r>
-            <a:endParaRPr lang="en-US" sz="2400" dirty="0" smtClean="0">
-              <a:latin typeface="Times New Roman" panose="02020603050405020304" pitchFamily="18" charset="0"/>
-              <a:cs typeface="Times New Roman" panose="02020603050405020304" pitchFamily="18" charset="0"/>
-            </a:endParaRPr>
           </a:p>
           <a:p>
             <a:pPr marL="0" lvl="1">
@@ -7950,7 +7711,8 @@
               </a:spcBef>
             </a:pPr>
             <a:endParaRPr lang="en-US" sz="2400" dirty="0" smtClean="0">
-              <a:latin typeface="Times New Roman" panose="02020603050405020304" pitchFamily="18" charset="0"/>
+              <a:latin typeface="Segoe UI Black" panose="020B0A02040204020203" pitchFamily="34" charset="0"/>
+              <a:ea typeface="Segoe UI Black" panose="020B0A02040204020203" pitchFamily="34" charset="0"/>
               <a:cs typeface="Times New Roman" panose="02020603050405020304" pitchFamily="18" charset="0"/>
             </a:endParaRPr>
           </a:p>
@@ -7964,15 +7726,12 @@
             </a:pPr>
             <a:r>
               <a:rPr lang="en-US" sz="2400" dirty="0" smtClean="0">
-                <a:latin typeface="Times New Roman" panose="02020603050405020304" pitchFamily="18" charset="0"/>
+                <a:latin typeface="Segoe UI Black" panose="020B0A02040204020203" pitchFamily="34" charset="0"/>
+                <a:ea typeface="Segoe UI Black" panose="020B0A02040204020203" pitchFamily="34" charset="0"/>
                 <a:cs typeface="Times New Roman" panose="02020603050405020304" pitchFamily="18" charset="0"/>
               </a:rPr>
               <a:t>Đọc vào các biến</a:t>
             </a:r>
-            <a:endParaRPr lang="en-US" sz="2400" dirty="0" smtClean="0">
-              <a:latin typeface="Times New Roman" panose="02020603050405020304" pitchFamily="18" charset="0"/>
-              <a:cs typeface="Times New Roman" panose="02020603050405020304" pitchFamily="18" charset="0"/>
-            </a:endParaRPr>
           </a:p>
         </p:txBody>
       </p:sp>
@@ -8049,8 +7808,8 @@
         </p:nvSpPr>
         <p:spPr>
           <a:xfrm>
-            <a:off x="1971675" y="571487"/>
-            <a:ext cx="5254644" cy="590931"/>
+            <a:off x="1971675" y="488388"/>
+            <a:ext cx="7212231" cy="757130"/>
           </a:xfrm>
           <a:prstGeom prst="rect">
             <a:avLst/>
@@ -8064,7 +7823,7 @@
           <a:lstStyle/>
           <a:p>
             <a:r>
-              <a:rPr lang="en-US" sz="3600" b="1" dirty="0" smtClean="0">
+              <a:rPr lang="en-US" sz="4800" b="1" dirty="0" smtClean="0">
                 <a:solidFill>
                   <a:srgbClr val="FF0000"/>
                 </a:solidFill>
@@ -8075,29 +7834,13 @@
                     </a:srgbClr>
                   </a:outerShdw>
                 </a:effectLst>
-                <a:latin typeface="Times New Roman" panose="02020603050405020304" pitchFamily="18" charset="0"/>
+                <a:latin typeface="Segoe UI Black" panose="020B0A02040204020203" pitchFamily="34" charset="0"/>
+                <a:ea typeface="Segoe UI Black" panose="020B0A02040204020203" pitchFamily="34" charset="0"/>
                 <a:cs typeface="Times New Roman" panose="02020603050405020304" pitchFamily="18" charset="0"/>
               </a:rPr>
-              <a:t>1.1 </a:t>
-            </a:r>
-            <a:r>
-              <a:rPr lang="en-US" sz="3600" b="1" dirty="0" smtClean="0">
-                <a:solidFill>
-                  <a:srgbClr val="FF0000"/>
-                </a:solidFill>
-                <a:effectLst>
-                  <a:outerShdw blurRad="38100" dist="38100" dir="2700000" algn="tl">
-                    <a:srgbClr val="000000">
-                      <a:alpha val="43137"/>
-                    </a:srgbClr>
-                  </a:outerShdw>
-                </a:effectLst>
-                <a:latin typeface="Times New Roman" panose="02020603050405020304" pitchFamily="18" charset="0"/>
-                <a:cs typeface="Times New Roman" panose="02020603050405020304" pitchFamily="18" charset="0"/>
-              </a:rPr>
-              <a:t>CONFIG WIFI (code)</a:t>
-            </a:r>
-            <a:endParaRPr lang="en-US" sz="3600" b="1" dirty="0">
+              <a:t>1.1 CONFIG WIFI (code)</a:t>
+            </a:r>
+            <a:endParaRPr lang="en-US" sz="4800" b="1" dirty="0">
               <a:solidFill>
                 <a:srgbClr val="FF0000"/>
               </a:solidFill>
@@ -8108,7 +7851,8 @@
                   </a:srgbClr>
                 </a:outerShdw>
               </a:effectLst>
-              <a:latin typeface="Times New Roman" panose="02020603050405020304" pitchFamily="18" charset="0"/>
+              <a:latin typeface="Segoe UI Black" panose="020B0A02040204020203" pitchFamily="34" charset="0"/>
+              <a:ea typeface="Segoe UI Black" panose="020B0A02040204020203" pitchFamily="34" charset="0"/>
               <a:cs typeface="Times New Roman" panose="02020603050405020304" pitchFamily="18" charset="0"/>
             </a:endParaRPr>
           </a:p>
@@ -8145,15 +7889,12 @@
             </a:pPr>
             <a:r>
               <a:rPr lang="en-US" sz="2400" dirty="0" smtClean="0">
-                <a:latin typeface="Times New Roman" panose="02020603050405020304" pitchFamily="18" charset="0"/>
+                <a:latin typeface="Segoe UI Black" panose="020B0A02040204020203" pitchFamily="34" charset="0"/>
+                <a:ea typeface="Segoe UI Black" panose="020B0A02040204020203" pitchFamily="34" charset="0"/>
                 <a:cs typeface="Times New Roman" panose="02020603050405020304" pitchFamily="18" charset="0"/>
               </a:rPr>
               <a:t>Tạo các trường để nhập</a:t>
             </a:r>
-            <a:endParaRPr lang="en-US" sz="2400" dirty="0" smtClean="0">
-              <a:latin typeface="Times New Roman" panose="02020603050405020304" pitchFamily="18" charset="0"/>
-              <a:cs typeface="Times New Roman" panose="02020603050405020304" pitchFamily="18" charset="0"/>
-            </a:endParaRPr>
           </a:p>
           <a:p>
             <a:pPr marL="0" lvl="1">
@@ -8162,7 +7903,8 @@
               </a:spcBef>
             </a:pPr>
             <a:endParaRPr lang="en-US" sz="2400" dirty="0" smtClean="0">
-              <a:latin typeface="Times New Roman" panose="02020603050405020304" pitchFamily="18" charset="0"/>
+              <a:latin typeface="Segoe UI Black" panose="020B0A02040204020203" pitchFamily="34" charset="0"/>
+              <a:ea typeface="Segoe UI Black" panose="020B0A02040204020203" pitchFamily="34" charset="0"/>
               <a:cs typeface="Times New Roman" panose="02020603050405020304" pitchFamily="18" charset="0"/>
             </a:endParaRPr>
           </a:p>
@@ -8176,15 +7918,12 @@
             </a:pPr>
             <a:r>
               <a:rPr lang="en-US" sz="2400" dirty="0" smtClean="0">
-                <a:latin typeface="Times New Roman" panose="02020603050405020304" pitchFamily="18" charset="0"/>
+                <a:latin typeface="Segoe UI Black" panose="020B0A02040204020203" pitchFamily="34" charset="0"/>
+                <a:ea typeface="Segoe UI Black" panose="020B0A02040204020203" pitchFamily="34" charset="0"/>
                 <a:cs typeface="Times New Roman" panose="02020603050405020304" pitchFamily="18" charset="0"/>
               </a:rPr>
               <a:t>Gọi vào webserver</a:t>
             </a:r>
-            <a:endParaRPr lang="en-US" sz="2400" dirty="0" smtClean="0">
-              <a:latin typeface="Times New Roman" panose="02020603050405020304" pitchFamily="18" charset="0"/>
-              <a:cs typeface="Times New Roman" panose="02020603050405020304" pitchFamily="18" charset="0"/>
-            </a:endParaRPr>
           </a:p>
         </p:txBody>
       </p:sp>
@@ -8261,8 +8000,8 @@
         </p:nvSpPr>
         <p:spPr>
           <a:xfrm>
-            <a:off x="1971675" y="571487"/>
-            <a:ext cx="5254644" cy="590931"/>
+            <a:off x="1971675" y="488388"/>
+            <a:ext cx="6038833" cy="757130"/>
           </a:xfrm>
           <a:prstGeom prst="rect">
             <a:avLst/>
@@ -8287,10 +8026,29 @@
                     </a:srgbClr>
                   </a:outerShdw>
                 </a:effectLst>
-                <a:latin typeface="Times New Roman" panose="02020603050405020304" pitchFamily="18" charset="0"/>
+                <a:latin typeface="Segoe UI Black" panose="020B0A02040204020203" pitchFamily="34" charset="0"/>
+                <a:ea typeface="Segoe UI Black" panose="020B0A02040204020203" pitchFamily="34" charset="0"/>
                 <a:cs typeface="Times New Roman" panose="02020603050405020304" pitchFamily="18" charset="0"/>
               </a:rPr>
               <a:t>1.1 </a:t>
+            </a:r>
+            <a:r>
+              <a:rPr lang="en-US" sz="4800" b="1" dirty="0" smtClean="0">
+                <a:solidFill>
+                  <a:srgbClr val="FF0000"/>
+                </a:solidFill>
+                <a:effectLst>
+                  <a:outerShdw blurRad="38100" dist="38100" dir="2700000" algn="tl">
+                    <a:srgbClr val="000000">
+                      <a:alpha val="43137"/>
+                    </a:srgbClr>
+                  </a:outerShdw>
+                </a:effectLst>
+                <a:latin typeface="Segoe UI Black" panose="020B0A02040204020203" pitchFamily="34" charset="0"/>
+                <a:ea typeface="Segoe UI Black" panose="020B0A02040204020203" pitchFamily="34" charset="0"/>
+                <a:cs typeface="Times New Roman" panose="02020603050405020304" pitchFamily="18" charset="0"/>
+              </a:rPr>
+              <a:t>CONFIG</a:t>
             </a:r>
             <a:r>
               <a:rPr lang="en-US" sz="3600" b="1" dirty="0" smtClean="0">
@@ -8304,10 +8062,11 @@
                     </a:srgbClr>
                   </a:outerShdw>
                 </a:effectLst>
-                <a:latin typeface="Times New Roman" panose="02020603050405020304" pitchFamily="18" charset="0"/>
+                <a:latin typeface="Segoe UI Black" panose="020B0A02040204020203" pitchFamily="34" charset="0"/>
+                <a:ea typeface="Segoe UI Black" panose="020B0A02040204020203" pitchFamily="34" charset="0"/>
                 <a:cs typeface="Times New Roman" panose="02020603050405020304" pitchFamily="18" charset="0"/>
               </a:rPr>
-              <a:t>CONFIG WIFI (code)</a:t>
+              <a:t> WIFI (code)</a:t>
             </a:r>
             <a:endParaRPr lang="en-US" sz="3600" b="1" dirty="0">
               <a:solidFill>
@@ -8320,7 +8079,8 @@
                   </a:srgbClr>
                 </a:outerShdw>
               </a:effectLst>
-              <a:latin typeface="Times New Roman" panose="02020603050405020304" pitchFamily="18" charset="0"/>
+              <a:latin typeface="Segoe UI Black" panose="020B0A02040204020203" pitchFamily="34" charset="0"/>
+              <a:ea typeface="Segoe UI Black" panose="020B0A02040204020203" pitchFamily="34" charset="0"/>
               <a:cs typeface="Times New Roman" panose="02020603050405020304" pitchFamily="18" charset="0"/>
             </a:endParaRPr>
           </a:p>
@@ -8357,15 +8117,12 @@
             </a:pPr>
             <a:r>
               <a:rPr lang="en-US" sz="2400" dirty="0" smtClean="0">
-                <a:latin typeface="Times New Roman" panose="02020603050405020304" pitchFamily="18" charset="0"/>
+                <a:latin typeface="Segoe UI Black" panose="020B0A02040204020203" pitchFamily="34" charset="0"/>
+                <a:ea typeface="Segoe UI Black" panose="020B0A02040204020203" pitchFamily="34" charset="0"/>
                 <a:cs typeface="Times New Roman" panose="02020603050405020304" pitchFamily="18" charset="0"/>
               </a:rPr>
               <a:t>Nhận data sau khi nhập </a:t>
             </a:r>
-            <a:endParaRPr lang="en-US" sz="2400" dirty="0" smtClean="0">
-              <a:latin typeface="Times New Roman" panose="02020603050405020304" pitchFamily="18" charset="0"/>
-              <a:cs typeface="Times New Roman" panose="02020603050405020304" pitchFamily="18" charset="0"/>
-            </a:endParaRPr>
           </a:p>
           <a:p>
             <a:pPr marL="0" lvl="1">
@@ -8374,7 +8131,8 @@
               </a:spcBef>
             </a:pPr>
             <a:endParaRPr lang="en-US" sz="2400" dirty="0" smtClean="0">
-              <a:latin typeface="Times New Roman" panose="02020603050405020304" pitchFamily="18" charset="0"/>
+              <a:latin typeface="Segoe UI Black" panose="020B0A02040204020203" pitchFamily="34" charset="0"/>
+              <a:ea typeface="Segoe UI Black" panose="020B0A02040204020203" pitchFamily="34" charset="0"/>
               <a:cs typeface="Times New Roman" panose="02020603050405020304" pitchFamily="18" charset="0"/>
             </a:endParaRPr>
           </a:p>
@@ -8388,15 +8146,12 @@
             </a:pPr>
             <a:r>
               <a:rPr lang="en-US" sz="2400" dirty="0" smtClean="0">
-                <a:latin typeface="Times New Roman" panose="02020603050405020304" pitchFamily="18" charset="0"/>
+                <a:latin typeface="Segoe UI Black" panose="020B0A02040204020203" pitchFamily="34" charset="0"/>
+                <a:ea typeface="Segoe UI Black" panose="020B0A02040204020203" pitchFamily="34" charset="0"/>
                 <a:cs typeface="Times New Roman" panose="02020603050405020304" pitchFamily="18" charset="0"/>
               </a:rPr>
               <a:t>Ghi vào flash</a:t>
             </a:r>
-            <a:endParaRPr lang="en-US" sz="2400" dirty="0" smtClean="0">
-              <a:latin typeface="Times New Roman" panose="02020603050405020304" pitchFamily="18" charset="0"/>
-              <a:cs typeface="Times New Roman" panose="02020603050405020304" pitchFamily="18" charset="0"/>
-            </a:endParaRPr>
           </a:p>
         </p:txBody>
       </p:sp>

--- a/FW/Phuc/WEEK4_config_dialogtic_cotrol_information/TEMPLATE SLITE Writehttp.pptx
+++ b/FW/Phuc/WEEK4_config_dialogtic_cotrol_information/TEMPLATE SLITE Writehttp.pptx
@@ -232,7 +232,7 @@
           <a:p>
             <a:fld id="{BE921E71-55FB-4F70-BA64-7E87629B9540}" type="datetimeFigureOut">
               <a:rPr lang="en-US" smtClean="0"/>
-              <a:t>8/16/2020</a:t>
+              <a:t>8/23/2020</a:t>
             </a:fld>
             <a:endParaRPr lang="en-US"/>
           </a:p>
@@ -296,38 +296,37 @@
           <a:p>
             <a:pPr lvl="0"/>
             <a:r>
-              <a:rPr lang="en-US" smtClean="0"/>
+              <a:rPr lang="en-US"/>
               <a:t>Edit Master text styles</a:t>
             </a:r>
           </a:p>
           <a:p>
             <a:pPr lvl="1"/>
             <a:r>
-              <a:rPr lang="en-US" smtClean="0"/>
+              <a:rPr lang="en-US"/>
               <a:t>Second level</a:t>
             </a:r>
           </a:p>
           <a:p>
             <a:pPr lvl="2"/>
             <a:r>
-              <a:rPr lang="en-US" smtClean="0"/>
+              <a:rPr lang="en-US"/>
               <a:t>Third level</a:t>
             </a:r>
           </a:p>
           <a:p>
             <a:pPr lvl="3"/>
             <a:r>
-              <a:rPr lang="en-US" smtClean="0"/>
+              <a:rPr lang="en-US"/>
               <a:t>Fourth level</a:t>
             </a:r>
           </a:p>
           <a:p>
             <a:pPr lvl="4"/>
             <a:r>
-              <a:rPr lang="en-US" smtClean="0"/>
+              <a:rPr lang="en-US"/>
               <a:t>Fifth level</a:t>
             </a:r>
-            <a:endParaRPr lang="en-US"/>
           </a:p>
         </p:txBody>
       </p:sp>
@@ -571,13 +570,6 @@
   <p:clrMapOvr>
     <a:masterClrMapping/>
   </p:clrMapOvr>
-  <p:timing>
-    <p:tnLst>
-      <p:par>
-        <p:cTn id="1" dur="indefinite" restart="never" nodeType="tmRoot"/>
-      </p:par>
-    </p:tnLst>
-  </p:timing>
 </p:sldLayout>
 </file>
 
@@ -686,17 +678,16 @@
           </a:lstStyle>
           <a:p>
             <a:r>
-              <a:rPr lang="en-US" dirty="0" smtClean="0"/>
+              <a:rPr lang="en-US" dirty="0"/>
               <a:t>Headline here</a:t>
             </a:r>
             <a:br>
-              <a:rPr lang="en-US" dirty="0" smtClean="0"/>
+              <a:rPr lang="en-US" dirty="0"/>
             </a:br>
             <a:r>
-              <a:rPr lang="en-US" dirty="0" smtClean="0"/>
+              <a:rPr lang="en-US" dirty="0"/>
               <a:t>Content</a:t>
             </a:r>
-            <a:endParaRPr lang="en-US" dirty="0"/>
           </a:p>
         </p:txBody>
       </p:sp>
@@ -729,7 +720,7 @@
           </a:lstStyle>
           <a:p>
             <a:r>
-              <a:rPr lang="en-US" smtClean="0"/>
+              <a:rPr lang="en-US"/>
               <a:t>www.indruino.com</a:t>
             </a:r>
             <a:endParaRPr lang="en-US" dirty="0"/>
@@ -800,16 +791,15 @@
           </a:lstStyle>
           <a:p>
             <a:r>
-              <a:rPr lang="en-US" dirty="0" smtClean="0"/>
+              <a:rPr lang="en-US" dirty="0"/>
               <a:t>Subhead here</a:t>
             </a:r>
           </a:p>
           <a:p>
             <a:r>
-              <a:rPr lang="en-US" dirty="0" smtClean="0"/>
+              <a:rPr lang="en-US" dirty="0"/>
               <a:t>Content</a:t>
             </a:r>
-            <a:endParaRPr lang="en-US" dirty="0"/>
           </a:p>
         </p:txBody>
       </p:sp>
@@ -1030,7 +1020,7 @@
           </a:lstStyle>
           <a:p>
             <a:r>
-              <a:rPr lang="en-US" dirty="0" err="1" smtClean="0">
+              <a:rPr lang="en-US" dirty="0" err="1">
                 <a:solidFill>
                   <a:schemeClr val="bg1"/>
                 </a:solidFill>
@@ -1038,7 +1028,7 @@
               <a:t>Diễn</a:t>
             </a:r>
             <a:r>
-              <a:rPr lang="en-US" dirty="0" smtClean="0">
+              <a:rPr lang="en-US" dirty="0">
                 <a:solidFill>
                   <a:schemeClr val="bg1"/>
                 </a:solidFill>
@@ -1046,7 +1036,7 @@
               <a:t> </a:t>
             </a:r>
             <a:r>
-              <a:rPr lang="en-US" dirty="0" err="1" smtClean="0">
+              <a:rPr lang="en-US" dirty="0" err="1">
                 <a:solidFill>
                   <a:schemeClr val="bg1"/>
                 </a:solidFill>
@@ -1054,7 +1044,7 @@
               <a:t>giả</a:t>
             </a:r>
             <a:r>
-              <a:rPr lang="en-US" dirty="0" smtClean="0">
+              <a:rPr lang="en-US" dirty="0">
                 <a:solidFill>
                   <a:schemeClr val="bg1"/>
                 </a:solidFill>
@@ -1062,14 +1052,14 @@
               <a:t>: </a:t>
             </a:r>
             <a:r>
-              <a:rPr lang="en-US" dirty="0" err="1" smtClean="0">
+              <a:rPr lang="en-US" dirty="0" err="1">
                 <a:solidFill>
                   <a:schemeClr val="bg1"/>
                 </a:solidFill>
               </a:rPr>
               <a:t>Indruino</a:t>
             </a:r>
-            <a:endParaRPr lang="en-US" dirty="0" smtClean="0">
+            <a:endParaRPr lang="en-US" dirty="0">
               <a:solidFill>
                 <a:schemeClr val="bg1"/>
               </a:solidFill>
@@ -1077,7 +1067,7 @@
           </a:p>
           <a:p>
             <a:r>
-              <a:rPr lang="en-US" dirty="0" err="1" smtClean="0">
+              <a:rPr lang="en-US" dirty="0" err="1">
                 <a:solidFill>
                   <a:schemeClr val="bg1"/>
                 </a:solidFill>
@@ -1085,7 +1075,7 @@
               <a:t>Bộ</a:t>
             </a:r>
             <a:r>
-              <a:rPr lang="en-US" dirty="0" smtClean="0">
+              <a:rPr lang="en-US" dirty="0">
                 <a:solidFill>
                   <a:schemeClr val="bg1"/>
                 </a:solidFill>
@@ -1093,7 +1083,7 @@
               <a:t> </a:t>
             </a:r>
             <a:r>
-              <a:rPr lang="en-US" dirty="0" err="1" smtClean="0">
+              <a:rPr lang="en-US" dirty="0" err="1">
                 <a:solidFill>
                   <a:schemeClr val="bg1"/>
                 </a:solidFill>
@@ -1101,7 +1091,7 @@
               <a:t>phận</a:t>
             </a:r>
             <a:r>
-              <a:rPr lang="en-US" dirty="0" smtClean="0">
+              <a:rPr lang="en-US" dirty="0">
                 <a:solidFill>
                   <a:schemeClr val="bg1"/>
                 </a:solidFill>
@@ -1109,7 +1099,7 @@
               <a:t>: </a:t>
             </a:r>
             <a:r>
-              <a:rPr lang="en-US" dirty="0" err="1" smtClean="0">
+              <a:rPr lang="en-US" dirty="0" err="1">
                 <a:solidFill>
                   <a:schemeClr val="bg1"/>
                 </a:solidFill>
@@ -1177,13 +1167,6 @@
   <p:clrMapOvr>
     <a:masterClrMapping/>
   </p:clrMapOvr>
-  <p:timing>
-    <p:tnLst>
-      <p:par>
-        <p:cTn id="1" dur="indefinite" restart="never" nodeType="tmRoot"/>
-      </p:par>
-    </p:tnLst>
-  </p:timing>
 </p:sldLayout>
 </file>
 
@@ -1231,10 +1214,9 @@
           </a:lstStyle>
           <a:p>
             <a:r>
-              <a:rPr lang="en-US" dirty="0" smtClean="0"/>
+              <a:rPr lang="en-US" dirty="0"/>
               <a:t>Title here</a:t>
             </a:r>
-            <a:endParaRPr lang="en-US" dirty="0"/>
           </a:p>
         </p:txBody>
       </p:sp>
@@ -1298,7 +1280,7 @@
           </a:lstStyle>
           <a:p>
             <a:r>
-              <a:rPr lang="en-US" dirty="0" smtClean="0"/>
+              <a:rPr lang="en-US" dirty="0"/>
               <a:t>Subtitle here</a:t>
             </a:r>
           </a:p>
@@ -1591,7 +1573,7 @@
           <a:p>
             <a:pPr lvl="0"/>
             <a:r>
-              <a:rPr lang="en-US" dirty="0" smtClean="0"/>
+              <a:rPr lang="en-US" dirty="0"/>
               <a:t>Content Here</a:t>
             </a:r>
           </a:p>
@@ -1607,13 +1589,6 @@
   <p:clrMapOvr>
     <a:masterClrMapping/>
   </p:clrMapOvr>
-  <p:timing>
-    <p:tnLst>
-      <p:par>
-        <p:cTn id="1" dur="indefinite" restart="never" nodeType="tmRoot"/>
-      </p:par>
-    </p:tnLst>
-  </p:timing>
 </p:sldLayout>
 </file>
 
@@ -1661,10 +1636,9 @@
           </a:lstStyle>
           <a:p>
             <a:r>
-              <a:rPr lang="en-US" dirty="0" smtClean="0"/>
+              <a:rPr lang="en-US" dirty="0"/>
               <a:t>Title here</a:t>
             </a:r>
-            <a:endParaRPr lang="en-US" dirty="0"/>
           </a:p>
         </p:txBody>
       </p:sp>
@@ -1728,7 +1702,7 @@
           </a:lstStyle>
           <a:p>
             <a:r>
-              <a:rPr lang="en-US" dirty="0" smtClean="0"/>
+              <a:rPr lang="en-US" dirty="0"/>
               <a:t>Subtitle here</a:t>
             </a:r>
           </a:p>
@@ -1960,7 +1934,7 @@
           <a:p>
             <a:pPr lvl="0"/>
             <a:r>
-              <a:rPr lang="en-US" dirty="0" smtClean="0"/>
+              <a:rPr lang="en-US" dirty="0"/>
               <a:t>Content Here</a:t>
             </a:r>
           </a:p>
@@ -2025,7 +1999,7 @@
           <a:p>
             <a:pPr lvl="0"/>
             <a:r>
-              <a:rPr lang="en-US" dirty="0" smtClean="0"/>
+              <a:rPr lang="en-US" dirty="0"/>
               <a:t>Content Here</a:t>
             </a:r>
           </a:p>
@@ -2090,7 +2064,7 @@
           <a:p>
             <a:pPr lvl="0"/>
             <a:r>
-              <a:rPr lang="en-US" dirty="0" smtClean="0"/>
+              <a:rPr lang="en-US" dirty="0"/>
               <a:t>Content Here</a:t>
             </a:r>
           </a:p>
@@ -2106,13 +2080,6 @@
   <p:clrMapOvr>
     <a:masterClrMapping/>
   </p:clrMapOvr>
-  <p:timing>
-    <p:tnLst>
-      <p:par>
-        <p:cTn id="1" dur="indefinite" restart="never" nodeType="tmRoot"/>
-      </p:par>
-    </p:tnLst>
-  </p:timing>
 </p:sldLayout>
 </file>
 
@@ -2282,10 +2249,9 @@
           </a:lstStyle>
           <a:p>
             <a:r>
-              <a:rPr lang="en-US" dirty="0" smtClean="0"/>
+              <a:rPr lang="en-US" dirty="0"/>
               <a:t>Title here</a:t>
             </a:r>
-            <a:endParaRPr lang="en-US" dirty="0"/>
           </a:p>
         </p:txBody>
       </p:sp>
@@ -2349,7 +2315,7 @@
           </a:lstStyle>
           <a:p>
             <a:r>
-              <a:rPr lang="en-US" dirty="0" smtClean="0"/>
+              <a:rPr lang="en-US" dirty="0"/>
               <a:t>Subtitle here</a:t>
             </a:r>
           </a:p>
@@ -2581,7 +2547,7 @@
           <a:p>
             <a:pPr lvl="0"/>
             <a:r>
-              <a:rPr lang="en-US" dirty="0" smtClean="0"/>
+              <a:rPr lang="en-US" dirty="0"/>
               <a:t>Content Here</a:t>
             </a:r>
           </a:p>
@@ -2597,13 +2563,6 @@
   <p:clrMapOvr>
     <a:masterClrMapping/>
   </p:clrMapOvr>
-  <p:timing>
-    <p:tnLst>
-      <p:par>
-        <p:cTn id="1" dur="indefinite" restart="never" nodeType="tmRoot"/>
-      </p:par>
-    </p:tnLst>
-  </p:timing>
 </p:sldLayout>
 </file>
 
@@ -2715,10 +2674,9 @@
           </a:lstStyle>
           <a:p>
             <a:r>
-              <a:rPr lang="en-US" dirty="0" smtClean="0"/>
+              <a:rPr lang="en-US" dirty="0"/>
               <a:t>Thanks you !</a:t>
             </a:r>
-            <a:endParaRPr lang="en-US" dirty="0"/>
           </a:p>
         </p:txBody>
       </p:sp>
@@ -2751,7 +2709,7 @@
           </a:lstStyle>
           <a:p>
             <a:r>
-              <a:rPr lang="en-US" smtClean="0"/>
+              <a:rPr lang="en-US"/>
               <a:t>www.indruino.com</a:t>
             </a:r>
             <a:endParaRPr lang="en-US" dirty="0"/>
@@ -2975,7 +2933,7 @@
           </a:lstStyle>
           <a:p>
             <a:r>
-              <a:rPr lang="en-US" dirty="0" err="1" smtClean="0">
+              <a:rPr lang="en-US" dirty="0" err="1">
                 <a:solidFill>
                   <a:schemeClr val="bg1"/>
                 </a:solidFill>
@@ -2983,7 +2941,7 @@
               <a:t>Diễn</a:t>
             </a:r>
             <a:r>
-              <a:rPr lang="en-US" dirty="0" smtClean="0">
+              <a:rPr lang="en-US" dirty="0">
                 <a:solidFill>
                   <a:schemeClr val="bg1"/>
                 </a:solidFill>
@@ -2991,7 +2949,7 @@
               <a:t> </a:t>
             </a:r>
             <a:r>
-              <a:rPr lang="en-US" dirty="0" err="1" smtClean="0">
+              <a:rPr lang="en-US" dirty="0" err="1">
                 <a:solidFill>
                   <a:schemeClr val="bg1"/>
                 </a:solidFill>
@@ -2999,7 +2957,7 @@
               <a:t>giả</a:t>
             </a:r>
             <a:r>
-              <a:rPr lang="en-US" dirty="0" smtClean="0">
+              <a:rPr lang="en-US" dirty="0">
                 <a:solidFill>
                   <a:schemeClr val="bg1"/>
                 </a:solidFill>
@@ -3007,14 +2965,14 @@
               <a:t>: </a:t>
             </a:r>
             <a:r>
-              <a:rPr lang="en-US" dirty="0" err="1" smtClean="0">
+              <a:rPr lang="en-US" dirty="0" err="1">
                 <a:solidFill>
                   <a:schemeClr val="bg1"/>
                 </a:solidFill>
               </a:rPr>
               <a:t>Indruino</a:t>
             </a:r>
-            <a:endParaRPr lang="en-US" dirty="0" smtClean="0">
+            <a:endParaRPr lang="en-US" dirty="0">
               <a:solidFill>
                 <a:schemeClr val="bg1"/>
               </a:solidFill>
@@ -3022,7 +2980,7 @@
           </a:p>
           <a:p>
             <a:r>
-              <a:rPr lang="en-US" dirty="0" err="1" smtClean="0">
+              <a:rPr lang="en-US" dirty="0" err="1">
                 <a:solidFill>
                   <a:schemeClr val="bg1"/>
                 </a:solidFill>
@@ -3030,7 +2988,7 @@
               <a:t>Bộ</a:t>
             </a:r>
             <a:r>
-              <a:rPr lang="en-US" dirty="0" smtClean="0">
+              <a:rPr lang="en-US" dirty="0">
                 <a:solidFill>
                   <a:schemeClr val="bg1"/>
                 </a:solidFill>
@@ -3038,7 +2996,7 @@
               <a:t> </a:t>
             </a:r>
             <a:r>
-              <a:rPr lang="en-US" dirty="0" err="1" smtClean="0">
+              <a:rPr lang="en-US" dirty="0" err="1">
                 <a:solidFill>
                   <a:schemeClr val="bg1"/>
                 </a:solidFill>
@@ -3046,7 +3004,7 @@
               <a:t>phận</a:t>
             </a:r>
             <a:r>
-              <a:rPr lang="en-US" dirty="0" smtClean="0">
+              <a:rPr lang="en-US" dirty="0">
                 <a:solidFill>
                   <a:schemeClr val="bg1"/>
                 </a:solidFill>
@@ -3054,7 +3012,7 @@
               <a:t>: </a:t>
             </a:r>
             <a:r>
-              <a:rPr lang="en-US" dirty="0" err="1" smtClean="0">
+              <a:rPr lang="en-US" dirty="0" err="1">
                 <a:solidFill>
                   <a:schemeClr val="bg1"/>
                 </a:solidFill>
@@ -3122,13 +3080,6 @@
   <p:clrMapOvr>
     <a:masterClrMapping/>
   </p:clrMapOvr>
-  <p:timing>
-    <p:tnLst>
-      <p:par>
-        <p:cTn id="1" dur="indefinite" restart="never" nodeType="tmRoot"/>
-      </p:par>
-    </p:tnLst>
-  </p:timing>
 </p:sldLayout>
 </file>
 
@@ -3183,10 +3134,9 @@
           <a:lstStyle/>
           <a:p>
             <a:r>
-              <a:rPr lang="en-US" smtClean="0"/>
+              <a:rPr lang="en-US"/>
               <a:t>Click to edit Master title style</a:t>
             </a:r>
-            <a:endParaRPr lang="en-US"/>
           </a:p>
         </p:txBody>
       </p:sp>
@@ -3217,38 +3167,37 @@
           <a:p>
             <a:pPr lvl="0"/>
             <a:r>
-              <a:rPr lang="en-US" smtClean="0"/>
+              <a:rPr lang="en-US"/>
               <a:t>Edit Master text styles</a:t>
             </a:r>
           </a:p>
           <a:p>
             <a:pPr lvl="1"/>
             <a:r>
-              <a:rPr lang="en-US" smtClean="0"/>
+              <a:rPr lang="en-US"/>
               <a:t>Second level</a:t>
             </a:r>
           </a:p>
           <a:p>
             <a:pPr lvl="2"/>
             <a:r>
-              <a:rPr lang="en-US" smtClean="0"/>
+              <a:rPr lang="en-US"/>
               <a:t>Third level</a:t>
             </a:r>
           </a:p>
           <a:p>
             <a:pPr lvl="3"/>
             <a:r>
-              <a:rPr lang="en-US" smtClean="0"/>
+              <a:rPr lang="en-US"/>
               <a:t>Fourth level</a:t>
             </a:r>
           </a:p>
           <a:p>
             <a:pPr lvl="4"/>
             <a:r>
-              <a:rPr lang="en-US" smtClean="0"/>
+              <a:rPr lang="en-US"/>
               <a:t>Fifth level</a:t>
             </a:r>
-            <a:endParaRPr lang="en-US"/>
           </a:p>
         </p:txBody>
       </p:sp>
@@ -3290,7 +3239,7 @@
           <a:p>
             <a:fld id="{6D9FEF56-C5D4-4D87-B961-211842A8ECEA}" type="datetime1">
               <a:rPr lang="en-US" smtClean="0"/>
-              <a:t>8/16/2020</a:t>
+              <a:t>8/23/2020</a:t>
             </a:fld>
             <a:endParaRPr lang="en-US"/>
           </a:p>
@@ -3333,7 +3282,7 @@
           </a:lstStyle>
           <a:p>
             <a:r>
-              <a:rPr lang="en-US" smtClean="0"/>
+              <a:rPr lang="en-US"/>
               <a:t>www.indruino.com</a:t>
             </a:r>
             <a:endParaRPr lang="en-US" dirty="0"/>
@@ -3401,13 +3350,6 @@
     <p:sldLayoutId id="2147483680" r:id="rId5"/>
     <p:sldLayoutId id="2147483663" r:id="rId6"/>
   </p:sldLayoutIdLst>
-  <p:timing>
-    <p:tnLst>
-      <p:par>
-        <p:cTn id="1" dur="indefinite" restart="never" nodeType="tmRoot"/>
-      </p:par>
-    </p:tnLst>
-  </p:timing>
   <p:hf sldNum="0" hdr="0" dt="0"/>
   <p:txStyles>
     <p:titleStyle>
@@ -3719,13 +3661,6 @@
   <p:clrMapOvr>
     <a:masterClrMapping/>
   </p:clrMapOvr>
-  <p:timing>
-    <p:tnLst>
-      <p:par>
-        <p:cTn id="1" dur="indefinite" restart="never" nodeType="tmRoot"/>
-      </p:par>
-    </p:tnLst>
-  </p:timing>
 </p:sld>
 </file>
 
@@ -3754,8 +3689,8 @@
         </p:nvSpPr>
         <p:spPr>
           <a:xfrm>
-            <a:off x="2780449" y="2756653"/>
-            <a:ext cx="8146397" cy="1938992"/>
+            <a:off x="2495778" y="2566872"/>
+            <a:ext cx="5337008" cy="1938992"/>
           </a:xfrm>
           <a:prstGeom prst="rect">
             <a:avLst/>
@@ -3764,7 +3699,10 @@
         <p:txBody>
           <a:bodyPr wrap="none">
             <a:prstTxWarp prst="textWave1">
-              <a:avLst/>
+              <a:avLst>
+                <a:gd name="adj1" fmla="val 0"/>
+                <a:gd name="adj2" fmla="val 0"/>
+              </a:avLst>
             </a:prstTxWarp>
             <a:spAutoFit/>
           </a:bodyPr>
@@ -3772,85 +3710,53 @@
           <a:p>
             <a:pPr algn="ctr"/>
             <a:r>
-              <a:rPr lang="en-US" sz="6000" b="1" dirty="0">
-                <a:ln w="22225">
-                  <a:solidFill>
-                    <a:schemeClr val="accent2"/>
-                  </a:solidFill>
-                  <a:prstDash val="solid"/>
-                </a:ln>
-                <a:solidFill>
-                  <a:schemeClr val="accent2">
-                    <a:lumMod val="40000"/>
-                    <a:lumOff val="60000"/>
-                  </a:schemeClr>
-                </a:solidFill>
+              <a:rPr lang="en-US" sz="6000" dirty="0">
+                <a:ln w="0"/>
+                <a:effectLst>
+                  <a:outerShdw blurRad="38100" dist="19050" dir="2700000" algn="tl" rotWithShape="0">
+                    <a:schemeClr val="dk1">
+                      <a:alpha val="40000"/>
+                    </a:schemeClr>
+                  </a:outerShdw>
+                </a:effectLst>
                 <a:latin typeface="Segoe UI Black" panose="020B0A02040204020203" pitchFamily="34" charset="0"/>
                 <a:ea typeface="Segoe UI Black" panose="020B0A02040204020203" pitchFamily="34" charset="0"/>
                 <a:cs typeface="Times New Roman" panose="02020603050405020304" pitchFamily="18" charset="0"/>
               </a:rPr>
-              <a:t>PART </a:t>
-            </a:r>
-            <a:r>
-              <a:rPr lang="en-US" sz="6000" b="1" dirty="0" smtClean="0">
-                <a:ln w="22225">
-                  <a:solidFill>
-                    <a:schemeClr val="accent2"/>
-                  </a:solidFill>
-                  <a:prstDash val="solid"/>
-                </a:ln>
-                <a:solidFill>
-                  <a:schemeClr val="accent2">
-                    <a:lumMod val="40000"/>
-                    <a:lumOff val="60000"/>
-                  </a:schemeClr>
-                </a:solidFill>
+              <a:t>PART 2:</a:t>
+            </a:r>
+          </a:p>
+          <a:p>
+            <a:pPr algn="ctr"/>
+            <a:r>
+              <a:rPr lang="en-US" sz="6000" dirty="0">
+                <a:ln w="0"/>
+                <a:effectLst>
+                  <a:outerShdw blurRad="38100" dist="19050" dir="2700000" algn="tl" rotWithShape="0">
+                    <a:schemeClr val="dk1">
+                      <a:alpha val="40000"/>
+                    </a:schemeClr>
+                  </a:outerShdw>
+                </a:effectLst>
                 <a:latin typeface="Segoe UI Black" panose="020B0A02040204020203" pitchFamily="34" charset="0"/>
                 <a:ea typeface="Segoe UI Black" panose="020B0A02040204020203" pitchFamily="34" charset="0"/>
                 <a:cs typeface="Times New Roman" panose="02020603050405020304" pitchFamily="18" charset="0"/>
               </a:rPr>
-              <a:t>2:</a:t>
+              <a:t>Post&amp;Get http</a:t>
             </a:r>
           </a:p>
           <a:p>
             <a:pPr algn="ctr"/>
             <a:r>
-              <a:rPr lang="en-US" sz="6000" b="1" dirty="0" smtClean="0">
-                <a:ln w="22225">
-                  <a:solidFill>
-                    <a:schemeClr val="accent2"/>
-                  </a:solidFill>
-                  <a:prstDash val="solid"/>
-                </a:ln>
-                <a:solidFill>
-                  <a:schemeClr val="accent2">
-                    <a:lumMod val="40000"/>
-                    <a:lumOff val="60000"/>
-                  </a:schemeClr>
-                </a:solidFill>
-                <a:latin typeface="Segoe UI Black" panose="020B0A02040204020203" pitchFamily="34" charset="0"/>
-                <a:ea typeface="Segoe UI Black" panose="020B0A02040204020203" pitchFamily="34" charset="0"/>
-                <a:cs typeface="Times New Roman" panose="02020603050405020304" pitchFamily="18" charset="0"/>
-              </a:rPr>
-              <a:t>Post&amp;Get http</a:t>
-            </a:r>
-          </a:p>
-          <a:p>
-            <a:pPr algn="ctr"/>
-            <a:r>
-              <a:rPr lang="en-US" sz="6000" b="1" dirty="0" smtClean="0">
-                <a:ln w="22225">
-                  <a:solidFill>
-                    <a:schemeClr val="accent2"/>
-                  </a:solidFill>
-                  <a:prstDash val="solid"/>
-                </a:ln>
-                <a:solidFill>
-                  <a:schemeClr val="accent2">
-                    <a:lumMod val="40000"/>
-                    <a:lumOff val="60000"/>
-                  </a:schemeClr>
-                </a:solidFill>
+              <a:rPr lang="en-US" sz="6000" dirty="0">
+                <a:ln w="0"/>
+                <a:effectLst>
+                  <a:outerShdw blurRad="38100" dist="19050" dir="2700000" algn="tl" rotWithShape="0">
+                    <a:schemeClr val="dk1">
+                      <a:alpha val="40000"/>
+                    </a:schemeClr>
+                  </a:outerShdw>
+                </a:effectLst>
                 <a:latin typeface="Segoe UI Black" panose="020B0A02040204020203" pitchFamily="34" charset="0"/>
                 <a:ea typeface="Segoe UI Black" panose="020B0A02040204020203" pitchFamily="34" charset="0"/>
                 <a:cs typeface="Times New Roman" panose="02020603050405020304" pitchFamily="18" charset="0"/>
@@ -3870,13 +3776,6 @@
   <p:clrMapOvr>
     <a:masterClrMapping/>
   </p:clrMapOvr>
-  <p:timing>
-    <p:tnLst>
-      <p:par>
-        <p:cTn id="1" dur="indefinite" restart="never" nodeType="tmRoot"/>
-      </p:par>
-    </p:tnLst>
-  </p:timing>
 </p:sld>
 </file>
 
@@ -3909,8 +3808,8 @@
         </p:nvSpPr>
         <p:spPr>
           <a:xfrm>
-            <a:off x="1971675" y="488388"/>
-            <a:ext cx="4076757" cy="757130"/>
+            <a:off x="1971675" y="613037"/>
+            <a:ext cx="2618024" cy="507831"/>
           </a:xfrm>
           <a:prstGeom prst="rect">
             <a:avLst/>
@@ -3924,7 +3823,7 @@
           <a:lstStyle/>
           <a:p>
             <a:r>
-              <a:rPr lang="en-US" sz="4800" b="1" dirty="0" smtClean="0">
+              <a:rPr lang="en-US" sz="3000" b="1" dirty="0">
                 <a:solidFill>
                   <a:srgbClr val="FF0000"/>
                 </a:solidFill>
@@ -3941,21 +3840,6 @@
               </a:rPr>
               <a:t>2.1 Giao diện</a:t>
             </a:r>
-            <a:endParaRPr lang="en-US" sz="4800" b="1" dirty="0">
-              <a:solidFill>
-                <a:srgbClr val="FF0000"/>
-              </a:solidFill>
-              <a:effectLst>
-                <a:outerShdw blurRad="38100" dist="38100" dir="2700000" algn="tl">
-                  <a:srgbClr val="000000">
-                    <a:alpha val="43137"/>
-                  </a:srgbClr>
-                </a:outerShdw>
-              </a:effectLst>
-              <a:latin typeface="Segoe UI Black" panose="020B0A02040204020203" pitchFamily="34" charset="0"/>
-              <a:ea typeface="Segoe UI Black" panose="020B0A02040204020203" pitchFamily="34" charset="0"/>
-              <a:cs typeface="Times New Roman" panose="02020603050405020304" pitchFamily="18" charset="0"/>
-            </a:endParaRPr>
           </a:p>
         </p:txBody>
       </p:sp>
@@ -4013,7 +3897,7 @@
               <a:buChar char="•"/>
             </a:pPr>
             <a:r>
-              <a:rPr lang="en-US" sz="2400" dirty="0" smtClean="0">
+              <a:rPr lang="en-US" sz="2000" dirty="0">
                 <a:latin typeface="Segoe UI Black" panose="020B0A02040204020203" pitchFamily="34" charset="0"/>
                 <a:ea typeface="Segoe UI Black" panose="020B0A02040204020203" pitchFamily="34" charset="0"/>
                 <a:cs typeface="Times New Roman" panose="02020603050405020304" pitchFamily="18" charset="0"/>
@@ -4027,7 +3911,7 @@
                 <a:spcPts val="1000"/>
               </a:spcBef>
             </a:pPr>
-            <a:endParaRPr lang="en-US" sz="2400" dirty="0" smtClean="0">
+            <a:endParaRPr lang="en-US" sz="2000" dirty="0">
               <a:latin typeface="Segoe UI Black" panose="020B0A02040204020203" pitchFamily="34" charset="0"/>
               <a:ea typeface="Segoe UI Black" panose="020B0A02040204020203" pitchFamily="34" charset="0"/>
               <a:cs typeface="Times New Roman" panose="02020603050405020304" pitchFamily="18" charset="0"/>
@@ -4042,7 +3926,7 @@
               <a:buChar char="•"/>
             </a:pPr>
             <a:r>
-              <a:rPr lang="en-US" sz="2400" dirty="0" smtClean="0">
+              <a:rPr lang="en-US" sz="2000" dirty="0">
                 <a:latin typeface="Segoe UI Black" panose="020B0A02040204020203" pitchFamily="34" charset="0"/>
                 <a:ea typeface="Segoe UI Black" panose="020B0A02040204020203" pitchFamily="34" charset="0"/>
                 <a:cs typeface="Times New Roman" panose="02020603050405020304" pitchFamily="18" charset="0"/>
@@ -4062,13 +3946,6 @@
   <p:clrMapOvr>
     <a:masterClrMapping/>
   </p:clrMapOvr>
-  <p:timing>
-    <p:tnLst>
-      <p:par>
-        <p:cTn id="1" dur="indefinite" restart="never" nodeType="tmRoot"/>
-      </p:par>
-    </p:tnLst>
-  </p:timing>
 </p:sld>
 </file>
 
@@ -4101,8 +3978,8 @@
         </p:nvSpPr>
         <p:spPr>
           <a:xfrm>
-            <a:off x="1971675" y="488388"/>
-            <a:ext cx="4076757" cy="757130"/>
+            <a:off x="1971675" y="613037"/>
+            <a:ext cx="2618024" cy="507831"/>
           </a:xfrm>
           <a:prstGeom prst="rect">
             <a:avLst/>
@@ -4116,7 +3993,7 @@
           <a:lstStyle/>
           <a:p>
             <a:r>
-              <a:rPr lang="en-US" sz="4800" b="1" dirty="0" smtClean="0">
+              <a:rPr lang="en-US" sz="3000" b="1" dirty="0">
                 <a:solidFill>
                   <a:srgbClr val="FF0000"/>
                 </a:solidFill>
@@ -4133,21 +4010,6 @@
               </a:rPr>
               <a:t>2.1 Giao diện</a:t>
             </a:r>
-            <a:endParaRPr lang="en-US" sz="4800" b="1" dirty="0">
-              <a:solidFill>
-                <a:srgbClr val="FF0000"/>
-              </a:solidFill>
-              <a:effectLst>
-                <a:outerShdw blurRad="38100" dist="38100" dir="2700000" algn="tl">
-                  <a:srgbClr val="000000">
-                    <a:alpha val="43137"/>
-                  </a:srgbClr>
-                </a:outerShdw>
-              </a:effectLst>
-              <a:latin typeface="Segoe UI Black" panose="020B0A02040204020203" pitchFamily="34" charset="0"/>
-              <a:ea typeface="Segoe UI Black" panose="020B0A02040204020203" pitchFamily="34" charset="0"/>
-              <a:cs typeface="Times New Roman" panose="02020603050405020304" pitchFamily="18" charset="0"/>
-            </a:endParaRPr>
           </a:p>
         </p:txBody>
       </p:sp>
@@ -4181,7 +4043,7 @@
               <a:buChar char="•"/>
             </a:pPr>
             <a:r>
-              <a:rPr lang="en-US" sz="2400" dirty="0" smtClean="0">
+              <a:rPr lang="en-US" sz="2000" dirty="0">
                 <a:latin typeface="Segoe UI Black" panose="020B0A02040204020203" pitchFamily="34" charset="0"/>
                 <a:ea typeface="Segoe UI Black" panose="020B0A02040204020203" pitchFamily="34" charset="0"/>
                 <a:cs typeface="Times New Roman" panose="02020603050405020304" pitchFamily="18" charset="0"/>
@@ -4198,7 +4060,7 @@
               <a:buChar char="•"/>
             </a:pPr>
             <a:r>
-              <a:rPr lang="en-US" sz="2400" dirty="0" smtClean="0">
+              <a:rPr lang="en-US" sz="2000" dirty="0">
                 <a:latin typeface="Segoe UI Black" panose="020B0A02040204020203" pitchFamily="34" charset="0"/>
                 <a:ea typeface="Segoe UI Black" panose="020B0A02040204020203" pitchFamily="34" charset="0"/>
                 <a:cs typeface="Times New Roman" panose="02020603050405020304" pitchFamily="18" charset="0"/>
@@ -4215,7 +4077,7 @@
               <a:buChar char="•"/>
             </a:pPr>
             <a:r>
-              <a:rPr lang="en-US" sz="2400" dirty="0" smtClean="0">
+              <a:rPr lang="en-US" sz="2000" dirty="0">
                 <a:latin typeface="Segoe UI Black" panose="020B0A02040204020203" pitchFamily="34" charset="0"/>
                 <a:ea typeface="Segoe UI Black" panose="020B0A02040204020203" pitchFamily="34" charset="0"/>
                 <a:cs typeface="Times New Roman" panose="02020603050405020304" pitchFamily="18" charset="0"/>
@@ -4232,7 +4094,7 @@
               <a:buChar char="•"/>
             </a:pPr>
             <a:r>
-              <a:rPr lang="en-US" sz="2400" dirty="0" smtClean="0">
+              <a:rPr lang="en-US" sz="2000" dirty="0">
                 <a:latin typeface="Segoe UI Black" panose="020B0A02040204020203" pitchFamily="34" charset="0"/>
                 <a:ea typeface="Segoe UI Black" panose="020B0A02040204020203" pitchFamily="34" charset="0"/>
                 <a:cs typeface="Times New Roman" panose="02020603050405020304" pitchFamily="18" charset="0"/>
@@ -4276,13 +4138,6 @@
   <p:clrMapOvr>
     <a:masterClrMapping/>
   </p:clrMapOvr>
-  <p:timing>
-    <p:tnLst>
-      <p:par>
-        <p:cTn id="1" dur="indefinite" restart="never" nodeType="tmRoot"/>
-      </p:par>
-    </p:tnLst>
-  </p:timing>
 </p:sld>
 </file>
 
@@ -4315,8 +4170,8 @@
         </p:nvSpPr>
         <p:spPr>
           <a:xfrm>
-            <a:off x="1971675" y="488388"/>
-            <a:ext cx="4076757" cy="757130"/>
+            <a:off x="1971675" y="613037"/>
+            <a:ext cx="2618024" cy="507831"/>
           </a:xfrm>
           <a:prstGeom prst="rect">
             <a:avLst/>
@@ -4330,7 +4185,7 @@
           <a:lstStyle/>
           <a:p>
             <a:r>
-              <a:rPr lang="en-US" sz="4800" b="1" dirty="0" smtClean="0">
+              <a:rPr lang="en-US" sz="3000" b="1" dirty="0">
                 <a:solidFill>
                   <a:srgbClr val="FF0000"/>
                 </a:solidFill>
@@ -4347,21 +4202,6 @@
               </a:rPr>
               <a:t>2.1 Giao diện</a:t>
             </a:r>
-            <a:endParaRPr lang="en-US" sz="4800" b="1" dirty="0">
-              <a:solidFill>
-                <a:srgbClr val="FF0000"/>
-              </a:solidFill>
-              <a:effectLst>
-                <a:outerShdw blurRad="38100" dist="38100" dir="2700000" algn="tl">
-                  <a:srgbClr val="000000">
-                    <a:alpha val="43137"/>
-                  </a:srgbClr>
-                </a:outerShdw>
-              </a:effectLst>
-              <a:latin typeface="Segoe UI Black" panose="020B0A02040204020203" pitchFamily="34" charset="0"/>
-              <a:ea typeface="Segoe UI Black" panose="020B0A02040204020203" pitchFamily="34" charset="0"/>
-              <a:cs typeface="Times New Roman" panose="02020603050405020304" pitchFamily="18" charset="0"/>
-            </a:endParaRPr>
           </a:p>
         </p:txBody>
       </p:sp>
@@ -4395,7 +4235,7 @@
               <a:buChar char="•"/>
             </a:pPr>
             <a:r>
-              <a:rPr lang="en-US" sz="2400" dirty="0" smtClean="0">
+              <a:rPr lang="en-US" sz="2000" dirty="0">
                 <a:latin typeface="Segoe UI Black" panose="020B0A02040204020203" pitchFamily="34" charset="0"/>
                 <a:ea typeface="Segoe UI Black" panose="020B0A02040204020203" pitchFamily="34" charset="0"/>
                 <a:cs typeface="Times New Roman" panose="02020603050405020304" pitchFamily="18" charset="0"/>
@@ -4439,13 +4279,6 @@
   <p:clrMapOvr>
     <a:masterClrMapping/>
   </p:clrMapOvr>
-  <p:timing>
-    <p:tnLst>
-      <p:par>
-        <p:cTn id="1" dur="indefinite" restart="never" nodeType="tmRoot"/>
-      </p:par>
-    </p:tnLst>
-  </p:timing>
 </p:sld>
 </file>
 
@@ -4478,8 +4311,8 @@
         </p:nvSpPr>
         <p:spPr>
           <a:xfrm>
-            <a:off x="1971675" y="488388"/>
-            <a:ext cx="4076757" cy="757130"/>
+            <a:off x="1971675" y="613037"/>
+            <a:ext cx="2618024" cy="507831"/>
           </a:xfrm>
           <a:prstGeom prst="rect">
             <a:avLst/>
@@ -4493,7 +4326,7 @@
           <a:lstStyle/>
           <a:p>
             <a:r>
-              <a:rPr lang="en-US" sz="4800" b="1" dirty="0" smtClean="0">
+              <a:rPr lang="en-US" sz="3000" b="1" dirty="0">
                 <a:solidFill>
                   <a:srgbClr val="FF0000"/>
                 </a:solidFill>
@@ -4510,21 +4343,6 @@
               </a:rPr>
               <a:t>2.1 Giao diện</a:t>
             </a:r>
-            <a:endParaRPr lang="en-US" sz="4800" b="1" dirty="0">
-              <a:solidFill>
-                <a:srgbClr val="FF0000"/>
-              </a:solidFill>
-              <a:effectLst>
-                <a:outerShdw blurRad="38100" dist="38100" dir="2700000" algn="tl">
-                  <a:srgbClr val="000000">
-                    <a:alpha val="43137"/>
-                  </a:srgbClr>
-                </a:outerShdw>
-              </a:effectLst>
-              <a:latin typeface="Segoe UI Black" panose="020B0A02040204020203" pitchFamily="34" charset="0"/>
-              <a:ea typeface="Segoe UI Black" panose="020B0A02040204020203" pitchFamily="34" charset="0"/>
-              <a:cs typeface="Times New Roman" panose="02020603050405020304" pitchFamily="18" charset="0"/>
-            </a:endParaRPr>
           </a:p>
         </p:txBody>
       </p:sp>
@@ -4558,7 +4376,7 @@
               <a:buChar char="•"/>
             </a:pPr>
             <a:r>
-              <a:rPr lang="en-US" sz="2400" dirty="0" smtClean="0">
+              <a:rPr lang="en-US" sz="2000" dirty="0">
                 <a:latin typeface="Segoe UI Black" panose="020B0A02040204020203" pitchFamily="34" charset="0"/>
                 <a:ea typeface="Segoe UI Black" panose="020B0A02040204020203" pitchFamily="34" charset="0"/>
                 <a:cs typeface="Times New Roman" panose="02020603050405020304" pitchFamily="18" charset="0"/>
@@ -4602,13 +4420,6 @@
   <p:clrMapOvr>
     <a:masterClrMapping/>
   </p:clrMapOvr>
-  <p:timing>
-    <p:tnLst>
-      <p:par>
-        <p:cTn id="1" dur="indefinite" restart="never" nodeType="tmRoot"/>
-      </p:par>
-    </p:tnLst>
-  </p:timing>
 </p:sld>
 </file>
 
@@ -4641,8 +4452,8 @@
         </p:nvSpPr>
         <p:spPr>
           <a:xfrm>
-            <a:off x="1971675" y="488388"/>
-            <a:ext cx="4076757" cy="757130"/>
+            <a:off x="1971675" y="613037"/>
+            <a:ext cx="2618024" cy="507831"/>
           </a:xfrm>
           <a:prstGeom prst="rect">
             <a:avLst/>
@@ -4656,7 +4467,7 @@
           <a:lstStyle/>
           <a:p>
             <a:r>
-              <a:rPr lang="en-US" sz="4800" b="1" dirty="0" smtClean="0">
+              <a:rPr lang="en-US" sz="3000" b="1" dirty="0">
                 <a:solidFill>
                   <a:srgbClr val="FF0000"/>
                 </a:solidFill>
@@ -4673,21 +4484,6 @@
               </a:rPr>
               <a:t>2.1 Giao diện</a:t>
             </a:r>
-            <a:endParaRPr lang="en-US" sz="4800" b="1" dirty="0">
-              <a:solidFill>
-                <a:srgbClr val="FF0000"/>
-              </a:solidFill>
-              <a:effectLst>
-                <a:outerShdw blurRad="38100" dist="38100" dir="2700000" algn="tl">
-                  <a:srgbClr val="000000">
-                    <a:alpha val="43137"/>
-                  </a:srgbClr>
-                </a:outerShdw>
-              </a:effectLst>
-              <a:latin typeface="Segoe UI Black" panose="020B0A02040204020203" pitchFamily="34" charset="0"/>
-              <a:ea typeface="Segoe UI Black" panose="020B0A02040204020203" pitchFamily="34" charset="0"/>
-              <a:cs typeface="Times New Roman" panose="02020603050405020304" pitchFamily="18" charset="0"/>
-            </a:endParaRPr>
           </a:p>
         </p:txBody>
       </p:sp>
@@ -4721,7 +4517,7 @@
               <a:buChar char="•"/>
             </a:pPr>
             <a:r>
-              <a:rPr lang="en-US" sz="2400" dirty="0" smtClean="0">
+              <a:rPr lang="en-US" sz="2000" dirty="0">
                 <a:latin typeface="Segoe UI Black" panose="020B0A02040204020203" pitchFamily="34" charset="0"/>
                 <a:ea typeface="Segoe UI Black" panose="020B0A02040204020203" pitchFamily="34" charset="0"/>
                 <a:cs typeface="Times New Roman" panose="02020603050405020304" pitchFamily="18" charset="0"/>
@@ -4765,13 +4561,6 @@
   <p:clrMapOvr>
     <a:masterClrMapping/>
   </p:clrMapOvr>
-  <p:timing>
-    <p:tnLst>
-      <p:par>
-        <p:cTn id="1" dur="indefinite" restart="never" nodeType="tmRoot"/>
-      </p:par>
-    </p:tnLst>
-  </p:timing>
 </p:sld>
 </file>
 
@@ -4804,8 +4593,8 @@
         </p:nvSpPr>
         <p:spPr>
           <a:xfrm>
-            <a:off x="1971675" y="488388"/>
-            <a:ext cx="4076757" cy="757130"/>
+            <a:off x="1971675" y="613037"/>
+            <a:ext cx="2618024" cy="507831"/>
           </a:xfrm>
           <a:prstGeom prst="rect">
             <a:avLst/>
@@ -4819,7 +4608,7 @@
           <a:lstStyle/>
           <a:p>
             <a:r>
-              <a:rPr lang="en-US" sz="4800" b="1" dirty="0" smtClean="0">
+              <a:rPr lang="en-US" sz="3000" b="1" dirty="0">
                 <a:solidFill>
                   <a:srgbClr val="FF0000"/>
                 </a:solidFill>
@@ -4836,21 +4625,6 @@
               </a:rPr>
               <a:t>2.1 Giao diện</a:t>
             </a:r>
-            <a:endParaRPr lang="en-US" sz="4800" b="1" dirty="0">
-              <a:solidFill>
-                <a:srgbClr val="FF0000"/>
-              </a:solidFill>
-              <a:effectLst>
-                <a:outerShdw blurRad="38100" dist="38100" dir="2700000" algn="tl">
-                  <a:srgbClr val="000000">
-                    <a:alpha val="43137"/>
-                  </a:srgbClr>
-                </a:outerShdw>
-              </a:effectLst>
-              <a:latin typeface="Segoe UI Black" panose="020B0A02040204020203" pitchFamily="34" charset="0"/>
-              <a:ea typeface="Segoe UI Black" panose="020B0A02040204020203" pitchFamily="34" charset="0"/>
-              <a:cs typeface="Times New Roman" panose="02020603050405020304" pitchFamily="18" charset="0"/>
-            </a:endParaRPr>
           </a:p>
         </p:txBody>
       </p:sp>
@@ -4884,7 +4658,7 @@
               <a:buChar char="•"/>
             </a:pPr>
             <a:r>
-              <a:rPr lang="en-US" sz="2400" dirty="0" smtClean="0">
+              <a:rPr lang="en-US" sz="2000" dirty="0">
                 <a:latin typeface="Segoe UI Black" panose="020B0A02040204020203" pitchFamily="34" charset="0"/>
                 <a:ea typeface="Segoe UI Black" panose="020B0A02040204020203" pitchFamily="34" charset="0"/>
                 <a:cs typeface="Times New Roman" panose="02020603050405020304" pitchFamily="18" charset="0"/>
@@ -4901,7 +4675,7 @@
               <a:buChar char="•"/>
             </a:pPr>
             <a:r>
-              <a:rPr lang="en-US" sz="2400" dirty="0" smtClean="0">
+              <a:rPr lang="en-US" sz="2000" dirty="0">
                 <a:latin typeface="Segoe UI Black" panose="020B0A02040204020203" pitchFamily="34" charset="0"/>
                 <a:ea typeface="Segoe UI Black" panose="020B0A02040204020203" pitchFamily="34" charset="0"/>
                 <a:cs typeface="Times New Roman" panose="02020603050405020304" pitchFamily="18" charset="0"/>
@@ -4945,13 +4719,6 @@
   <p:clrMapOvr>
     <a:masterClrMapping/>
   </p:clrMapOvr>
-  <p:timing>
-    <p:tnLst>
-      <p:par>
-        <p:cTn id="1" dur="indefinite" restart="never" nodeType="tmRoot"/>
-      </p:par>
-    </p:tnLst>
-  </p:timing>
 </p:sld>
 </file>
 
@@ -4984,8 +4751,8 @@
         </p:nvSpPr>
         <p:spPr>
           <a:xfrm>
-            <a:off x="1971675" y="488388"/>
-            <a:ext cx="4076757" cy="757130"/>
+            <a:off x="1971675" y="613037"/>
+            <a:ext cx="2618024" cy="507831"/>
           </a:xfrm>
           <a:prstGeom prst="rect">
             <a:avLst/>
@@ -4999,7 +4766,7 @@
           <a:lstStyle/>
           <a:p>
             <a:r>
-              <a:rPr lang="en-US" sz="4800" b="1" dirty="0" smtClean="0">
+              <a:rPr lang="en-US" sz="3000" b="1" dirty="0">
                 <a:solidFill>
                   <a:srgbClr val="FF0000"/>
                 </a:solidFill>
@@ -5016,21 +4783,6 @@
               </a:rPr>
               <a:t>2.1 Giao diện</a:t>
             </a:r>
-            <a:endParaRPr lang="en-US" sz="4800" b="1" dirty="0">
-              <a:solidFill>
-                <a:srgbClr val="FF0000"/>
-              </a:solidFill>
-              <a:effectLst>
-                <a:outerShdw blurRad="38100" dist="38100" dir="2700000" algn="tl">
-                  <a:srgbClr val="000000">
-                    <a:alpha val="43137"/>
-                  </a:srgbClr>
-                </a:outerShdw>
-              </a:effectLst>
-              <a:latin typeface="Segoe UI Black" panose="020B0A02040204020203" pitchFamily="34" charset="0"/>
-              <a:ea typeface="Segoe UI Black" panose="020B0A02040204020203" pitchFamily="34" charset="0"/>
-              <a:cs typeface="Times New Roman" panose="02020603050405020304" pitchFamily="18" charset="0"/>
-            </a:endParaRPr>
           </a:p>
         </p:txBody>
       </p:sp>
@@ -5064,7 +4816,7 @@
               <a:buChar char="•"/>
             </a:pPr>
             <a:r>
-              <a:rPr lang="en-US" sz="2400" dirty="0" smtClean="0">
+              <a:rPr lang="en-US" sz="2000" dirty="0">
                 <a:latin typeface="Segoe UI Black" panose="020B0A02040204020203" pitchFamily="34" charset="0"/>
                 <a:ea typeface="Segoe UI Black" panose="020B0A02040204020203" pitchFamily="34" charset="0"/>
                 <a:cs typeface="Times New Roman" panose="02020603050405020304" pitchFamily="18" charset="0"/>
@@ -5081,7 +4833,7 @@
               <a:buChar char="•"/>
             </a:pPr>
             <a:r>
-              <a:rPr lang="en-US" sz="2400" dirty="0" smtClean="0">
+              <a:rPr lang="en-US" sz="2000" dirty="0">
                 <a:latin typeface="Segoe UI Black" panose="020B0A02040204020203" pitchFamily="34" charset="0"/>
                 <a:ea typeface="Segoe UI Black" panose="020B0A02040204020203" pitchFamily="34" charset="0"/>
                 <a:cs typeface="Times New Roman" panose="02020603050405020304" pitchFamily="18" charset="0"/>
@@ -5098,7 +4850,7 @@
               <a:buChar char="•"/>
             </a:pPr>
             <a:r>
-              <a:rPr lang="en-US" sz="2400" dirty="0" smtClean="0">
+              <a:rPr lang="en-US" sz="2000" dirty="0">
                 <a:latin typeface="Segoe UI Black" panose="020B0A02040204020203" pitchFamily="34" charset="0"/>
                 <a:ea typeface="Segoe UI Black" panose="020B0A02040204020203" pitchFamily="34" charset="0"/>
                 <a:cs typeface="Times New Roman" panose="02020603050405020304" pitchFamily="18" charset="0"/>
@@ -5142,13 +4894,6 @@
   <p:clrMapOvr>
     <a:masterClrMapping/>
   </p:clrMapOvr>
-  <p:timing>
-    <p:tnLst>
-      <p:par>
-        <p:cTn id="1" dur="indefinite" restart="never" nodeType="tmRoot"/>
-      </p:par>
-    </p:tnLst>
-  </p:timing>
 </p:sld>
 </file>
 
@@ -5181,8 +4926,8 @@
         </p:nvSpPr>
         <p:spPr>
           <a:xfrm>
-            <a:off x="1971675" y="488388"/>
-            <a:ext cx="8909811" cy="757130"/>
+            <a:off x="1971675" y="613037"/>
+            <a:ext cx="5634876" cy="507831"/>
           </a:xfrm>
           <a:prstGeom prst="rect">
             <a:avLst/>
@@ -5196,7 +4941,7 @@
           <a:lstStyle/>
           <a:p>
             <a:r>
-              <a:rPr lang="en-US" sz="4800" b="1" dirty="0" smtClean="0">
+              <a:rPr lang="en-US" sz="3000" b="1" dirty="0">
                 <a:solidFill>
                   <a:srgbClr val="FF0000"/>
                 </a:solidFill>
@@ -5213,21 +4958,6 @@
               </a:rPr>
               <a:t>2.1 Code get/ post &amp; get info</a:t>
             </a:r>
-            <a:endParaRPr lang="en-US" sz="4800" b="1" dirty="0">
-              <a:solidFill>
-                <a:srgbClr val="FF0000"/>
-              </a:solidFill>
-              <a:effectLst>
-                <a:outerShdw blurRad="38100" dist="38100" dir="2700000" algn="tl">
-                  <a:srgbClr val="000000">
-                    <a:alpha val="43137"/>
-                  </a:srgbClr>
-                </a:outerShdw>
-              </a:effectLst>
-              <a:latin typeface="Segoe UI Black" panose="020B0A02040204020203" pitchFamily="34" charset="0"/>
-              <a:ea typeface="Segoe UI Black" panose="020B0A02040204020203" pitchFamily="34" charset="0"/>
-              <a:cs typeface="Times New Roman" panose="02020603050405020304" pitchFamily="18" charset="0"/>
-            </a:endParaRPr>
           </a:p>
         </p:txBody>
       </p:sp>
@@ -5243,7 +4973,7 @@
         </p:nvSpPr>
         <p:spPr>
           <a:xfrm>
-            <a:off x="1882438" y="1847904"/>
+            <a:off x="1936076" y="1847904"/>
             <a:ext cx="4683825" cy="5274256"/>
           </a:xfrm>
         </p:spPr>
@@ -5261,7 +4991,7 @@
               <a:buChar char="•"/>
             </a:pPr>
             <a:r>
-              <a:rPr lang="en-US" sz="2400" dirty="0" smtClean="0">
+              <a:rPr lang="en-US" sz="2000" dirty="0">
                 <a:latin typeface="Segoe UI Black" panose="020B0A02040204020203" pitchFamily="34" charset="0"/>
                 <a:ea typeface="Segoe UI Black" panose="020B0A02040204020203" pitchFamily="34" charset="0"/>
                 <a:cs typeface="Times New Roman" panose="02020603050405020304" pitchFamily="18" charset="0"/>
@@ -5275,7 +5005,7 @@
                 <a:spcPts val="1000"/>
               </a:spcBef>
             </a:pPr>
-            <a:endParaRPr lang="en-US" sz="2400" dirty="0" smtClean="0">
+            <a:endParaRPr lang="en-US" sz="2000" dirty="0">
               <a:latin typeface="Segoe UI Black" panose="020B0A02040204020203" pitchFamily="34" charset="0"/>
               <a:ea typeface="Segoe UI Black" panose="020B0A02040204020203" pitchFamily="34" charset="0"/>
               <a:cs typeface="Times New Roman" panose="02020603050405020304" pitchFamily="18" charset="0"/>
@@ -5290,7 +5020,7 @@
               <a:buChar char="•"/>
             </a:pPr>
             <a:r>
-              <a:rPr lang="en-US" sz="2400" dirty="0" smtClean="0">
+              <a:rPr lang="en-US" sz="2000" dirty="0">
                 <a:latin typeface="Segoe UI Black" panose="020B0A02040204020203" pitchFamily="34" charset="0"/>
                 <a:ea typeface="Segoe UI Black" panose="020B0A02040204020203" pitchFamily="34" charset="0"/>
                 <a:cs typeface="Times New Roman" panose="02020603050405020304" pitchFamily="18" charset="0"/>
@@ -5334,13 +5064,6 @@
   <p:clrMapOvr>
     <a:masterClrMapping/>
   </p:clrMapOvr>
-  <p:timing>
-    <p:tnLst>
-      <p:par>
-        <p:cTn id="1" dur="indefinite" restart="never" nodeType="tmRoot"/>
-      </p:par>
-    </p:tnLst>
-  </p:timing>
 </p:sld>
 </file>
 
@@ -5373,8 +5096,8 @@
         </p:nvSpPr>
         <p:spPr>
           <a:xfrm>
-            <a:off x="1971675" y="488388"/>
-            <a:ext cx="8909811" cy="757130"/>
+            <a:off x="1971675" y="613037"/>
+            <a:ext cx="5634876" cy="507831"/>
           </a:xfrm>
           <a:prstGeom prst="rect">
             <a:avLst/>
@@ -5388,7 +5111,7 @@
           <a:lstStyle/>
           <a:p>
             <a:r>
-              <a:rPr lang="en-US" sz="4800" b="1" dirty="0" smtClean="0">
+              <a:rPr lang="en-US" sz="3000" b="1" dirty="0">
                 <a:solidFill>
                   <a:srgbClr val="FF0000"/>
                 </a:solidFill>
@@ -5405,21 +5128,6 @@
               </a:rPr>
               <a:t>2.1 Code get/ post &amp; get info</a:t>
             </a:r>
-            <a:endParaRPr lang="en-US" sz="4800" b="1" dirty="0">
-              <a:solidFill>
-                <a:srgbClr val="FF0000"/>
-              </a:solidFill>
-              <a:effectLst>
-                <a:outerShdw blurRad="38100" dist="38100" dir="2700000" algn="tl">
-                  <a:srgbClr val="000000">
-                    <a:alpha val="43137"/>
-                  </a:srgbClr>
-                </a:outerShdw>
-              </a:effectLst>
-              <a:latin typeface="Segoe UI Black" panose="020B0A02040204020203" pitchFamily="34" charset="0"/>
-              <a:ea typeface="Segoe UI Black" panose="020B0A02040204020203" pitchFamily="34" charset="0"/>
-              <a:cs typeface="Times New Roman" panose="02020603050405020304" pitchFamily="18" charset="0"/>
-            </a:endParaRPr>
           </a:p>
         </p:txBody>
       </p:sp>
@@ -5453,7 +5161,7 @@
               <a:buChar char="•"/>
             </a:pPr>
             <a:r>
-              <a:rPr lang="en-US" sz="2400" dirty="0" smtClean="0">
+              <a:rPr lang="en-US" sz="2000" dirty="0">
                 <a:latin typeface="Segoe UI Black" panose="020B0A02040204020203" pitchFamily="34" charset="0"/>
                 <a:ea typeface="Segoe UI Black" panose="020B0A02040204020203" pitchFamily="34" charset="0"/>
                 <a:cs typeface="Times New Roman" panose="02020603050405020304" pitchFamily="18" charset="0"/>
@@ -5497,13 +5205,6 @@
   <p:clrMapOvr>
     <a:masterClrMapping/>
   </p:clrMapOvr>
-  <p:timing>
-    <p:tnLst>
-      <p:par>
-        <p:cTn id="1" dur="indefinite" restart="never" nodeType="tmRoot"/>
-      </p:par>
-    </p:tnLst>
-  </p:timing>
 </p:sld>
 </file>
 
@@ -5540,7 +5241,7 @@
           <a:lstStyle/>
           <a:p>
             <a:r>
-              <a:rPr lang="en-US" smtClean="0">
+              <a:rPr lang="en-US">
                 <a:latin typeface="Segoe UI Black" panose="020B0A02040204020203" pitchFamily="34" charset="0"/>
                 <a:ea typeface="Segoe UI Black" panose="020B0A02040204020203" pitchFamily="34" charset="0"/>
               </a:rPr>
@@ -5598,16 +5299,18 @@
           <a:lstStyle/>
           <a:p>
             <a:r>
-              <a:rPr lang="en-US" sz="4800" b="1" dirty="0" smtClean="0">
-                <a:ln w="12700">
-                  <a:solidFill>
-                    <a:srgbClr val="C00000"/>
-                  </a:solidFill>
-                  <a:prstDash val="solid"/>
-                </a:ln>
+              <a:rPr lang="en-US" sz="4800" dirty="0">
+                <a:ln w="0"/>
                 <a:solidFill>
-                  <a:srgbClr val="FFC000"/>
+                  <a:schemeClr val="tx1"/>
                 </a:solidFill>
+                <a:effectLst>
+                  <a:outerShdw blurRad="38100" dist="19050" dir="2700000" algn="tl" rotWithShape="0">
+                    <a:schemeClr val="dk1">
+                      <a:alpha val="40000"/>
+                    </a:schemeClr>
+                  </a:outerShdw>
+                </a:effectLst>
                 <a:latin typeface="Segoe UI Black" panose="020B0A02040204020203" pitchFamily="34" charset="0"/>
                 <a:ea typeface="Segoe UI Black" panose="020B0A02040204020203" pitchFamily="34" charset="0"/>
                 <a:cs typeface="Times New Roman" panose="02020603050405020304" pitchFamily="18" charset="0"/>
@@ -5615,32 +5318,36 @@
               <a:t>WEBSEVER</a:t>
             </a:r>
             <a:br>
-              <a:rPr lang="en-US" sz="4800" b="1" dirty="0" smtClean="0">
-                <a:ln w="12700">
-                  <a:solidFill>
-                    <a:srgbClr val="C00000"/>
-                  </a:solidFill>
-                  <a:prstDash val="solid"/>
-                </a:ln>
+              <a:rPr lang="en-US" sz="4800" dirty="0">
+                <a:ln w="0"/>
                 <a:solidFill>
-                  <a:srgbClr val="FFC000"/>
+                  <a:schemeClr val="tx1"/>
                 </a:solidFill>
+                <a:effectLst>
+                  <a:outerShdw blurRad="38100" dist="19050" dir="2700000" algn="tl" rotWithShape="0">
+                    <a:schemeClr val="dk1">
+                      <a:alpha val="40000"/>
+                    </a:schemeClr>
+                  </a:outerShdw>
+                </a:effectLst>
                 <a:latin typeface="Segoe UI Black" panose="020B0A02040204020203" pitchFamily="34" charset="0"/>
                 <a:ea typeface="Segoe UI Black" panose="020B0A02040204020203" pitchFamily="34" charset="0"/>
                 <a:cs typeface="Times New Roman" panose="02020603050405020304" pitchFamily="18" charset="0"/>
               </a:rPr>
             </a:br>
             <a:r>
-              <a:rPr lang="en-US" sz="4800" b="1" dirty="0" smtClean="0">
-                <a:ln w="12700">
-                  <a:solidFill>
-                    <a:srgbClr val="C00000"/>
-                  </a:solidFill>
-                  <a:prstDash val="solid"/>
-                </a:ln>
+              <a:rPr lang="en-US" sz="4800" dirty="0">
+                <a:ln w="0"/>
                 <a:solidFill>
-                  <a:srgbClr val="FFC000"/>
+                  <a:schemeClr val="tx1"/>
                 </a:solidFill>
+                <a:effectLst>
+                  <a:outerShdw blurRad="38100" dist="19050" dir="2700000" algn="tl" rotWithShape="0">
+                    <a:schemeClr val="dk1">
+                      <a:alpha val="40000"/>
+                    </a:schemeClr>
+                  </a:outerShdw>
+                </a:effectLst>
                 <a:latin typeface="Segoe UI Black" panose="020B0A02040204020203" pitchFamily="34" charset="0"/>
                 <a:ea typeface="Segoe UI Black" panose="020B0A02040204020203" pitchFamily="34" charset="0"/>
                 <a:cs typeface="Times New Roman" panose="02020603050405020304" pitchFamily="18" charset="0"/>
@@ -5648,32 +5355,36 @@
               <a:t>LOGIN WIFI</a:t>
             </a:r>
             <a:br>
-              <a:rPr lang="en-US" sz="4800" b="1" dirty="0" smtClean="0">
-                <a:ln w="12700">
-                  <a:solidFill>
-                    <a:srgbClr val="C00000"/>
-                  </a:solidFill>
-                  <a:prstDash val="solid"/>
-                </a:ln>
+              <a:rPr lang="en-US" sz="4800" dirty="0">
+                <a:ln w="0"/>
                 <a:solidFill>
-                  <a:srgbClr val="FFC000"/>
+                  <a:schemeClr val="tx1"/>
                 </a:solidFill>
+                <a:effectLst>
+                  <a:outerShdw blurRad="38100" dist="19050" dir="2700000" algn="tl" rotWithShape="0">
+                    <a:schemeClr val="dk1">
+                      <a:alpha val="40000"/>
+                    </a:schemeClr>
+                  </a:outerShdw>
+                </a:effectLst>
                 <a:latin typeface="Segoe UI Black" panose="020B0A02040204020203" pitchFamily="34" charset="0"/>
                 <a:ea typeface="Segoe UI Black" panose="020B0A02040204020203" pitchFamily="34" charset="0"/>
                 <a:cs typeface="Times New Roman" panose="02020603050405020304" pitchFamily="18" charset="0"/>
               </a:rPr>
             </a:br>
             <a:r>
-              <a:rPr lang="en-US" sz="4800" b="1" dirty="0" smtClean="0">
-                <a:ln w="12700">
-                  <a:solidFill>
-                    <a:srgbClr val="C00000"/>
-                  </a:solidFill>
-                  <a:prstDash val="solid"/>
-                </a:ln>
+              <a:rPr lang="en-US" sz="4800" dirty="0">
+                <a:ln w="0"/>
                 <a:solidFill>
-                  <a:srgbClr val="FFC000"/>
+                  <a:schemeClr val="tx1"/>
                 </a:solidFill>
+                <a:effectLst>
+                  <a:outerShdw blurRad="38100" dist="19050" dir="2700000" algn="tl" rotWithShape="0">
+                    <a:schemeClr val="dk1">
+                      <a:alpha val="40000"/>
+                    </a:schemeClr>
+                  </a:outerShdw>
+                </a:effectLst>
                 <a:latin typeface="Segoe UI Black" panose="020B0A02040204020203" pitchFamily="34" charset="0"/>
                 <a:ea typeface="Segoe UI Black" panose="020B0A02040204020203" pitchFamily="34" charset="0"/>
                 <a:cs typeface="Times New Roman" panose="02020603050405020304" pitchFamily="18" charset="0"/>
@@ -5681,6 +5392,17 @@
               <a:t>SET MQTT</a:t>
             </a:r>
             <a:endParaRPr lang="en-US" sz="4800" dirty="0">
+              <a:ln w="0"/>
+              <a:solidFill>
+                <a:schemeClr val="tx1"/>
+              </a:solidFill>
+              <a:effectLst>
+                <a:outerShdw blurRad="38100" dist="19050" dir="2700000" algn="tl" rotWithShape="0">
+                  <a:schemeClr val="dk1">
+                    <a:alpha val="40000"/>
+                  </a:schemeClr>
+                </a:outerShdw>
+              </a:effectLst>
               <a:latin typeface="Segoe UI Black" panose="020B0A02040204020203" pitchFamily="34" charset="0"/>
               <a:ea typeface="Segoe UI Black" panose="020B0A02040204020203" pitchFamily="34" charset="0"/>
             </a:endParaRPr>
@@ -5722,7 +5444,7 @@
           <a:lstStyle/>
           <a:p>
             <a:r>
-              <a:rPr lang="en-US" sz="2000" dirty="0" smtClean="0">
+              <a:rPr lang="en-US" sz="2000" dirty="0">
                 <a:solidFill>
                   <a:schemeClr val="bg1"/>
                 </a:solidFill>
@@ -5735,7 +5457,7 @@
           </a:p>
           <a:p>
             <a:r>
-              <a:rPr lang="en-US" sz="2000" dirty="0" smtClean="0">
+              <a:rPr lang="en-US" sz="2000" dirty="0">
                 <a:solidFill>
                   <a:schemeClr val="bg1"/>
                 </a:solidFill>
@@ -5745,14 +5467,6 @@
               </a:rPr>
               <a:t>Bộ phận: IoT Indruino</a:t>
             </a:r>
-            <a:endParaRPr lang="en-US" sz="2000" dirty="0">
-              <a:solidFill>
-                <a:schemeClr val="bg1"/>
-              </a:solidFill>
-              <a:latin typeface="Segoe UI Black" panose="020B0A02040204020203" pitchFamily="34" charset="0"/>
-              <a:ea typeface="Segoe UI Black" panose="020B0A02040204020203" pitchFamily="34" charset="0"/>
-              <a:cs typeface="Times New Roman" panose="02020603050405020304" pitchFamily="18" charset="0"/>
-            </a:endParaRPr>
           </a:p>
         </p:txBody>
       </p:sp>
@@ -5766,13 +5480,6 @@
   <p:clrMapOvr>
     <a:masterClrMapping/>
   </p:clrMapOvr>
-  <p:timing>
-    <p:tnLst>
-      <p:par>
-        <p:cTn id="1" dur="indefinite" restart="never" nodeType="tmRoot"/>
-      </p:par>
-    </p:tnLst>
-  </p:timing>
 </p:sld>
 </file>
 
@@ -5805,8 +5512,8 @@
         </p:nvSpPr>
         <p:spPr>
           <a:xfrm>
-            <a:off x="1971675" y="488388"/>
-            <a:ext cx="8909811" cy="757130"/>
+            <a:off x="1971675" y="613037"/>
+            <a:ext cx="5634876" cy="507831"/>
           </a:xfrm>
           <a:prstGeom prst="rect">
             <a:avLst/>
@@ -5820,7 +5527,7 @@
           <a:lstStyle/>
           <a:p>
             <a:r>
-              <a:rPr lang="en-US" sz="4800" b="1" dirty="0" smtClean="0">
+              <a:rPr lang="en-US" sz="3000" b="1" dirty="0">
                 <a:solidFill>
                   <a:srgbClr val="FF0000"/>
                 </a:solidFill>
@@ -5837,21 +5544,6 @@
               </a:rPr>
               <a:t>2.1 Code get/ post &amp; get info</a:t>
             </a:r>
-            <a:endParaRPr lang="en-US" sz="4800" b="1" dirty="0">
-              <a:solidFill>
-                <a:srgbClr val="FF0000"/>
-              </a:solidFill>
-              <a:effectLst>
-                <a:outerShdw blurRad="38100" dist="38100" dir="2700000" algn="tl">
-                  <a:srgbClr val="000000">
-                    <a:alpha val="43137"/>
-                  </a:srgbClr>
-                </a:outerShdw>
-              </a:effectLst>
-              <a:latin typeface="Segoe UI Black" panose="020B0A02040204020203" pitchFamily="34" charset="0"/>
-              <a:ea typeface="Segoe UI Black" panose="020B0A02040204020203" pitchFamily="34" charset="0"/>
-              <a:cs typeface="Times New Roman" panose="02020603050405020304" pitchFamily="18" charset="0"/>
-            </a:endParaRPr>
           </a:p>
         </p:txBody>
       </p:sp>
@@ -5885,7 +5577,7 @@
               <a:buChar char="•"/>
             </a:pPr>
             <a:r>
-              <a:rPr lang="en-US" sz="2400" dirty="0" smtClean="0">
+              <a:rPr lang="en-US" sz="2000" dirty="0">
                 <a:latin typeface="Segoe UI Black" panose="020B0A02040204020203" pitchFamily="34" charset="0"/>
                 <a:ea typeface="Segoe UI Black" panose="020B0A02040204020203" pitchFamily="34" charset="0"/>
                 <a:cs typeface="Times New Roman" panose="02020603050405020304" pitchFamily="18" charset="0"/>
@@ -5929,13 +5621,6 @@
   <p:clrMapOvr>
     <a:masterClrMapping/>
   </p:clrMapOvr>
-  <p:timing>
-    <p:tnLst>
-      <p:par>
-        <p:cTn id="1" dur="indefinite" restart="never" nodeType="tmRoot"/>
-      </p:par>
-    </p:tnLst>
-  </p:timing>
 </p:sld>
 </file>
 
@@ -5968,8 +5653,8 @@
         </p:nvSpPr>
         <p:spPr>
           <a:xfrm>
-            <a:off x="1971675" y="488388"/>
-            <a:ext cx="8909811" cy="757130"/>
+            <a:off x="1971675" y="613037"/>
+            <a:ext cx="5634876" cy="507831"/>
           </a:xfrm>
           <a:prstGeom prst="rect">
             <a:avLst/>
@@ -5983,7 +5668,7 @@
           <a:lstStyle/>
           <a:p>
             <a:r>
-              <a:rPr lang="en-US" sz="4800" b="1" dirty="0" smtClean="0">
+              <a:rPr lang="en-US" sz="3000" b="1" dirty="0">
                 <a:solidFill>
                   <a:srgbClr val="FF0000"/>
                 </a:solidFill>
@@ -6000,21 +5685,6 @@
               </a:rPr>
               <a:t>2.1 Code get/ post &amp; get info</a:t>
             </a:r>
-            <a:endParaRPr lang="en-US" sz="4800" b="1" dirty="0">
-              <a:solidFill>
-                <a:srgbClr val="FF0000"/>
-              </a:solidFill>
-              <a:effectLst>
-                <a:outerShdw blurRad="38100" dist="38100" dir="2700000" algn="tl">
-                  <a:srgbClr val="000000">
-                    <a:alpha val="43137"/>
-                  </a:srgbClr>
-                </a:outerShdw>
-              </a:effectLst>
-              <a:latin typeface="Segoe UI Black" panose="020B0A02040204020203" pitchFamily="34" charset="0"/>
-              <a:ea typeface="Segoe UI Black" panose="020B0A02040204020203" pitchFamily="34" charset="0"/>
-              <a:cs typeface="Times New Roman" panose="02020603050405020304" pitchFamily="18" charset="0"/>
-            </a:endParaRPr>
           </a:p>
         </p:txBody>
       </p:sp>
@@ -6048,7 +5718,7 @@
               <a:buChar char="•"/>
             </a:pPr>
             <a:r>
-              <a:rPr lang="en-US" sz="2400" dirty="0" smtClean="0">
+              <a:rPr lang="en-US" sz="2000" dirty="0">
                 <a:latin typeface="Segoe UI Black" panose="020B0A02040204020203" pitchFamily="34" charset="0"/>
                 <a:ea typeface="Segoe UI Black" panose="020B0A02040204020203" pitchFamily="34" charset="0"/>
                 <a:cs typeface="Times New Roman" panose="02020603050405020304" pitchFamily="18" charset="0"/>
@@ -6092,13 +5762,6 @@
   <p:clrMapOvr>
     <a:masterClrMapping/>
   </p:clrMapOvr>
-  <p:timing>
-    <p:tnLst>
-      <p:par>
-        <p:cTn id="1" dur="indefinite" restart="never" nodeType="tmRoot"/>
-      </p:par>
-    </p:tnLst>
-  </p:timing>
 </p:sld>
 </file>
 
@@ -6131,8 +5794,8 @@
         </p:nvSpPr>
         <p:spPr>
           <a:xfrm>
-            <a:off x="1971675" y="488388"/>
-            <a:ext cx="8909811" cy="757130"/>
+            <a:off x="1971675" y="613037"/>
+            <a:ext cx="5634876" cy="507831"/>
           </a:xfrm>
           <a:prstGeom prst="rect">
             <a:avLst/>
@@ -6146,7 +5809,7 @@
           <a:lstStyle/>
           <a:p>
             <a:r>
-              <a:rPr lang="en-US" sz="4800" b="1" dirty="0" smtClean="0">
+              <a:rPr lang="en-US" sz="3000" b="1" dirty="0">
                 <a:solidFill>
                   <a:srgbClr val="FF0000"/>
                 </a:solidFill>
@@ -6163,21 +5826,6 @@
               </a:rPr>
               <a:t>2.1 Code get/ post &amp; get info</a:t>
             </a:r>
-            <a:endParaRPr lang="en-US" sz="4800" b="1" dirty="0">
-              <a:solidFill>
-                <a:srgbClr val="FF0000"/>
-              </a:solidFill>
-              <a:effectLst>
-                <a:outerShdw blurRad="38100" dist="38100" dir="2700000" algn="tl">
-                  <a:srgbClr val="000000">
-                    <a:alpha val="43137"/>
-                  </a:srgbClr>
-                </a:outerShdw>
-              </a:effectLst>
-              <a:latin typeface="Segoe UI Black" panose="020B0A02040204020203" pitchFamily="34" charset="0"/>
-              <a:ea typeface="Segoe UI Black" panose="020B0A02040204020203" pitchFamily="34" charset="0"/>
-              <a:cs typeface="Times New Roman" panose="02020603050405020304" pitchFamily="18" charset="0"/>
-            </a:endParaRPr>
           </a:p>
         </p:txBody>
       </p:sp>
@@ -6211,7 +5859,7 @@
               <a:buChar char="•"/>
             </a:pPr>
             <a:r>
-              <a:rPr lang="en-US" sz="2400" dirty="0" smtClean="0">
+              <a:rPr lang="en-US" sz="2000" dirty="0">
                 <a:latin typeface="Segoe UI Black" panose="020B0A02040204020203" pitchFamily="34" charset="0"/>
                 <a:ea typeface="Segoe UI Black" panose="020B0A02040204020203" pitchFamily="34" charset="0"/>
                 <a:cs typeface="Times New Roman" panose="02020603050405020304" pitchFamily="18" charset="0"/>
@@ -6228,7 +5876,7 @@
               <a:buChar char="•"/>
             </a:pPr>
             <a:r>
-              <a:rPr lang="en-US" sz="2400" dirty="0" smtClean="0">
+              <a:rPr lang="en-US" sz="2000" dirty="0">
                 <a:latin typeface="Segoe UI Black" panose="020B0A02040204020203" pitchFamily="34" charset="0"/>
                 <a:ea typeface="Segoe UI Black" panose="020B0A02040204020203" pitchFamily="34" charset="0"/>
                 <a:cs typeface="Times New Roman" panose="02020603050405020304" pitchFamily="18" charset="0"/>
@@ -6272,13 +5920,6 @@
   <p:clrMapOvr>
     <a:masterClrMapping/>
   </p:clrMapOvr>
-  <p:timing>
-    <p:tnLst>
-      <p:par>
-        <p:cTn id="1" dur="indefinite" restart="never" nodeType="tmRoot"/>
-      </p:par>
-    </p:tnLst>
-  </p:timing>
 </p:sld>
 </file>
 
@@ -6311,8 +5952,8 @@
         </p:nvSpPr>
         <p:spPr>
           <a:xfrm>
-            <a:off x="1971675" y="488388"/>
-            <a:ext cx="8909811" cy="757130"/>
+            <a:off x="1971675" y="613037"/>
+            <a:ext cx="5634876" cy="507831"/>
           </a:xfrm>
           <a:prstGeom prst="rect">
             <a:avLst/>
@@ -6326,7 +5967,7 @@
           <a:lstStyle/>
           <a:p>
             <a:r>
-              <a:rPr lang="en-US" sz="4800" b="1" dirty="0" smtClean="0">
+              <a:rPr lang="en-US" sz="3000" b="1" dirty="0">
                 <a:solidFill>
                   <a:srgbClr val="FF0000"/>
                 </a:solidFill>
@@ -6343,21 +5984,6 @@
               </a:rPr>
               <a:t>2.1 Code get/ post &amp; get info</a:t>
             </a:r>
-            <a:endParaRPr lang="en-US" sz="4800" b="1" dirty="0">
-              <a:solidFill>
-                <a:srgbClr val="FF0000"/>
-              </a:solidFill>
-              <a:effectLst>
-                <a:outerShdw blurRad="38100" dist="38100" dir="2700000" algn="tl">
-                  <a:srgbClr val="000000">
-                    <a:alpha val="43137"/>
-                  </a:srgbClr>
-                </a:outerShdw>
-              </a:effectLst>
-              <a:latin typeface="Segoe UI Black" panose="020B0A02040204020203" pitchFamily="34" charset="0"/>
-              <a:ea typeface="Segoe UI Black" panose="020B0A02040204020203" pitchFamily="34" charset="0"/>
-              <a:cs typeface="Times New Roman" panose="02020603050405020304" pitchFamily="18" charset="0"/>
-            </a:endParaRPr>
           </a:p>
         </p:txBody>
       </p:sp>
@@ -6391,7 +6017,7 @@
               <a:buChar char="•"/>
             </a:pPr>
             <a:r>
-              <a:rPr lang="en-US" sz="2400" dirty="0" smtClean="0">
+              <a:rPr lang="en-US" sz="2000" dirty="0">
                 <a:latin typeface="Segoe UI Black" panose="020B0A02040204020203" pitchFamily="34" charset="0"/>
                 <a:ea typeface="Segoe UI Black" panose="020B0A02040204020203" pitchFamily="34" charset="0"/>
                 <a:cs typeface="Times New Roman" panose="02020603050405020304" pitchFamily="18" charset="0"/>
@@ -6408,7 +6034,7 @@
               <a:buChar char="•"/>
             </a:pPr>
             <a:r>
-              <a:rPr lang="en-US" sz="2400" dirty="0" smtClean="0">
+              <a:rPr lang="en-US" sz="2000" dirty="0">
                 <a:latin typeface="Segoe UI Black" panose="020B0A02040204020203" pitchFamily="34" charset="0"/>
                 <a:ea typeface="Segoe UI Black" panose="020B0A02040204020203" pitchFamily="34" charset="0"/>
                 <a:cs typeface="Times New Roman" panose="02020603050405020304" pitchFamily="18" charset="0"/>
@@ -6452,13 +6078,6 @@
   <p:clrMapOvr>
     <a:masterClrMapping/>
   </p:clrMapOvr>
-  <p:timing>
-    <p:tnLst>
-      <p:par>
-        <p:cTn id="1" dur="indefinite" restart="never" nodeType="tmRoot"/>
-      </p:par>
-    </p:tnLst>
-  </p:timing>
 </p:sld>
 </file>
 
@@ -6491,8 +6110,8 @@
         </p:nvSpPr>
         <p:spPr>
           <a:xfrm>
-            <a:off x="1971675" y="488388"/>
-            <a:ext cx="8909811" cy="757130"/>
+            <a:off x="1971675" y="613037"/>
+            <a:ext cx="5634876" cy="507831"/>
           </a:xfrm>
           <a:prstGeom prst="rect">
             <a:avLst/>
@@ -6506,7 +6125,7 @@
           <a:lstStyle/>
           <a:p>
             <a:r>
-              <a:rPr lang="en-US" sz="4800" b="1" dirty="0" smtClean="0">
+              <a:rPr lang="en-US" sz="3000" b="1" dirty="0">
                 <a:solidFill>
                   <a:srgbClr val="FF0000"/>
                 </a:solidFill>
@@ -6523,21 +6142,6 @@
               </a:rPr>
               <a:t>2.1 Code get/ post &amp; get info</a:t>
             </a:r>
-            <a:endParaRPr lang="en-US" sz="4800" b="1" dirty="0">
-              <a:solidFill>
-                <a:srgbClr val="FF0000"/>
-              </a:solidFill>
-              <a:effectLst>
-                <a:outerShdw blurRad="38100" dist="38100" dir="2700000" algn="tl">
-                  <a:srgbClr val="000000">
-                    <a:alpha val="43137"/>
-                  </a:srgbClr>
-                </a:outerShdw>
-              </a:effectLst>
-              <a:latin typeface="Segoe UI Black" panose="020B0A02040204020203" pitchFamily="34" charset="0"/>
-              <a:ea typeface="Segoe UI Black" panose="020B0A02040204020203" pitchFamily="34" charset="0"/>
-              <a:cs typeface="Times New Roman" panose="02020603050405020304" pitchFamily="18" charset="0"/>
-            </a:endParaRPr>
           </a:p>
         </p:txBody>
       </p:sp>
@@ -6571,7 +6175,7 @@
               <a:buChar char="•"/>
             </a:pPr>
             <a:r>
-              <a:rPr lang="en-US" sz="2400" dirty="0" smtClean="0">
+              <a:rPr lang="en-US" sz="2000" dirty="0">
                 <a:latin typeface="Segoe UI Black" panose="020B0A02040204020203" pitchFamily="34" charset="0"/>
                 <a:ea typeface="Segoe UI Black" panose="020B0A02040204020203" pitchFamily="34" charset="0"/>
                 <a:cs typeface="Times New Roman" panose="02020603050405020304" pitchFamily="18" charset="0"/>
@@ -6585,7 +6189,7 @@
                 <a:spcPts val="1000"/>
               </a:spcBef>
             </a:pPr>
-            <a:endParaRPr lang="en-US" sz="2400" dirty="0" smtClean="0">
+            <a:endParaRPr lang="en-US" sz="2000" dirty="0">
               <a:latin typeface="Segoe UI Black" panose="020B0A02040204020203" pitchFamily="34" charset="0"/>
               <a:ea typeface="Segoe UI Black" panose="020B0A02040204020203" pitchFamily="34" charset="0"/>
               <a:cs typeface="Times New Roman" panose="02020603050405020304" pitchFamily="18" charset="0"/>
@@ -6600,20 +6204,12 @@
               <a:buChar char="•"/>
             </a:pPr>
             <a:r>
-              <a:rPr lang="en-US" sz="2400" dirty="0">
+              <a:rPr lang="en-US" sz="2000" dirty="0">
                 <a:latin typeface="Segoe UI Black" panose="020B0A02040204020203" pitchFamily="34" charset="0"/>
                 <a:ea typeface="Segoe UI Black" panose="020B0A02040204020203" pitchFamily="34" charset="0"/>
                 <a:cs typeface="Times New Roman" panose="02020603050405020304" pitchFamily="18" charset="0"/>
               </a:rPr>
-              <a:t>void webcontrolget</a:t>
-            </a:r>
-            <a:r>
-              <a:rPr lang="en-US" sz="2400" dirty="0" smtClean="0">
-                <a:latin typeface="Segoe UI Black" panose="020B0A02040204020203" pitchFamily="34" charset="0"/>
-                <a:ea typeface="Segoe UI Black" panose="020B0A02040204020203" pitchFamily="34" charset="0"/>
-                <a:cs typeface="Times New Roman" panose="02020603050405020304" pitchFamily="18" charset="0"/>
-              </a:rPr>
-              <a:t>();</a:t>
+              <a:t>void webcontrolget();</a:t>
             </a:r>
           </a:p>
           <a:p>
@@ -6625,20 +6221,12 @@
               <a:buChar char="•"/>
             </a:pPr>
             <a:r>
-              <a:rPr lang="en-US" sz="2400" dirty="0">
+              <a:rPr lang="en-US" sz="2000" dirty="0">
                 <a:latin typeface="Segoe UI Black" panose="020B0A02040204020203" pitchFamily="34" charset="0"/>
                 <a:ea typeface="Segoe UI Black" panose="020B0A02040204020203" pitchFamily="34" charset="0"/>
                 <a:cs typeface="Times New Roman" panose="02020603050405020304" pitchFamily="18" charset="0"/>
               </a:rPr>
-              <a:t>void webcontrolpost</a:t>
-            </a:r>
-            <a:r>
-              <a:rPr lang="en-US" sz="2400" dirty="0" smtClean="0">
-                <a:latin typeface="Segoe UI Black" panose="020B0A02040204020203" pitchFamily="34" charset="0"/>
-                <a:ea typeface="Segoe UI Black" panose="020B0A02040204020203" pitchFamily="34" charset="0"/>
-                <a:cs typeface="Times New Roman" panose="02020603050405020304" pitchFamily="18" charset="0"/>
-              </a:rPr>
-              <a:t>();</a:t>
+              <a:t>void webcontrolpost();</a:t>
             </a:r>
           </a:p>
         </p:txBody>
@@ -6653,13 +6241,6 @@
   <p:clrMapOvr>
     <a:masterClrMapping/>
   </p:clrMapOvr>
-  <p:timing>
-    <p:tnLst>
-      <p:par>
-        <p:cTn id="1" dur="indefinite" restart="never" nodeType="tmRoot"/>
-      </p:par>
-    </p:tnLst>
-  </p:timing>
 </p:sld>
 </file>
 
@@ -6719,7 +6300,7 @@
           <a:lstStyle/>
           <a:p>
             <a:r>
-              <a:rPr lang="en-US" smtClean="0"/>
+              <a:rPr lang="en-US"/>
               <a:t>www.indruino.com</a:t>
             </a:r>
             <a:endParaRPr lang="en-US" dirty="0"/>
@@ -6761,7 +6342,7 @@
           <a:lstStyle/>
           <a:p>
             <a:r>
-              <a:rPr lang="en-US" sz="2000" dirty="0" smtClean="0">
+              <a:rPr lang="en-US" sz="2000" dirty="0">
                 <a:solidFill>
                   <a:schemeClr val="bg1"/>
                 </a:solidFill>
@@ -6774,7 +6355,7 @@
           </a:p>
           <a:p>
             <a:r>
-              <a:rPr lang="en-US" sz="2000" dirty="0" smtClean="0">
+              <a:rPr lang="en-US" sz="2000" dirty="0">
                 <a:solidFill>
                   <a:schemeClr val="bg1"/>
                 </a:solidFill>
@@ -6784,14 +6365,6 @@
               </a:rPr>
               <a:t>Bộ phận: IoT Indruino</a:t>
             </a:r>
-            <a:endParaRPr lang="en-US" sz="2000" dirty="0">
-              <a:solidFill>
-                <a:schemeClr val="bg1"/>
-              </a:solidFill>
-              <a:latin typeface="Segoe UI Black" panose="020B0A02040204020203" pitchFamily="34" charset="0"/>
-              <a:ea typeface="Segoe UI Black" panose="020B0A02040204020203" pitchFamily="34" charset="0"/>
-              <a:cs typeface="Times New Roman" panose="02020603050405020304" pitchFamily="18" charset="0"/>
-            </a:endParaRPr>
           </a:p>
         </p:txBody>
       </p:sp>
@@ -6805,13 +6378,6 @@
   <p:clrMapOvr>
     <a:masterClrMapping/>
   </p:clrMapOvr>
-  <p:timing>
-    <p:tnLst>
-      <p:par>
-        <p:cTn id="1" dur="indefinite" restart="never" nodeType="tmRoot"/>
-      </p:par>
-    </p:tnLst>
-  </p:timing>
 </p:sld>
 </file>
 
@@ -6850,7 +6416,10 @@
         <p:txBody>
           <a:bodyPr wrap="none">
             <a:prstTxWarp prst="textWave1">
-              <a:avLst/>
+              <a:avLst>
+                <a:gd name="adj1" fmla="val 0"/>
+                <a:gd name="adj2" fmla="val 0"/>
+              </a:avLst>
             </a:prstTxWarp>
             <a:spAutoFit/>
           </a:bodyPr>
@@ -6858,62 +6427,34 @@
           <a:p>
             <a:pPr algn="ctr"/>
             <a:r>
-              <a:rPr lang="en-US" sz="6000" b="1" dirty="0">
-                <a:ln w="22225">
-                  <a:solidFill>
-                    <a:schemeClr val="accent2"/>
-                  </a:solidFill>
-                  <a:prstDash val="solid"/>
-                </a:ln>
-                <a:solidFill>
-                  <a:schemeClr val="accent2">
-                    <a:lumMod val="40000"/>
-                    <a:lumOff val="60000"/>
-                  </a:schemeClr>
-                </a:solidFill>
+              <a:rPr lang="en-US" sz="6000" dirty="0">
+                <a:ln w="0"/>
+                <a:effectLst>
+                  <a:outerShdw blurRad="38100" dist="19050" dir="2700000" algn="tl" rotWithShape="0">
+                    <a:schemeClr val="dk1">
+                      <a:alpha val="40000"/>
+                    </a:schemeClr>
+                  </a:outerShdw>
+                </a:effectLst>
                 <a:latin typeface="Segoe UI Black" panose="020B0A02040204020203" pitchFamily="34" charset="0"/>
                 <a:ea typeface="Segoe UI Black" panose="020B0A02040204020203" pitchFamily="34" charset="0"/>
                 <a:cs typeface="Times New Roman" panose="02020603050405020304" pitchFamily="18" charset="0"/>
               </a:rPr>
-              <a:t>PART 1</a:t>
-            </a:r>
-            <a:r>
-              <a:rPr lang="en-US" sz="6000" b="1" dirty="0" smtClean="0">
-                <a:ln w="22225">
-                  <a:solidFill>
-                    <a:schemeClr val="accent2"/>
-                  </a:solidFill>
-                  <a:prstDash val="solid"/>
-                </a:ln>
-                <a:solidFill>
-                  <a:schemeClr val="accent2">
-                    <a:lumMod val="40000"/>
-                    <a:lumOff val="60000"/>
-                  </a:schemeClr>
-                </a:solidFill>
-                <a:latin typeface="Segoe UI Black" panose="020B0A02040204020203" pitchFamily="34" charset="0"/>
-                <a:ea typeface="Segoe UI Black" panose="020B0A02040204020203" pitchFamily="34" charset="0"/>
-                <a:cs typeface="Times New Roman" panose="02020603050405020304" pitchFamily="18" charset="0"/>
-              </a:rPr>
-              <a:t>:</a:t>
+              <a:t>PART 1:</a:t>
             </a:r>
           </a:p>
           <a:p>
             <a:pPr algn="ctr"/>
             <a:r>
-              <a:rPr lang="en-US" sz="6000" b="1" dirty="0" smtClean="0">
-                <a:ln w="22225">
-                  <a:solidFill>
-                    <a:schemeClr val="accent2"/>
-                  </a:solidFill>
-                  <a:prstDash val="solid"/>
-                </a:ln>
-                <a:solidFill>
-                  <a:schemeClr val="accent2">
-                    <a:lumMod val="40000"/>
-                    <a:lumOff val="60000"/>
-                  </a:schemeClr>
-                </a:solidFill>
+              <a:rPr lang="en-US" sz="6000" dirty="0">
+                <a:ln w="0"/>
+                <a:effectLst>
+                  <a:outerShdw blurRad="38100" dist="19050" dir="2700000" algn="tl" rotWithShape="0">
+                    <a:schemeClr val="dk1">
+                      <a:alpha val="40000"/>
+                    </a:schemeClr>
+                  </a:outerShdw>
+                </a:effectLst>
                 <a:latin typeface="Segoe UI Black" panose="020B0A02040204020203" pitchFamily="34" charset="0"/>
                 <a:ea typeface="Segoe UI Black" panose="020B0A02040204020203" pitchFamily="34" charset="0"/>
                 <a:cs typeface="Times New Roman" panose="02020603050405020304" pitchFamily="18" charset="0"/>
@@ -6933,13 +6474,6 @@
   <p:clrMapOvr>
     <a:masterClrMapping/>
   </p:clrMapOvr>
-  <p:timing>
-    <p:tnLst>
-      <p:par>
-        <p:cTn id="1" dur="indefinite" restart="never" nodeType="tmRoot"/>
-      </p:par>
-    </p:tnLst>
-  </p:timing>
 </p:sld>
 </file>
 
@@ -6972,8 +6506,8 @@
         </p:nvSpPr>
         <p:spPr>
           <a:xfrm>
-            <a:off x="1971675" y="488388"/>
-            <a:ext cx="7839005" cy="757130"/>
+            <a:off x="1971675" y="613037"/>
+            <a:ext cx="4971233" cy="507831"/>
           </a:xfrm>
           <a:prstGeom prst="rect">
             <a:avLst/>
@@ -6987,7 +6521,7 @@
           <a:lstStyle/>
           <a:p>
             <a:r>
-              <a:rPr lang="en-US" sz="4800" b="1" dirty="0" smtClean="0">
+              <a:rPr lang="en-US" sz="3000" b="1" dirty="0">
                 <a:solidFill>
                   <a:srgbClr val="FF0000"/>
                 </a:solidFill>
@@ -7004,21 +6538,6 @@
               </a:rPr>
               <a:t>1.1 GIAO DIỆN THAO TÁC</a:t>
             </a:r>
-            <a:endParaRPr lang="en-US" sz="4800" b="1" dirty="0">
-              <a:solidFill>
-                <a:srgbClr val="FF0000"/>
-              </a:solidFill>
-              <a:effectLst>
-                <a:outerShdw blurRad="38100" dist="38100" dir="2700000" algn="tl">
-                  <a:srgbClr val="000000">
-                    <a:alpha val="43137"/>
-                  </a:srgbClr>
-                </a:outerShdw>
-              </a:effectLst>
-              <a:latin typeface="Segoe UI Black" panose="020B0A02040204020203" pitchFamily="34" charset="0"/>
-              <a:ea typeface="Segoe UI Black" panose="020B0A02040204020203" pitchFamily="34" charset="0"/>
-              <a:cs typeface="Times New Roman" panose="02020603050405020304" pitchFamily="18" charset="0"/>
-            </a:endParaRPr>
           </a:p>
         </p:txBody>
       </p:sp>
@@ -7052,7 +6571,7 @@
               <a:buChar char="•"/>
             </a:pPr>
             <a:r>
-              <a:rPr lang="en-US" sz="2400" dirty="0" smtClean="0">
+              <a:rPr lang="en-US" sz="2000" dirty="0">
                 <a:latin typeface="Segoe UI Black" panose="020B0A02040204020203" pitchFamily="34" charset="0"/>
                 <a:ea typeface="Segoe UI Black" panose="020B0A02040204020203" pitchFamily="34" charset="0"/>
                 <a:cs typeface="Times New Roman" panose="02020603050405020304" pitchFamily="18" charset="0"/>
@@ -7066,7 +6585,7 @@
                 <a:spcPts val="1000"/>
               </a:spcBef>
             </a:pPr>
-            <a:endParaRPr lang="en-US" sz="2400" dirty="0" smtClean="0">
+            <a:endParaRPr lang="en-US" sz="2000" dirty="0">
               <a:latin typeface="Segoe UI Black" panose="020B0A02040204020203" pitchFamily="34" charset="0"/>
               <a:ea typeface="Segoe UI Black" panose="020B0A02040204020203" pitchFamily="34" charset="0"/>
               <a:cs typeface="Times New Roman" panose="02020603050405020304" pitchFamily="18" charset="0"/>
@@ -7081,7 +6600,7 @@
               <a:buChar char="•"/>
             </a:pPr>
             <a:r>
-              <a:rPr lang="en-US" sz="2400" dirty="0" smtClean="0">
+              <a:rPr lang="en-US" sz="2000" dirty="0">
                 <a:latin typeface="Segoe UI Black" panose="020B0A02040204020203" pitchFamily="34" charset="0"/>
                 <a:ea typeface="Segoe UI Black" panose="020B0A02040204020203" pitchFamily="34" charset="0"/>
                 <a:cs typeface="Times New Roman" panose="02020603050405020304" pitchFamily="18" charset="0"/>
@@ -7095,7 +6614,7 @@
                 <a:spcPts val="1000"/>
               </a:spcBef>
             </a:pPr>
-            <a:endParaRPr lang="en-US" sz="2400" dirty="0" smtClean="0">
+            <a:endParaRPr lang="en-US" sz="2000" dirty="0">
               <a:latin typeface="Segoe UI Black" panose="020B0A02040204020203" pitchFamily="34" charset="0"/>
               <a:ea typeface="Segoe UI Black" panose="020B0A02040204020203" pitchFamily="34" charset="0"/>
               <a:cs typeface="Times New Roman" panose="02020603050405020304" pitchFamily="18" charset="0"/>
@@ -7110,18 +6629,13 @@
               <a:buChar char="•"/>
             </a:pPr>
             <a:r>
-              <a:rPr lang="en-US" sz="2400" dirty="0" smtClean="0">
+              <a:rPr lang="en-US" sz="2000" dirty="0">
                 <a:latin typeface="Segoe UI Black" panose="020B0A02040204020203" pitchFamily="34" charset="0"/>
                 <a:ea typeface="Segoe UI Black" panose="020B0A02040204020203" pitchFamily="34" charset="0"/>
                 <a:cs typeface="Times New Roman" panose="02020603050405020304" pitchFamily="18" charset="0"/>
               </a:rPr>
               <a:t>Exit, ngắt kết nối</a:t>
             </a:r>
-            <a:endParaRPr lang="en-US" sz="2400" dirty="0">
-              <a:latin typeface="Segoe UI Black" panose="020B0A02040204020203" pitchFamily="34" charset="0"/>
-              <a:ea typeface="Segoe UI Black" panose="020B0A02040204020203" pitchFamily="34" charset="0"/>
-              <a:cs typeface="Times New Roman" panose="02020603050405020304" pitchFamily="18" charset="0"/>
-            </a:endParaRPr>
           </a:p>
         </p:txBody>
       </p:sp>
@@ -7159,13 +6673,6 @@
   <p:clrMapOvr>
     <a:masterClrMapping/>
   </p:clrMapOvr>
-  <p:timing>
-    <p:tnLst>
-      <p:par>
-        <p:cTn id="1" dur="indefinite" restart="never" nodeType="tmRoot"/>
-      </p:par>
-    </p:tnLst>
-  </p:timing>
 </p:sld>
 </file>
 
@@ -7198,8 +6705,8 @@
         </p:nvSpPr>
         <p:spPr>
           <a:xfrm>
-            <a:off x="1971675" y="488388"/>
-            <a:ext cx="5086649" cy="757130"/>
+            <a:off x="1971675" y="613037"/>
+            <a:ext cx="3249608" cy="507831"/>
           </a:xfrm>
           <a:prstGeom prst="rect">
             <a:avLst/>
@@ -7213,7 +6720,7 @@
           <a:lstStyle/>
           <a:p>
             <a:r>
-              <a:rPr lang="en-US" sz="4800" b="1" dirty="0" smtClean="0">
+              <a:rPr lang="en-US" sz="3000" b="1" dirty="0">
                 <a:solidFill>
                   <a:srgbClr val="FF0000"/>
                 </a:solidFill>
@@ -7230,21 +6737,6 @@
               </a:rPr>
               <a:t>1.1 CONFIG WIFI</a:t>
             </a:r>
-            <a:endParaRPr lang="en-US" sz="4800" b="1" dirty="0">
-              <a:solidFill>
-                <a:srgbClr val="FF0000"/>
-              </a:solidFill>
-              <a:effectLst>
-                <a:outerShdw blurRad="38100" dist="38100" dir="2700000" algn="tl">
-                  <a:srgbClr val="000000">
-                    <a:alpha val="43137"/>
-                  </a:srgbClr>
-                </a:outerShdw>
-              </a:effectLst>
-              <a:latin typeface="Segoe UI Black" panose="020B0A02040204020203" pitchFamily="34" charset="0"/>
-              <a:ea typeface="Segoe UI Black" panose="020B0A02040204020203" pitchFamily="34" charset="0"/>
-              <a:cs typeface="Times New Roman" panose="02020603050405020304" pitchFamily="18" charset="0"/>
-            </a:endParaRPr>
           </a:p>
         </p:txBody>
       </p:sp>
@@ -7278,7 +6770,7 @@
               <a:buChar char="•"/>
             </a:pPr>
             <a:r>
-              <a:rPr lang="en-US" sz="2400" dirty="0" smtClean="0">
+              <a:rPr lang="en-US" sz="2000" dirty="0">
                 <a:latin typeface="Segoe UI Black" panose="020B0A02040204020203" pitchFamily="34" charset="0"/>
                 <a:ea typeface="Segoe UI Black" panose="020B0A02040204020203" pitchFamily="34" charset="0"/>
                 <a:cs typeface="Times New Roman" panose="02020603050405020304" pitchFamily="18" charset="0"/>
@@ -7292,7 +6784,7 @@
                 <a:spcPts val="1000"/>
               </a:spcBef>
             </a:pPr>
-            <a:endParaRPr lang="en-US" sz="2400" dirty="0" smtClean="0">
+            <a:endParaRPr lang="en-US" sz="2000" dirty="0">
               <a:latin typeface="Segoe UI Black" panose="020B0A02040204020203" pitchFamily="34" charset="0"/>
               <a:ea typeface="Segoe UI Black" panose="020B0A02040204020203" pitchFamily="34" charset="0"/>
               <a:cs typeface="Times New Roman" panose="02020603050405020304" pitchFamily="18" charset="0"/>
@@ -7307,7 +6799,7 @@
               <a:buChar char="•"/>
             </a:pPr>
             <a:r>
-              <a:rPr lang="en-US" sz="2400" dirty="0" smtClean="0">
+              <a:rPr lang="en-US" sz="2000" dirty="0">
                 <a:latin typeface="Segoe UI Black" panose="020B0A02040204020203" pitchFamily="34" charset="0"/>
                 <a:ea typeface="Segoe UI Black" panose="020B0A02040204020203" pitchFamily="34" charset="0"/>
                 <a:cs typeface="Times New Roman" panose="02020603050405020304" pitchFamily="18" charset="0"/>
@@ -7321,7 +6813,7 @@
                 <a:spcPts val="1000"/>
               </a:spcBef>
             </a:pPr>
-            <a:endParaRPr lang="en-US" sz="2400" dirty="0" smtClean="0">
+            <a:endParaRPr lang="en-US" sz="2000" dirty="0">
               <a:latin typeface="Segoe UI Black" panose="020B0A02040204020203" pitchFamily="34" charset="0"/>
               <a:ea typeface="Segoe UI Black" panose="020B0A02040204020203" pitchFamily="34" charset="0"/>
               <a:cs typeface="Times New Roman" panose="02020603050405020304" pitchFamily="18" charset="0"/>
@@ -7336,18 +6828,13 @@
               <a:buChar char="•"/>
             </a:pPr>
             <a:r>
-              <a:rPr lang="en-US" sz="2400" dirty="0" smtClean="0">
+              <a:rPr lang="en-US" sz="2000" dirty="0">
                 <a:latin typeface="Segoe UI Black" panose="020B0A02040204020203" pitchFamily="34" charset="0"/>
                 <a:ea typeface="Segoe UI Black" panose="020B0A02040204020203" pitchFamily="34" charset="0"/>
                 <a:cs typeface="Times New Roman" panose="02020603050405020304" pitchFamily="18" charset="0"/>
               </a:rPr>
               <a:t>Set up MQTT</a:t>
             </a:r>
-            <a:endParaRPr lang="en-US" sz="2400" dirty="0">
-              <a:latin typeface="Segoe UI Black" panose="020B0A02040204020203" pitchFamily="34" charset="0"/>
-              <a:ea typeface="Segoe UI Black" panose="020B0A02040204020203" pitchFamily="34" charset="0"/>
-              <a:cs typeface="Times New Roman" panose="02020603050405020304" pitchFamily="18" charset="0"/>
-            </a:endParaRPr>
           </a:p>
         </p:txBody>
       </p:sp>
@@ -7385,13 +6872,6 @@
   <p:clrMapOvr>
     <a:masterClrMapping/>
   </p:clrMapOvr>
-  <p:timing>
-    <p:tnLst>
-      <p:par>
-        <p:cTn id="1" dur="indefinite" restart="never" nodeType="tmRoot"/>
-      </p:par>
-    </p:tnLst>
-  </p:timing>
 </p:sld>
 </file>
 
@@ -7424,8 +6904,8 @@
         </p:nvSpPr>
         <p:spPr>
           <a:xfrm>
-            <a:off x="1971675" y="488388"/>
-            <a:ext cx="7212231" cy="757130"/>
+            <a:off x="2035562" y="613037"/>
+            <a:ext cx="4576894" cy="507831"/>
           </a:xfrm>
           <a:prstGeom prst="rect">
             <a:avLst/>
@@ -7439,7 +6919,7 @@
           <a:lstStyle/>
           <a:p>
             <a:r>
-              <a:rPr lang="en-US" sz="4800" b="1" dirty="0" smtClean="0">
+              <a:rPr lang="en-US" sz="3000" b="1" dirty="0">
                 <a:solidFill>
                   <a:srgbClr val="FF0000"/>
                 </a:solidFill>
@@ -7456,21 +6936,6 @@
               </a:rPr>
               <a:t>1.1 CONFIG WIFI (code)</a:t>
             </a:r>
-            <a:endParaRPr lang="en-US" sz="4800" b="1" dirty="0">
-              <a:solidFill>
-                <a:srgbClr val="FF0000"/>
-              </a:solidFill>
-              <a:effectLst>
-                <a:outerShdw blurRad="38100" dist="38100" dir="2700000" algn="tl">
-                  <a:srgbClr val="000000">
-                    <a:alpha val="43137"/>
-                  </a:srgbClr>
-                </a:outerShdw>
-              </a:effectLst>
-              <a:latin typeface="Segoe UI Black" panose="020B0A02040204020203" pitchFamily="34" charset="0"/>
-              <a:ea typeface="Segoe UI Black" panose="020B0A02040204020203" pitchFamily="34" charset="0"/>
-              <a:cs typeface="Times New Roman" panose="02020603050405020304" pitchFamily="18" charset="0"/>
-            </a:endParaRPr>
           </a:p>
         </p:txBody>
       </p:sp>
@@ -7528,7 +6993,7 @@
               <a:buChar char="•"/>
             </a:pPr>
             <a:r>
-              <a:rPr lang="en-US" sz="2400" dirty="0" smtClean="0">
+              <a:rPr lang="en-US" sz="2000" dirty="0">
                 <a:latin typeface="Segoe UI Black" panose="020B0A02040204020203" pitchFamily="34" charset="0"/>
                 <a:ea typeface="Segoe UI Black" panose="020B0A02040204020203" pitchFamily="34" charset="0"/>
                 <a:cs typeface="Times New Roman" panose="02020603050405020304" pitchFamily="18" charset="0"/>
@@ -7542,7 +7007,7 @@
                 <a:spcPts val="1000"/>
               </a:spcBef>
             </a:pPr>
-            <a:endParaRPr lang="en-US" sz="2400" dirty="0" smtClean="0">
+            <a:endParaRPr lang="en-US" sz="2000" dirty="0">
               <a:latin typeface="Segoe UI Black" panose="020B0A02040204020203" pitchFamily="34" charset="0"/>
               <a:ea typeface="Segoe UI Black" panose="020B0A02040204020203" pitchFamily="34" charset="0"/>
               <a:cs typeface="Times New Roman" panose="02020603050405020304" pitchFamily="18" charset="0"/>
@@ -7557,7 +7022,7 @@
               <a:buChar char="•"/>
             </a:pPr>
             <a:r>
-              <a:rPr lang="en-US" sz="2400" dirty="0" smtClean="0">
+              <a:rPr lang="en-US" sz="2000" dirty="0">
                 <a:latin typeface="Segoe UI Black" panose="020B0A02040204020203" pitchFamily="34" charset="0"/>
                 <a:ea typeface="Segoe UI Black" panose="020B0A02040204020203" pitchFamily="34" charset="0"/>
                 <a:cs typeface="Times New Roman" panose="02020603050405020304" pitchFamily="18" charset="0"/>
@@ -7577,13 +7042,6 @@
   <p:clrMapOvr>
     <a:masterClrMapping/>
   </p:clrMapOvr>
-  <p:timing>
-    <p:tnLst>
-      <p:par>
-        <p:cTn id="1" dur="indefinite" restart="never" nodeType="tmRoot"/>
-      </p:par>
-    </p:tnLst>
-  </p:timing>
 </p:sld>
 </file>
 
@@ -7616,8 +7074,8 @@
         </p:nvSpPr>
         <p:spPr>
           <a:xfrm>
-            <a:off x="1971675" y="488388"/>
-            <a:ext cx="7212231" cy="757130"/>
+            <a:off x="1971675" y="613037"/>
+            <a:ext cx="4576894" cy="507831"/>
           </a:xfrm>
           <a:prstGeom prst="rect">
             <a:avLst/>
@@ -7631,7 +7089,7 @@
           <a:lstStyle/>
           <a:p>
             <a:r>
-              <a:rPr lang="en-US" sz="4800" b="1" dirty="0" smtClean="0">
+              <a:rPr lang="en-US" sz="3000" b="1" dirty="0">
                 <a:solidFill>
                   <a:srgbClr val="FF0000"/>
                 </a:solidFill>
@@ -7648,21 +7106,6 @@
               </a:rPr>
               <a:t>1.1 CONFIG WIFI (code)</a:t>
             </a:r>
-            <a:endParaRPr lang="en-US" sz="4800" b="1" dirty="0">
-              <a:solidFill>
-                <a:srgbClr val="FF0000"/>
-              </a:solidFill>
-              <a:effectLst>
-                <a:outerShdw blurRad="38100" dist="38100" dir="2700000" algn="tl">
-                  <a:srgbClr val="000000">
-                    <a:alpha val="43137"/>
-                  </a:srgbClr>
-                </a:outerShdw>
-              </a:effectLst>
-              <a:latin typeface="Segoe UI Black" panose="020B0A02040204020203" pitchFamily="34" charset="0"/>
-              <a:ea typeface="Segoe UI Black" panose="020B0A02040204020203" pitchFamily="34" charset="0"/>
-              <a:cs typeface="Times New Roman" panose="02020603050405020304" pitchFamily="18" charset="0"/>
-            </a:endParaRPr>
           </a:p>
         </p:txBody>
       </p:sp>
@@ -7696,7 +7139,7 @@
               <a:buChar char="•"/>
             </a:pPr>
             <a:r>
-              <a:rPr lang="en-US" sz="2400" dirty="0" smtClean="0">
+              <a:rPr lang="en-US" sz="2000" dirty="0">
                 <a:latin typeface="Segoe UI Black" panose="020B0A02040204020203" pitchFamily="34" charset="0"/>
                 <a:ea typeface="Segoe UI Black" panose="020B0A02040204020203" pitchFamily="34" charset="0"/>
                 <a:cs typeface="Times New Roman" panose="02020603050405020304" pitchFamily="18" charset="0"/>
@@ -7710,7 +7153,7 @@
                 <a:spcPts val="1000"/>
               </a:spcBef>
             </a:pPr>
-            <a:endParaRPr lang="en-US" sz="2400" dirty="0" smtClean="0">
+            <a:endParaRPr lang="en-US" sz="2000" dirty="0">
               <a:latin typeface="Segoe UI Black" panose="020B0A02040204020203" pitchFamily="34" charset="0"/>
               <a:ea typeface="Segoe UI Black" panose="020B0A02040204020203" pitchFamily="34" charset="0"/>
               <a:cs typeface="Times New Roman" panose="02020603050405020304" pitchFamily="18" charset="0"/>
@@ -7725,7 +7168,7 @@
               <a:buChar char="•"/>
             </a:pPr>
             <a:r>
-              <a:rPr lang="en-US" sz="2400" dirty="0" smtClean="0">
+              <a:rPr lang="en-US" sz="2000" dirty="0">
                 <a:latin typeface="Segoe UI Black" panose="020B0A02040204020203" pitchFamily="34" charset="0"/>
                 <a:ea typeface="Segoe UI Black" panose="020B0A02040204020203" pitchFamily="34" charset="0"/>
                 <a:cs typeface="Times New Roman" panose="02020603050405020304" pitchFamily="18" charset="0"/>
@@ -7769,13 +7212,6 @@
   <p:clrMapOvr>
     <a:masterClrMapping/>
   </p:clrMapOvr>
-  <p:timing>
-    <p:tnLst>
-      <p:par>
-        <p:cTn id="1" dur="indefinite" restart="never" nodeType="tmRoot"/>
-      </p:par>
-    </p:tnLst>
-  </p:timing>
 </p:sld>
 </file>
 
@@ -7808,8 +7244,8 @@
         </p:nvSpPr>
         <p:spPr>
           <a:xfrm>
-            <a:off x="1971675" y="488388"/>
-            <a:ext cx="7212231" cy="757130"/>
+            <a:off x="1971675" y="613037"/>
+            <a:ext cx="4576894" cy="507831"/>
           </a:xfrm>
           <a:prstGeom prst="rect">
             <a:avLst/>
@@ -7823,7 +7259,7 @@
           <a:lstStyle/>
           <a:p>
             <a:r>
-              <a:rPr lang="en-US" sz="4800" b="1" dirty="0" smtClean="0">
+              <a:rPr lang="en-US" sz="3000" b="1" dirty="0">
                 <a:solidFill>
                   <a:srgbClr val="FF0000"/>
                 </a:solidFill>
@@ -7840,21 +7276,6 @@
               </a:rPr>
               <a:t>1.1 CONFIG WIFI (code)</a:t>
             </a:r>
-            <a:endParaRPr lang="en-US" sz="4800" b="1" dirty="0">
-              <a:solidFill>
-                <a:srgbClr val="FF0000"/>
-              </a:solidFill>
-              <a:effectLst>
-                <a:outerShdw blurRad="38100" dist="38100" dir="2700000" algn="tl">
-                  <a:srgbClr val="000000">
-                    <a:alpha val="43137"/>
-                  </a:srgbClr>
-                </a:outerShdw>
-              </a:effectLst>
-              <a:latin typeface="Segoe UI Black" panose="020B0A02040204020203" pitchFamily="34" charset="0"/>
-              <a:ea typeface="Segoe UI Black" panose="020B0A02040204020203" pitchFamily="34" charset="0"/>
-              <a:cs typeface="Times New Roman" panose="02020603050405020304" pitchFamily="18" charset="0"/>
-            </a:endParaRPr>
           </a:p>
         </p:txBody>
       </p:sp>
@@ -7888,7 +7309,7 @@
               <a:buChar char="•"/>
             </a:pPr>
             <a:r>
-              <a:rPr lang="en-US" sz="2400" dirty="0" smtClean="0">
+              <a:rPr lang="en-US" sz="2000" dirty="0">
                 <a:latin typeface="Segoe UI Black" panose="020B0A02040204020203" pitchFamily="34" charset="0"/>
                 <a:ea typeface="Segoe UI Black" panose="020B0A02040204020203" pitchFamily="34" charset="0"/>
                 <a:cs typeface="Times New Roman" panose="02020603050405020304" pitchFamily="18" charset="0"/>
@@ -7902,7 +7323,7 @@
                 <a:spcPts val="1000"/>
               </a:spcBef>
             </a:pPr>
-            <a:endParaRPr lang="en-US" sz="2400" dirty="0" smtClean="0">
+            <a:endParaRPr lang="en-US" sz="2000" dirty="0">
               <a:latin typeface="Segoe UI Black" panose="020B0A02040204020203" pitchFamily="34" charset="0"/>
               <a:ea typeface="Segoe UI Black" panose="020B0A02040204020203" pitchFamily="34" charset="0"/>
               <a:cs typeface="Times New Roman" panose="02020603050405020304" pitchFamily="18" charset="0"/>
@@ -7917,7 +7338,7 @@
               <a:buChar char="•"/>
             </a:pPr>
             <a:r>
-              <a:rPr lang="en-US" sz="2400" dirty="0" smtClean="0">
+              <a:rPr lang="en-US" sz="2000" dirty="0">
                 <a:latin typeface="Segoe UI Black" panose="020B0A02040204020203" pitchFamily="34" charset="0"/>
                 <a:ea typeface="Segoe UI Black" panose="020B0A02040204020203" pitchFamily="34" charset="0"/>
                 <a:cs typeface="Times New Roman" panose="02020603050405020304" pitchFamily="18" charset="0"/>
@@ -7961,13 +7382,6 @@
   <p:clrMapOvr>
     <a:masterClrMapping/>
   </p:clrMapOvr>
-  <p:timing>
-    <p:tnLst>
-      <p:par>
-        <p:cTn id="1" dur="indefinite" restart="never" nodeType="tmRoot"/>
-      </p:par>
-    </p:tnLst>
-  </p:timing>
 </p:sld>
 </file>
 
@@ -8000,8 +7414,8 @@
         </p:nvSpPr>
         <p:spPr>
           <a:xfrm>
-            <a:off x="1971675" y="488388"/>
-            <a:ext cx="6038833" cy="757130"/>
+            <a:off x="1971675" y="613037"/>
+            <a:ext cx="4576894" cy="507831"/>
           </a:xfrm>
           <a:prstGeom prst="rect">
             <a:avLst/>
@@ -8015,7 +7429,7 @@
           <a:lstStyle/>
           <a:p>
             <a:r>
-              <a:rPr lang="en-US" sz="3600" b="1" dirty="0" smtClean="0">
+              <a:rPr lang="en-US" sz="3000" b="1" dirty="0">
                 <a:solidFill>
                   <a:srgbClr val="FF0000"/>
                 </a:solidFill>
@@ -8030,59 +7444,8 @@
                 <a:ea typeface="Segoe UI Black" panose="020B0A02040204020203" pitchFamily="34" charset="0"/>
                 <a:cs typeface="Times New Roman" panose="02020603050405020304" pitchFamily="18" charset="0"/>
               </a:rPr>
-              <a:t>1.1 </a:t>
-            </a:r>
-            <a:r>
-              <a:rPr lang="en-US" sz="4800" b="1" dirty="0" smtClean="0">
-                <a:solidFill>
-                  <a:srgbClr val="FF0000"/>
-                </a:solidFill>
-                <a:effectLst>
-                  <a:outerShdw blurRad="38100" dist="38100" dir="2700000" algn="tl">
-                    <a:srgbClr val="000000">
-                      <a:alpha val="43137"/>
-                    </a:srgbClr>
-                  </a:outerShdw>
-                </a:effectLst>
-                <a:latin typeface="Segoe UI Black" panose="020B0A02040204020203" pitchFamily="34" charset="0"/>
-                <a:ea typeface="Segoe UI Black" panose="020B0A02040204020203" pitchFamily="34" charset="0"/>
-                <a:cs typeface="Times New Roman" panose="02020603050405020304" pitchFamily="18" charset="0"/>
-              </a:rPr>
-              <a:t>CONFIG</a:t>
-            </a:r>
-            <a:r>
-              <a:rPr lang="en-US" sz="3600" b="1" dirty="0" smtClean="0">
-                <a:solidFill>
-                  <a:srgbClr val="FF0000"/>
-                </a:solidFill>
-                <a:effectLst>
-                  <a:outerShdw blurRad="38100" dist="38100" dir="2700000" algn="tl">
-                    <a:srgbClr val="000000">
-                      <a:alpha val="43137"/>
-                    </a:srgbClr>
-                  </a:outerShdw>
-                </a:effectLst>
-                <a:latin typeface="Segoe UI Black" panose="020B0A02040204020203" pitchFamily="34" charset="0"/>
-                <a:ea typeface="Segoe UI Black" panose="020B0A02040204020203" pitchFamily="34" charset="0"/>
-                <a:cs typeface="Times New Roman" panose="02020603050405020304" pitchFamily="18" charset="0"/>
-              </a:rPr>
-              <a:t> WIFI (code)</a:t>
-            </a:r>
-            <a:endParaRPr lang="en-US" sz="3600" b="1" dirty="0">
-              <a:solidFill>
-                <a:srgbClr val="FF0000"/>
-              </a:solidFill>
-              <a:effectLst>
-                <a:outerShdw blurRad="38100" dist="38100" dir="2700000" algn="tl">
-                  <a:srgbClr val="000000">
-                    <a:alpha val="43137"/>
-                  </a:srgbClr>
-                </a:outerShdw>
-              </a:effectLst>
-              <a:latin typeface="Segoe UI Black" panose="020B0A02040204020203" pitchFamily="34" charset="0"/>
-              <a:ea typeface="Segoe UI Black" panose="020B0A02040204020203" pitchFamily="34" charset="0"/>
-              <a:cs typeface="Times New Roman" panose="02020603050405020304" pitchFamily="18" charset="0"/>
-            </a:endParaRPr>
+              <a:t>1.1 CONFIG WIFI (code)</a:t>
+            </a:r>
           </a:p>
         </p:txBody>
       </p:sp>
@@ -8116,7 +7479,7 @@
               <a:buChar char="•"/>
             </a:pPr>
             <a:r>
-              <a:rPr lang="en-US" sz="2400" dirty="0" smtClean="0">
+              <a:rPr lang="en-US" sz="2000" dirty="0">
                 <a:latin typeface="Segoe UI Black" panose="020B0A02040204020203" pitchFamily="34" charset="0"/>
                 <a:ea typeface="Segoe UI Black" panose="020B0A02040204020203" pitchFamily="34" charset="0"/>
                 <a:cs typeface="Times New Roman" panose="02020603050405020304" pitchFamily="18" charset="0"/>
@@ -8130,7 +7493,7 @@
                 <a:spcPts val="1000"/>
               </a:spcBef>
             </a:pPr>
-            <a:endParaRPr lang="en-US" sz="2400" dirty="0" smtClean="0">
+            <a:endParaRPr lang="en-US" sz="2000" dirty="0">
               <a:latin typeface="Segoe UI Black" panose="020B0A02040204020203" pitchFamily="34" charset="0"/>
               <a:ea typeface="Segoe UI Black" panose="020B0A02040204020203" pitchFamily="34" charset="0"/>
               <a:cs typeface="Times New Roman" panose="02020603050405020304" pitchFamily="18" charset="0"/>
@@ -8145,7 +7508,7 @@
               <a:buChar char="•"/>
             </a:pPr>
             <a:r>
-              <a:rPr lang="en-US" sz="2400" dirty="0" smtClean="0">
+              <a:rPr lang="en-US" sz="2000" dirty="0">
                 <a:latin typeface="Segoe UI Black" panose="020B0A02040204020203" pitchFamily="34" charset="0"/>
                 <a:ea typeface="Segoe UI Black" panose="020B0A02040204020203" pitchFamily="34" charset="0"/>
                 <a:cs typeface="Times New Roman" panose="02020603050405020304" pitchFamily="18" charset="0"/>
@@ -8189,13 +7552,6 @@
   <p:clrMapOvr>
     <a:masterClrMapping/>
   </p:clrMapOvr>
-  <p:timing>
-    <p:tnLst>
-      <p:par>
-        <p:cTn id="1" dur="indefinite" restart="never" nodeType="tmRoot"/>
-      </p:par>
-    </p:tnLst>
-  </p:timing>
 </p:sld>
 </file>
 
